--- a/Customer360.pptx
+++ b/Customer360.pptx
@@ -5,7 +5,7 @@
     <p:sldMasterId id="2147483648" r:id="rId1"/>
   </p:sldMasterIdLst>
   <p:notesMasterIdLst>
-    <p:notesMasterId r:id="rId12"/>
+    <p:notesMasterId r:id="rId16"/>
   </p:notesMasterIdLst>
   <p:sldIdLst>
     <p:sldId id="256" r:id="rId2"/>
@@ -14,10 +14,14 @@
     <p:sldId id="260" r:id="rId5"/>
     <p:sldId id="258" r:id="rId6"/>
     <p:sldId id="261" r:id="rId7"/>
-    <p:sldId id="263" r:id="rId8"/>
-    <p:sldId id="264" r:id="rId9"/>
-    <p:sldId id="265" r:id="rId10"/>
-    <p:sldId id="266" r:id="rId11"/>
+    <p:sldId id="267" r:id="rId8"/>
+    <p:sldId id="268" r:id="rId9"/>
+    <p:sldId id="269" r:id="rId10"/>
+    <p:sldId id="270" r:id="rId11"/>
+    <p:sldId id="263" r:id="rId12"/>
+    <p:sldId id="264" r:id="rId13"/>
+    <p:sldId id="265" r:id="rId14"/>
+    <p:sldId id="266" r:id="rId15"/>
   </p:sldIdLst>
   <p:sldSz cx="12192000" cy="6858000"/>
   <p:notesSz cx="6858000" cy="9144000"/>
@@ -206,7 +210,7 @@
           <a:p>
             <a:fld id="{1D0A8BF1-EE69-B74F-99BD-C67ABF5CCBE6}" type="datetimeFigureOut">
               <a:rPr lang="en-US" smtClean="0"/>
-              <a:t>8/6/19</a:t>
+              <a:t>8/9/19</a:t>
             </a:fld>
             <a:endParaRPr lang="en-US"/>
           </a:p>
@@ -704,7 +708,7 @@
           <a:p>
             <a:fld id="{9ED6258F-A633-3144-BBDC-0C4AD7250C00}" type="datetimeFigureOut">
               <a:rPr lang="en-US" smtClean="0"/>
-              <a:t>8/6/19</a:t>
+              <a:t>8/9/19</a:t>
             </a:fld>
             <a:endParaRPr lang="en-US"/>
           </a:p>
@@ -902,7 +906,7 @@
           <a:p>
             <a:fld id="{9ED6258F-A633-3144-BBDC-0C4AD7250C00}" type="datetimeFigureOut">
               <a:rPr lang="en-US" smtClean="0"/>
-              <a:t>8/6/19</a:t>
+              <a:t>8/9/19</a:t>
             </a:fld>
             <a:endParaRPr lang="en-US"/>
           </a:p>
@@ -1110,7 +1114,7 @@
           <a:p>
             <a:fld id="{9ED6258F-A633-3144-BBDC-0C4AD7250C00}" type="datetimeFigureOut">
               <a:rPr lang="en-US" smtClean="0"/>
-              <a:t>8/6/19</a:t>
+              <a:t>8/9/19</a:t>
             </a:fld>
             <a:endParaRPr lang="en-US"/>
           </a:p>
@@ -1308,7 +1312,7 @@
           <a:p>
             <a:fld id="{9ED6258F-A633-3144-BBDC-0C4AD7250C00}" type="datetimeFigureOut">
               <a:rPr lang="en-US" smtClean="0"/>
-              <a:t>8/6/19</a:t>
+              <a:t>8/9/19</a:t>
             </a:fld>
             <a:endParaRPr lang="en-US"/>
           </a:p>
@@ -1583,7 +1587,7 @@
           <a:p>
             <a:fld id="{9ED6258F-A633-3144-BBDC-0C4AD7250C00}" type="datetimeFigureOut">
               <a:rPr lang="en-US" smtClean="0"/>
-              <a:t>8/6/19</a:t>
+              <a:t>8/9/19</a:t>
             </a:fld>
             <a:endParaRPr lang="en-US"/>
           </a:p>
@@ -1848,7 +1852,7 @@
           <a:p>
             <a:fld id="{9ED6258F-A633-3144-BBDC-0C4AD7250C00}" type="datetimeFigureOut">
               <a:rPr lang="en-US" smtClean="0"/>
-              <a:t>8/6/19</a:t>
+              <a:t>8/9/19</a:t>
             </a:fld>
             <a:endParaRPr lang="en-US"/>
           </a:p>
@@ -2260,7 +2264,7 @@
           <a:p>
             <a:fld id="{9ED6258F-A633-3144-BBDC-0C4AD7250C00}" type="datetimeFigureOut">
               <a:rPr lang="en-US" smtClean="0"/>
-              <a:t>8/6/19</a:t>
+              <a:t>8/9/19</a:t>
             </a:fld>
             <a:endParaRPr lang="en-US"/>
           </a:p>
@@ -2401,7 +2405,7 @@
           <a:p>
             <a:fld id="{9ED6258F-A633-3144-BBDC-0C4AD7250C00}" type="datetimeFigureOut">
               <a:rPr lang="en-US" smtClean="0"/>
-              <a:t>8/6/19</a:t>
+              <a:t>8/9/19</a:t>
             </a:fld>
             <a:endParaRPr lang="en-US"/>
           </a:p>
@@ -2514,7 +2518,7 @@
           <a:p>
             <a:fld id="{9ED6258F-A633-3144-BBDC-0C4AD7250C00}" type="datetimeFigureOut">
               <a:rPr lang="en-US" smtClean="0"/>
-              <a:t>8/6/19</a:t>
+              <a:t>8/9/19</a:t>
             </a:fld>
             <a:endParaRPr lang="en-US"/>
           </a:p>
@@ -2825,7 +2829,7 @@
           <a:p>
             <a:fld id="{9ED6258F-A633-3144-BBDC-0C4AD7250C00}" type="datetimeFigureOut">
               <a:rPr lang="en-US" smtClean="0"/>
-              <a:t>8/6/19</a:t>
+              <a:t>8/9/19</a:t>
             </a:fld>
             <a:endParaRPr lang="en-US"/>
           </a:p>
@@ -3113,7 +3117,7 @@
           <a:p>
             <a:fld id="{9ED6258F-A633-3144-BBDC-0C4AD7250C00}" type="datetimeFigureOut">
               <a:rPr lang="en-US" smtClean="0"/>
-              <a:t>8/6/19</a:t>
+              <a:t>8/9/19</a:t>
             </a:fld>
             <a:endParaRPr lang="en-US"/>
           </a:p>
@@ -3354,7 +3358,7 @@
           <a:p>
             <a:fld id="{9ED6258F-A633-3144-BBDC-0C4AD7250C00}" type="datetimeFigureOut">
               <a:rPr lang="en-US" smtClean="0"/>
-              <a:t>8/6/19</a:t>
+              <a:t>8/9/19</a:t>
             </a:fld>
             <a:endParaRPr lang="en-US"/>
           </a:p>
@@ -3857,281 +3861,200 @@
           <a:chExt cx="0" cy="0"/>
         </a:xfrm>
       </p:grpSpPr>
-      <p:graphicFrame>
-        <p:nvGraphicFramePr>
-          <p:cNvPr id="2" name="Table 1">
-            <a:extLst>
-              <a:ext uri="{FF2B5EF4-FFF2-40B4-BE49-F238E27FC236}">
-                <a16:creationId xmlns:a16="http://schemas.microsoft.com/office/drawing/2014/main" id="{C60E98CA-8FF8-3643-8392-136A70BA483D}"/>
-              </a:ext>
-            </a:extLst>
-          </p:cNvPr>
-          <p:cNvGraphicFramePr>
-            <a:graphicFrameLocks noGrp="1"/>
-          </p:cNvGraphicFramePr>
-          <p:nvPr>
-            <p:extLst>
-              <p:ext uri="{D42A27DB-BD31-4B8C-83A1-F6EECF244321}">
-                <p14:modId xmlns:p14="http://schemas.microsoft.com/office/powerpoint/2010/main" val="103183003"/>
-              </p:ext>
-            </p:extLst>
-          </p:nvPr>
-        </p:nvGraphicFramePr>
-        <p:xfrm>
-          <a:off x="914400" y="211551"/>
-          <a:ext cx="10626811" cy="4039173"/>
-        </p:xfrm>
-        <a:graphic>
-          <a:graphicData uri="http://schemas.openxmlformats.org/drawingml/2006/table">
-            <a:tbl>
-              <a:tblPr firstRow="1" bandRow="1">
-                <a:tableStyleId>{5C22544A-7EE6-4342-B048-85BDC9FD1C3A}</a:tableStyleId>
-              </a:tblPr>
-              <a:tblGrid>
-                <a:gridCol w="5121830">
-                  <a:extLst>
-                    <a:ext uri="{9D8B030D-6E8A-4147-A177-3AD203B41FA5}">
-                      <a16:colId xmlns:a16="http://schemas.microsoft.com/office/drawing/2014/main" val="2147311127"/>
-                    </a:ext>
-                  </a:extLst>
-                </a:gridCol>
-                <a:gridCol w="5504981">
-                  <a:extLst>
-                    <a:ext uri="{9D8B030D-6E8A-4147-A177-3AD203B41FA5}">
-                      <a16:colId xmlns:a16="http://schemas.microsoft.com/office/drawing/2014/main" val="2443579607"/>
-                    </a:ext>
-                  </a:extLst>
-                </a:gridCol>
-              </a:tblGrid>
-              <a:tr h="575185">
-                <a:tc>
-                  <a:txBody>
-                    <a:bodyPr/>
-                    <a:lstStyle/>
-                    <a:p>
-                      <a:endParaRPr lang="en-US" dirty="0"/>
-                    </a:p>
-                  </a:txBody>
-                  <a:tcPr/>
-                </a:tc>
-                <a:tc>
-                  <a:txBody>
-                    <a:bodyPr/>
-                    <a:lstStyle/>
-                    <a:p>
-                      <a:endParaRPr lang="en-US" dirty="0"/>
-                    </a:p>
-                  </a:txBody>
-                  <a:tcPr/>
-                </a:tc>
-                <a:extLst>
-                  <a:ext uri="{0D108BD9-81ED-4DB2-BD59-A6C34878D82A}">
-                    <a16:rowId xmlns:a16="http://schemas.microsoft.com/office/drawing/2014/main" val="2718567125"/>
-                  </a:ext>
-                </a:extLst>
-              </a:tr>
-              <a:tr h="677643">
-                <a:tc>
-                  <a:txBody>
-                    <a:bodyPr/>
-                    <a:lstStyle/>
-                    <a:p>
-                      <a:r>
-                        <a:rPr lang="en-US" dirty="0"/>
-                        <a:t>/Users/</a:t>
-                      </a:r>
-                      <a:r>
-                        <a:rPr lang="en-US" dirty="0" err="1"/>
-                        <a:t>shivakumar</a:t>
-                      </a:r>
-                      <a:r>
-                        <a:rPr lang="en-US" dirty="0"/>
-                        <a:t>/Documents/Demo/demo-customer360/extraction/order-data-</a:t>
-                      </a:r>
-                      <a:r>
-                        <a:rPr lang="en-US" dirty="0" err="1"/>
-                        <a:t>apachescoop</a:t>
-                      </a:r>
-                      <a:endParaRPr lang="en-US" dirty="0"/>
-                    </a:p>
-                  </a:txBody>
-                  <a:tcPr/>
-                </a:tc>
-                <a:tc>
-                  <a:txBody>
-                    <a:bodyPr/>
-                    <a:lstStyle/>
-                    <a:p>
-                      <a:r>
-                        <a:rPr lang="en-US" dirty="0"/>
-                        <a:t>All artifacts of job to extract order data</a:t>
-                      </a:r>
-                    </a:p>
-                  </a:txBody>
-                  <a:tcPr/>
-                </a:tc>
-                <a:extLst>
-                  <a:ext uri="{0D108BD9-81ED-4DB2-BD59-A6C34878D82A}">
-                    <a16:rowId xmlns:a16="http://schemas.microsoft.com/office/drawing/2014/main" val="4201954804"/>
-                  </a:ext>
-                </a:extLst>
-              </a:tr>
-              <a:tr h="652948">
-                <a:tc>
-                  <a:txBody>
-                    <a:bodyPr/>
-                    <a:lstStyle/>
-                    <a:p>
-                      <a:r>
-                        <a:rPr lang="en-US" dirty="0"/>
-                        <a:t>/Users/</a:t>
-                      </a:r>
-                      <a:r>
-                        <a:rPr lang="en-US" dirty="0" err="1"/>
-                        <a:t>shivakumar</a:t>
-                      </a:r>
-                      <a:r>
-                        <a:rPr lang="en-US" dirty="0"/>
-                        <a:t>/Documents/Demo/demo-customer360/extraction/clickstream-data-bash</a:t>
-                      </a:r>
-                    </a:p>
-                  </a:txBody>
-                  <a:tcPr/>
-                </a:tc>
-                <a:tc>
-                  <a:txBody>
-                    <a:bodyPr/>
-                    <a:lstStyle/>
-                    <a:p>
-                      <a:pPr marL="0" marR="0" lvl="0" indent="0" algn="l" defTabSz="914400" rtl="0" eaLnBrk="1" fontAlgn="auto" latinLnBrk="0" hangingPunct="1">
-                        <a:lnSpc>
-                          <a:spcPct val="100000"/>
-                        </a:lnSpc>
-                        <a:spcBef>
-                          <a:spcPts val="0"/>
-                        </a:spcBef>
-                        <a:spcAft>
-                          <a:spcPts val="0"/>
-                        </a:spcAft>
-                        <a:buClrTx/>
-                        <a:buSzTx/>
-                        <a:buFontTx/>
-                        <a:buNone/>
-                        <a:tabLst/>
-                        <a:defRPr/>
-                      </a:pPr>
-                      <a:r>
-                        <a:rPr lang="en-US" dirty="0"/>
-                        <a:t>All artifacts of job to clickstream order data</a:t>
-                      </a:r>
-                    </a:p>
-                    <a:p>
-                      <a:endParaRPr lang="en-US" dirty="0"/>
-                    </a:p>
-                  </a:txBody>
-                  <a:tcPr/>
-                </a:tc>
-                <a:extLst>
-                  <a:ext uri="{0D108BD9-81ED-4DB2-BD59-A6C34878D82A}">
-                    <a16:rowId xmlns:a16="http://schemas.microsoft.com/office/drawing/2014/main" val="3111595854"/>
-                  </a:ext>
-                </a:extLst>
-              </a:tr>
-              <a:tr h="715133">
-                <a:tc>
-                  <a:txBody>
-                    <a:bodyPr/>
-                    <a:lstStyle/>
-                    <a:p>
-                      <a:r>
-                        <a:rPr lang="en-US" dirty="0"/>
-                        <a:t>/Users/</a:t>
-                      </a:r>
-                      <a:r>
-                        <a:rPr lang="en-US" dirty="0" err="1"/>
-                        <a:t>shivakumar</a:t>
-                      </a:r>
-                      <a:r>
-                        <a:rPr lang="en-US" dirty="0"/>
-                        <a:t>/Documents/Demo/demo-customer360/processing</a:t>
-                      </a:r>
-                    </a:p>
-                  </a:txBody>
-                  <a:tcPr/>
-                </a:tc>
-                <a:tc>
-                  <a:txBody>
-                    <a:bodyPr/>
-                    <a:lstStyle/>
-                    <a:p>
-                      <a:r>
-                        <a:rPr lang="en-US" dirty="0"/>
-                        <a:t> For all processing jobs. Create relevant sub directories. </a:t>
-                      </a:r>
-                    </a:p>
-                  </a:txBody>
-                  <a:tcPr/>
-                </a:tc>
-                <a:extLst>
-                  <a:ext uri="{0D108BD9-81ED-4DB2-BD59-A6C34878D82A}">
-                    <a16:rowId xmlns:a16="http://schemas.microsoft.com/office/drawing/2014/main" val="3029997570"/>
-                  </a:ext>
-                </a:extLst>
-              </a:tr>
-              <a:tr h="1418264">
-                <a:tc>
-                  <a:txBody>
-                    <a:bodyPr/>
-                    <a:lstStyle/>
-                    <a:p>
-                      <a:r>
-                        <a:rPr lang="en-US" dirty="0"/>
-                        <a:t>/Users/</a:t>
-                      </a:r>
-                      <a:r>
-                        <a:rPr lang="en-US" dirty="0" err="1"/>
-                        <a:t>shivakumar</a:t>
-                      </a:r>
-                      <a:r>
-                        <a:rPr lang="en-US" dirty="0"/>
-                        <a:t>/Documents/Demo/demo-customer360/</a:t>
-                      </a:r>
-                      <a:r>
-                        <a:rPr lang="en-US" dirty="0" err="1"/>
-                        <a:t>smartapp</a:t>
-                      </a:r>
-                      <a:endParaRPr lang="en-US" dirty="0"/>
-                    </a:p>
-                  </a:txBody>
-                  <a:tcPr/>
-                </a:tc>
-                <a:tc>
-                  <a:txBody>
-                    <a:bodyPr/>
-                    <a:lstStyle/>
-                    <a:p>
-                      <a:r>
-                        <a:rPr lang="en-US" dirty="0"/>
-                        <a:t> Kibana Docker container and artifacts. </a:t>
-                      </a:r>
-                    </a:p>
-                  </a:txBody>
-                  <a:tcPr/>
-                </a:tc>
-                <a:extLst>
-                  <a:ext uri="{0D108BD9-81ED-4DB2-BD59-A6C34878D82A}">
-                    <a16:rowId xmlns:a16="http://schemas.microsoft.com/office/drawing/2014/main" val="1689905344"/>
-                  </a:ext>
-                </a:extLst>
-              </a:tr>
-            </a:tbl>
-          </a:graphicData>
-        </a:graphic>
-      </p:graphicFrame>
+      <p:sp>
+        <p:nvSpPr>
+          <p:cNvPr id="2" name="TextBox 1">
+            <a:extLst>
+              <a:ext uri="{FF2B5EF4-FFF2-40B4-BE49-F238E27FC236}">
+                <a16:creationId xmlns:a16="http://schemas.microsoft.com/office/drawing/2014/main" id="{53902A0E-FC2C-7A4E-B747-1C76C2390AF8}"/>
+              </a:ext>
+            </a:extLst>
+          </p:cNvPr>
+          <p:cNvSpPr txBox="1"/>
+          <p:nvPr/>
+        </p:nvSpPr>
+        <p:spPr>
+          <a:xfrm>
+            <a:off x="630195" y="210065"/>
+            <a:ext cx="7858897" cy="369332"/>
+          </a:xfrm>
+          <a:prstGeom prst="rect">
+            <a:avLst/>
+          </a:prstGeom>
+          <a:noFill/>
+        </p:spPr>
+        <p:txBody>
+          <a:bodyPr wrap="square" rtlCol="0">
+            <a:spAutoFit/>
+          </a:bodyPr>
+          <a:lstStyle/>
+          <a:p>
+            <a:r>
+              <a:rPr lang="en-US" dirty="0"/>
+              <a:t>Smart APP</a:t>
+            </a:r>
+          </a:p>
+        </p:txBody>
+      </p:sp>
+      <p:sp>
+        <p:nvSpPr>
+          <p:cNvPr id="4" name="TextBox 3">
+            <a:extLst>
+              <a:ext uri="{FF2B5EF4-FFF2-40B4-BE49-F238E27FC236}">
+                <a16:creationId xmlns:a16="http://schemas.microsoft.com/office/drawing/2014/main" id="{541A5CCF-C389-9A47-AC8F-21E4FDF51BA4}"/>
+              </a:ext>
+            </a:extLst>
+          </p:cNvPr>
+          <p:cNvSpPr txBox="1"/>
+          <p:nvPr/>
+        </p:nvSpPr>
+        <p:spPr>
+          <a:xfrm>
+            <a:off x="741405" y="914400"/>
+            <a:ext cx="9601200" cy="4247317"/>
+          </a:xfrm>
+          <a:prstGeom prst="rect">
+            <a:avLst/>
+          </a:prstGeom>
+          <a:noFill/>
+        </p:spPr>
+        <p:txBody>
+          <a:bodyPr wrap="square" rtlCol="0">
+            <a:spAutoFit/>
+          </a:bodyPr>
+          <a:lstStyle/>
+          <a:p>
+            <a:pPr marL="342900" indent="-342900">
+              <a:buAutoNum type="arabicPeriod"/>
+            </a:pPr>
+            <a:r>
+              <a:rPr lang="en-US" dirty="0"/>
+              <a:t>Customer 360 Kibana Dashboard ( Patrice / Thomas) -  This </a:t>
+            </a:r>
+            <a:r>
+              <a:rPr lang="en-US" dirty="0" err="1"/>
+              <a:t>i</a:t>
+            </a:r>
+            <a:r>
+              <a:rPr lang="en-US" dirty="0"/>
+              <a:t> a dashboard for each Account. You provide account ID or Name then it will provide in detail all the information about the customer like </a:t>
+            </a:r>
+          </a:p>
+          <a:p>
+            <a:pPr marL="800100" lvl="1" indent="-342900">
+              <a:buFont typeface="Arial" panose="020B0604020202020204" pitchFamily="34" charset="0"/>
+              <a:buChar char="•"/>
+            </a:pPr>
+            <a:r>
+              <a:rPr lang="en-US" dirty="0"/>
+              <a:t>Details of Account ( Name, Address, Phone , Fax </a:t>
+            </a:r>
+            <a:r>
+              <a:rPr lang="en-US" dirty="0" err="1"/>
+              <a:t>etc</a:t>
+            </a:r>
+            <a:r>
+              <a:rPr lang="en-US" dirty="0"/>
+              <a:t>) </a:t>
+            </a:r>
+          </a:p>
+          <a:p>
+            <a:pPr marL="800100" lvl="1" indent="-342900">
+              <a:buFont typeface="Arial" panose="020B0604020202020204" pitchFamily="34" charset="0"/>
+              <a:buChar char="•"/>
+            </a:pPr>
+            <a:r>
+              <a:rPr lang="en-US" dirty="0"/>
+              <a:t>Order History for that customer </a:t>
+            </a:r>
+          </a:p>
+          <a:p>
+            <a:pPr marL="800100" lvl="1" indent="-342900">
+              <a:buFont typeface="Arial" panose="020B0604020202020204" pitchFamily="34" charset="0"/>
+              <a:buChar char="•"/>
+            </a:pPr>
+            <a:r>
+              <a:rPr lang="en-US" dirty="0"/>
+              <a:t>Click Stream data for that customer</a:t>
+            </a:r>
+          </a:p>
+          <a:p>
+            <a:pPr marL="800100" lvl="1" indent="-342900">
+              <a:buFont typeface="Arial" panose="020B0604020202020204" pitchFamily="34" charset="0"/>
+              <a:buChar char="•"/>
+            </a:pPr>
+            <a:r>
+              <a:rPr lang="en-US" dirty="0" err="1"/>
+              <a:t>UpSell</a:t>
+            </a:r>
+            <a:r>
+              <a:rPr lang="en-US" dirty="0"/>
+              <a:t> etc.  </a:t>
+            </a:r>
+          </a:p>
+          <a:p>
+            <a:pPr lvl="1"/>
+            <a:endParaRPr lang="en-US" dirty="0"/>
+          </a:p>
+          <a:p>
+            <a:pPr lvl="1"/>
+            <a:r>
+              <a:rPr lang="en-US" dirty="0"/>
+              <a:t>The Processing Jobs 1 &amp; 2 Will power this dashboard. </a:t>
+            </a:r>
+          </a:p>
+          <a:p>
+            <a:pPr marL="342900" indent="-342900">
+              <a:buAutoNum type="arabicPeriod"/>
+            </a:pPr>
+            <a:endParaRPr lang="en-US" dirty="0"/>
+          </a:p>
+          <a:p>
+            <a:pPr marL="342900" indent="-342900">
+              <a:buAutoNum type="arabicPeriod"/>
+            </a:pPr>
+            <a:r>
+              <a:rPr lang="en-US" dirty="0"/>
+              <a:t>Sales Dashboard ( Patrice / Thomas) – This is a dashboard to show the over all company performance and Like total company revenue , customer churn etc. </a:t>
+            </a:r>
+          </a:p>
+          <a:p>
+            <a:endParaRPr lang="en-US" dirty="0"/>
+          </a:p>
+          <a:p>
+            <a:r>
+              <a:rPr lang="en-US" dirty="0"/>
+              <a:t>       Processing Job 3 will power </a:t>
+            </a:r>
+            <a:r>
+              <a:rPr lang="en-US"/>
+              <a:t>this </a:t>
+            </a:r>
+            <a:r>
+              <a:rPr lang="en-US" dirty="0"/>
+              <a:t>d</a:t>
+            </a:r>
+            <a:r>
+              <a:rPr lang="en-US"/>
+              <a:t>ashboard</a:t>
+            </a:r>
+            <a:r>
+              <a:rPr lang="en-US" dirty="0"/>
+              <a:t>. </a:t>
+            </a:r>
+          </a:p>
+          <a:p>
+            <a:pPr marL="342900" indent="-342900">
+              <a:buAutoNum type="arabicPeriod"/>
+            </a:pPr>
+            <a:endParaRPr lang="en-US" dirty="0"/>
+          </a:p>
+        </p:txBody>
+      </p:sp>
     </p:spTree>
     <p:extLst>
       <p:ext uri="{BB962C8B-B14F-4D97-AF65-F5344CB8AC3E}">
-        <p14:creationId xmlns:p14="http://schemas.microsoft.com/office/powerpoint/2010/main" val="288685196"/>
+        <p14:creationId xmlns:p14="http://schemas.microsoft.com/office/powerpoint/2010/main" val="1533966437"/>
       </p:ext>
     </p:extLst>
   </p:cSld>
@@ -4141,3214 +4064,7 @@
 </p:sld>
 </file>
 
-<file path=ppt/slides/slide2.xml><?xml version="1.0" encoding="utf-8"?>
-<p:sld xmlns:a="http://schemas.openxmlformats.org/drawingml/2006/main" xmlns:r="http://schemas.openxmlformats.org/officeDocument/2006/relationships" xmlns:p="http://schemas.openxmlformats.org/presentationml/2006/main">
-  <p:cSld>
-    <p:spTree>
-      <p:nvGrpSpPr>
-        <p:cNvPr id="1" name=""/>
-        <p:cNvGrpSpPr/>
-        <p:nvPr/>
-      </p:nvGrpSpPr>
-      <p:grpSpPr>
-        <a:xfrm>
-          <a:off x="0" y="0"/>
-          <a:ext cx="0" cy="0"/>
-          <a:chOff x="0" y="0"/>
-          <a:chExt cx="0" cy="0"/>
-        </a:xfrm>
-      </p:grpSpPr>
-      <p:sp>
-        <p:nvSpPr>
-          <p:cNvPr id="2" name="TextBox 1">
-            <a:extLst>
-              <a:ext uri="{FF2B5EF4-FFF2-40B4-BE49-F238E27FC236}">
-                <a16:creationId xmlns:a16="http://schemas.microsoft.com/office/drawing/2014/main" id="{BD0DEDF9-34FC-FA4B-8CC8-9FB383BAB4BF}"/>
-              </a:ext>
-            </a:extLst>
-          </p:cNvPr>
-          <p:cNvSpPr txBox="1"/>
-          <p:nvPr/>
-        </p:nvSpPr>
-        <p:spPr>
-          <a:xfrm>
-            <a:off x="1408670" y="469557"/>
-            <a:ext cx="9366422" cy="4801314"/>
-          </a:xfrm>
-          <a:prstGeom prst="rect">
-            <a:avLst/>
-          </a:prstGeom>
-          <a:noFill/>
-        </p:spPr>
-        <p:txBody>
-          <a:bodyPr wrap="square" rtlCol="0">
-            <a:spAutoFit/>
-          </a:bodyPr>
-          <a:lstStyle/>
-          <a:p>
-            <a:r>
-              <a:rPr lang="en-US" dirty="0"/>
-              <a:t>Scope:</a:t>
-            </a:r>
-          </a:p>
-          <a:p>
-            <a:endParaRPr lang="en-US" dirty="0"/>
-          </a:p>
-          <a:p>
-            <a:r>
-              <a:rPr lang="en-US" dirty="0"/>
-              <a:t>Phase 1</a:t>
-            </a:r>
-          </a:p>
-          <a:p>
-            <a:r>
-              <a:rPr lang="en-US" dirty="0"/>
-              <a:t>Demonstrate Analytics project for Customer 360 including </a:t>
-            </a:r>
-          </a:p>
-          <a:p>
-            <a:pPr marL="285750" indent="-285750">
-              <a:buFont typeface="Arial" panose="020B0604020202020204" pitchFamily="34" charset="0"/>
-              <a:buChar char="•"/>
-            </a:pPr>
-            <a:r>
-              <a:rPr lang="en-US" dirty="0"/>
-              <a:t>Customer Overview</a:t>
-            </a:r>
-          </a:p>
-          <a:p>
-            <a:pPr marL="285750" indent="-285750">
-              <a:buFont typeface="Arial" panose="020B0604020202020204" pitchFamily="34" charset="0"/>
-              <a:buChar char="•"/>
-            </a:pPr>
-            <a:r>
-              <a:rPr lang="en-US" dirty="0"/>
-              <a:t>Purchase History </a:t>
-            </a:r>
-          </a:p>
-          <a:p>
-            <a:pPr marL="285750" indent="-285750">
-              <a:buFont typeface="Arial" panose="020B0604020202020204" pitchFamily="34" charset="0"/>
-              <a:buChar char="•"/>
-            </a:pPr>
-            <a:r>
-              <a:rPr lang="en-US" dirty="0"/>
-              <a:t>Churn and Upsell ( Mocked Up)</a:t>
-            </a:r>
-          </a:p>
-          <a:p>
-            <a:endParaRPr lang="en-US" dirty="0"/>
-          </a:p>
-          <a:p>
-            <a:r>
-              <a:rPr lang="en-US" dirty="0"/>
-              <a:t>Phase 2</a:t>
-            </a:r>
-          </a:p>
-          <a:p>
-            <a:pPr marL="285750" indent="-285750">
-              <a:buFont typeface="Arial" panose="020B0604020202020204" pitchFamily="34" charset="0"/>
-              <a:buChar char="•"/>
-            </a:pPr>
-            <a:r>
-              <a:rPr lang="en-US" dirty="0"/>
-              <a:t>Implement ML Model to predict Churn rate</a:t>
-            </a:r>
-          </a:p>
-          <a:p>
-            <a:pPr marL="285750" indent="-285750">
-              <a:buFont typeface="Arial" panose="020B0604020202020204" pitchFamily="34" charset="0"/>
-              <a:buChar char="•"/>
-            </a:pPr>
-            <a:r>
-              <a:rPr lang="en-US" dirty="0"/>
-              <a:t>Implement ML Model for Recommendations / </a:t>
-            </a:r>
-            <a:r>
-              <a:rPr lang="en-US" dirty="0" err="1"/>
-              <a:t>CrossSell</a:t>
-            </a:r>
-            <a:r>
-              <a:rPr lang="en-US" dirty="0"/>
-              <a:t> and Upsell. </a:t>
-            </a:r>
-          </a:p>
-          <a:p>
-            <a:pPr marL="285750" indent="-285750">
-              <a:buFont typeface="Arial" panose="020B0604020202020204" pitchFamily="34" charset="0"/>
-              <a:buChar char="•"/>
-            </a:pPr>
-            <a:r>
-              <a:rPr lang="en-US" dirty="0"/>
-              <a:t>Implement ML Model for Customer Retention</a:t>
-            </a:r>
-          </a:p>
-          <a:p>
-            <a:endParaRPr lang="en-US" dirty="0"/>
-          </a:p>
-          <a:p>
-            <a:r>
-              <a:rPr lang="en-US" dirty="0"/>
-              <a:t>Tools / Infrastructure</a:t>
-            </a:r>
-          </a:p>
-          <a:p>
-            <a:pPr marL="285750" indent="-285750">
-              <a:buFont typeface="Arial" panose="020B0604020202020204" pitchFamily="34" charset="0"/>
-              <a:buChar char="•"/>
-            </a:pPr>
-            <a:r>
-              <a:rPr lang="en-US" dirty="0"/>
-              <a:t>AWS only ( S3 / Athena / Redshift / Glue). </a:t>
-            </a:r>
-          </a:p>
-          <a:p>
-            <a:pPr marL="285750" indent="-285750">
-              <a:buFont typeface="Arial" panose="020B0604020202020204" pitchFamily="34" charset="0"/>
-              <a:buChar char="•"/>
-            </a:pPr>
-            <a:r>
-              <a:rPr lang="en-US" dirty="0"/>
-              <a:t>Build Pipelines with ( Talend Studio , Apache Scoop , Bash , Python )</a:t>
-            </a:r>
-          </a:p>
-          <a:p>
-            <a:pPr marL="285750" indent="-285750">
-              <a:buFont typeface="Arial" panose="020B0604020202020204" pitchFamily="34" charset="0"/>
-              <a:buChar char="•"/>
-            </a:pPr>
-            <a:endParaRPr lang="en-US" dirty="0"/>
-          </a:p>
-        </p:txBody>
-      </p:sp>
-    </p:spTree>
-    <p:extLst>
-      <p:ext uri="{BB962C8B-B14F-4D97-AF65-F5344CB8AC3E}">
-        <p14:creationId xmlns:p14="http://schemas.microsoft.com/office/powerpoint/2010/main" val="667043616"/>
-      </p:ext>
-    </p:extLst>
-  </p:cSld>
-  <p:clrMapOvr>
-    <a:masterClrMapping/>
-  </p:clrMapOvr>
-</p:sld>
-</file>
-
-<file path=ppt/slides/slide3.xml><?xml version="1.0" encoding="utf-8"?>
-<p:sld xmlns:a="http://schemas.openxmlformats.org/drawingml/2006/main" xmlns:r="http://schemas.openxmlformats.org/officeDocument/2006/relationships" xmlns:p="http://schemas.openxmlformats.org/presentationml/2006/main">
-  <p:cSld>
-    <p:spTree>
-      <p:nvGrpSpPr>
-        <p:cNvPr id="1" name=""/>
-        <p:cNvGrpSpPr/>
-        <p:nvPr/>
-      </p:nvGrpSpPr>
-      <p:grpSpPr>
-        <a:xfrm>
-          <a:off x="0" y="0"/>
-          <a:ext cx="0" cy="0"/>
-          <a:chOff x="0" y="0"/>
-          <a:chExt cx="0" cy="0"/>
-        </a:xfrm>
-      </p:grpSpPr>
-      <p:sp>
-        <p:nvSpPr>
-          <p:cNvPr id="2" name="Rectangle 1">
-            <a:extLst>
-              <a:ext uri="{FF2B5EF4-FFF2-40B4-BE49-F238E27FC236}">
-                <a16:creationId xmlns:a16="http://schemas.microsoft.com/office/drawing/2014/main" id="{77918730-9444-5E47-9F7E-9F494D784123}"/>
-              </a:ext>
-            </a:extLst>
-          </p:cNvPr>
-          <p:cNvSpPr/>
-          <p:nvPr/>
-        </p:nvSpPr>
-        <p:spPr>
-          <a:xfrm>
-            <a:off x="951471" y="877332"/>
-            <a:ext cx="2421925" cy="889686"/>
-          </a:xfrm>
-          <a:prstGeom prst="rect">
-            <a:avLst/>
-          </a:prstGeom>
-        </p:spPr>
-        <p:style>
-          <a:lnRef idx="2">
-            <a:schemeClr val="accent1">
-              <a:shade val="50000"/>
-            </a:schemeClr>
-          </a:lnRef>
-          <a:fillRef idx="1">
-            <a:schemeClr val="accent1"/>
-          </a:fillRef>
-          <a:effectRef idx="0">
-            <a:schemeClr val="accent1"/>
-          </a:effectRef>
-          <a:fontRef idx="minor">
-            <a:schemeClr val="lt1"/>
-          </a:fontRef>
-        </p:style>
-        <p:txBody>
-          <a:bodyPr rtlCol="0" anchor="ctr"/>
-          <a:lstStyle/>
-          <a:p>
-            <a:pPr algn="ctr"/>
-            <a:r>
-              <a:rPr lang="en-US" dirty="0"/>
-              <a:t>Customer/ Account</a:t>
-            </a:r>
-          </a:p>
-          <a:p>
-            <a:pPr algn="ctr"/>
-            <a:r>
-              <a:rPr lang="en-US" dirty="0"/>
-              <a:t>Sales Force</a:t>
-            </a:r>
-          </a:p>
-          <a:p>
-            <a:pPr algn="ctr"/>
-            <a:r>
-              <a:rPr lang="en-US" dirty="0"/>
-              <a:t>(Talend Studio)</a:t>
-            </a:r>
-          </a:p>
-        </p:txBody>
-      </p:sp>
-      <p:sp>
-        <p:nvSpPr>
-          <p:cNvPr id="3" name="Rectangle 2">
-            <a:extLst>
-              <a:ext uri="{FF2B5EF4-FFF2-40B4-BE49-F238E27FC236}">
-                <a16:creationId xmlns:a16="http://schemas.microsoft.com/office/drawing/2014/main" id="{C1946A04-F4B5-8445-9505-C14C724D48EF}"/>
-              </a:ext>
-            </a:extLst>
-          </p:cNvPr>
-          <p:cNvSpPr/>
-          <p:nvPr/>
-        </p:nvSpPr>
-        <p:spPr>
-          <a:xfrm>
-            <a:off x="976184" y="2005914"/>
-            <a:ext cx="2421925" cy="889686"/>
-          </a:xfrm>
-          <a:prstGeom prst="rect">
-            <a:avLst/>
-          </a:prstGeom>
-        </p:spPr>
-        <p:style>
-          <a:lnRef idx="2">
-            <a:schemeClr val="accent1">
-              <a:shade val="50000"/>
-            </a:schemeClr>
-          </a:lnRef>
-          <a:fillRef idx="1">
-            <a:schemeClr val="accent1"/>
-          </a:fillRef>
-          <a:effectRef idx="0">
-            <a:schemeClr val="accent1"/>
-          </a:effectRef>
-          <a:fontRef idx="minor">
-            <a:schemeClr val="lt1"/>
-          </a:fontRef>
-        </p:style>
-        <p:txBody>
-          <a:bodyPr rtlCol="0" anchor="ctr"/>
-          <a:lstStyle/>
-          <a:p>
-            <a:pPr algn="ctr"/>
-            <a:r>
-              <a:rPr lang="en-US" dirty="0"/>
-              <a:t>Product Catalog</a:t>
-            </a:r>
-          </a:p>
-          <a:p>
-            <a:pPr algn="ctr"/>
-            <a:r>
-              <a:rPr lang="en-US" dirty="0"/>
-              <a:t>(Static in DB Postgres)</a:t>
-            </a:r>
-          </a:p>
-        </p:txBody>
-      </p:sp>
-      <p:sp>
-        <p:nvSpPr>
-          <p:cNvPr id="4" name="Rectangle 3">
-            <a:extLst>
-              <a:ext uri="{FF2B5EF4-FFF2-40B4-BE49-F238E27FC236}">
-                <a16:creationId xmlns:a16="http://schemas.microsoft.com/office/drawing/2014/main" id="{2C542919-145B-404B-A073-BF1E84AEDC88}"/>
-              </a:ext>
-            </a:extLst>
-          </p:cNvPr>
-          <p:cNvSpPr/>
-          <p:nvPr/>
-        </p:nvSpPr>
-        <p:spPr>
-          <a:xfrm>
-            <a:off x="976184" y="3072715"/>
-            <a:ext cx="2421925" cy="889686"/>
-          </a:xfrm>
-          <a:prstGeom prst="rect">
-            <a:avLst/>
-          </a:prstGeom>
-        </p:spPr>
-        <p:style>
-          <a:lnRef idx="2">
-            <a:schemeClr val="accent1">
-              <a:shade val="50000"/>
-            </a:schemeClr>
-          </a:lnRef>
-          <a:fillRef idx="1">
-            <a:schemeClr val="accent1"/>
-          </a:fillRef>
-          <a:effectRef idx="0">
-            <a:schemeClr val="accent1"/>
-          </a:effectRef>
-          <a:fontRef idx="minor">
-            <a:schemeClr val="lt1"/>
-          </a:fontRef>
-        </p:style>
-        <p:txBody>
-          <a:bodyPr rtlCol="0" anchor="ctr"/>
-          <a:lstStyle/>
-          <a:p>
-            <a:pPr algn="ctr"/>
-            <a:r>
-              <a:rPr lang="en-US" dirty="0"/>
-              <a:t>Order Data</a:t>
-            </a:r>
-          </a:p>
-          <a:p>
-            <a:pPr algn="ctr"/>
-            <a:r>
-              <a:rPr lang="en-US" dirty="0"/>
-              <a:t>(DB Postgres)</a:t>
-            </a:r>
-          </a:p>
-        </p:txBody>
-      </p:sp>
-      <p:sp>
-        <p:nvSpPr>
-          <p:cNvPr id="5" name="Rectangle 4">
-            <a:extLst>
-              <a:ext uri="{FF2B5EF4-FFF2-40B4-BE49-F238E27FC236}">
-                <a16:creationId xmlns:a16="http://schemas.microsoft.com/office/drawing/2014/main" id="{B27F3696-D1F1-654D-A7D4-B0038E7034D6}"/>
-              </a:ext>
-            </a:extLst>
-          </p:cNvPr>
-          <p:cNvSpPr/>
-          <p:nvPr/>
-        </p:nvSpPr>
-        <p:spPr>
-          <a:xfrm>
-            <a:off x="976184" y="4139516"/>
-            <a:ext cx="2421925" cy="889686"/>
-          </a:xfrm>
-          <a:prstGeom prst="rect">
-            <a:avLst/>
-          </a:prstGeom>
-        </p:spPr>
-        <p:style>
-          <a:lnRef idx="2">
-            <a:schemeClr val="accent1">
-              <a:shade val="50000"/>
-            </a:schemeClr>
-          </a:lnRef>
-          <a:fillRef idx="1">
-            <a:schemeClr val="accent1"/>
-          </a:fillRef>
-          <a:effectRef idx="0">
-            <a:schemeClr val="accent1"/>
-          </a:effectRef>
-          <a:fontRef idx="minor">
-            <a:schemeClr val="lt1"/>
-          </a:fontRef>
-        </p:style>
-        <p:txBody>
-          <a:bodyPr rtlCol="0" anchor="ctr"/>
-          <a:lstStyle/>
-          <a:p>
-            <a:pPr algn="ctr"/>
-            <a:r>
-              <a:rPr lang="en-US" dirty="0"/>
-              <a:t>Click Stream</a:t>
-            </a:r>
-          </a:p>
-          <a:p>
-            <a:pPr algn="ctr"/>
-            <a:r>
-              <a:rPr lang="en-US" dirty="0"/>
-              <a:t>(File Dump csv)</a:t>
-            </a:r>
-          </a:p>
-        </p:txBody>
-      </p:sp>
-      <p:sp>
-        <p:nvSpPr>
-          <p:cNvPr id="6" name="Rectangle 5">
-            <a:extLst>
-              <a:ext uri="{FF2B5EF4-FFF2-40B4-BE49-F238E27FC236}">
-                <a16:creationId xmlns:a16="http://schemas.microsoft.com/office/drawing/2014/main" id="{3AAC2BA8-D155-1343-BBE4-68ABD0E80A5A}"/>
-              </a:ext>
-            </a:extLst>
-          </p:cNvPr>
-          <p:cNvSpPr/>
-          <p:nvPr/>
-        </p:nvSpPr>
-        <p:spPr>
-          <a:xfrm>
-            <a:off x="976184" y="5206317"/>
-            <a:ext cx="2421925" cy="889686"/>
-          </a:xfrm>
-          <a:prstGeom prst="rect">
-            <a:avLst/>
-          </a:prstGeom>
-        </p:spPr>
-        <p:style>
-          <a:lnRef idx="2">
-            <a:schemeClr val="accent1">
-              <a:shade val="50000"/>
-            </a:schemeClr>
-          </a:lnRef>
-          <a:fillRef idx="1">
-            <a:schemeClr val="accent1"/>
-          </a:fillRef>
-          <a:effectRef idx="0">
-            <a:schemeClr val="accent1"/>
-          </a:effectRef>
-          <a:fontRef idx="minor">
-            <a:schemeClr val="lt1"/>
-          </a:fontRef>
-        </p:style>
-        <p:txBody>
-          <a:bodyPr rtlCol="0" anchor="ctr"/>
-          <a:lstStyle/>
-          <a:p>
-            <a:pPr algn="ctr"/>
-            <a:r>
-              <a:rPr lang="en-US" dirty="0"/>
-              <a:t>Support</a:t>
-            </a:r>
-          </a:p>
-          <a:p>
-            <a:pPr algn="ctr"/>
-            <a:r>
-              <a:rPr lang="en-US" dirty="0"/>
-              <a:t>(TBD)</a:t>
-            </a:r>
-          </a:p>
-          <a:p>
-            <a:pPr algn="ctr"/>
-            <a:endParaRPr lang="en-US" dirty="0"/>
-          </a:p>
-        </p:txBody>
-      </p:sp>
-      <p:sp>
-        <p:nvSpPr>
-          <p:cNvPr id="7" name="Rectangle 6">
-            <a:extLst>
-              <a:ext uri="{FF2B5EF4-FFF2-40B4-BE49-F238E27FC236}">
-                <a16:creationId xmlns:a16="http://schemas.microsoft.com/office/drawing/2014/main" id="{EC393704-6D6E-6B4E-876E-AB4E1E7BA1CB}"/>
-              </a:ext>
-            </a:extLst>
-          </p:cNvPr>
-          <p:cNvSpPr/>
-          <p:nvPr/>
-        </p:nvSpPr>
-        <p:spPr>
-          <a:xfrm>
-            <a:off x="4551404" y="1029732"/>
-            <a:ext cx="2421925" cy="1095635"/>
-          </a:xfrm>
-          <a:prstGeom prst="rect">
-            <a:avLst/>
-          </a:prstGeom>
-        </p:spPr>
-        <p:style>
-          <a:lnRef idx="2">
-            <a:schemeClr val="accent1">
-              <a:shade val="50000"/>
-            </a:schemeClr>
-          </a:lnRef>
-          <a:fillRef idx="1">
-            <a:schemeClr val="accent1"/>
-          </a:fillRef>
-          <a:effectRef idx="0">
-            <a:schemeClr val="accent1"/>
-          </a:effectRef>
-          <a:fontRef idx="minor">
-            <a:schemeClr val="lt1"/>
-          </a:fontRef>
-        </p:style>
-        <p:txBody>
-          <a:bodyPr rtlCol="0" anchor="ctr"/>
-          <a:lstStyle/>
-          <a:p>
-            <a:pPr algn="ctr"/>
-            <a:r>
-              <a:rPr lang="en-US" dirty="0"/>
-              <a:t>Clean Up</a:t>
-            </a:r>
-          </a:p>
-          <a:p>
-            <a:pPr algn="ctr"/>
-            <a:r>
-              <a:rPr lang="en-US" dirty="0"/>
-              <a:t>(Link up ID’s between different systems)	 </a:t>
-            </a:r>
-          </a:p>
-          <a:p>
-            <a:pPr algn="ctr"/>
-            <a:endParaRPr lang="en-US" dirty="0"/>
-          </a:p>
-        </p:txBody>
-      </p:sp>
-      <p:sp>
-        <p:nvSpPr>
-          <p:cNvPr id="8" name="Rectangle 7">
-            <a:extLst>
-              <a:ext uri="{FF2B5EF4-FFF2-40B4-BE49-F238E27FC236}">
-                <a16:creationId xmlns:a16="http://schemas.microsoft.com/office/drawing/2014/main" id="{28A1B13A-A595-464E-A429-E0B53115930C}"/>
-              </a:ext>
-            </a:extLst>
-          </p:cNvPr>
-          <p:cNvSpPr/>
-          <p:nvPr/>
-        </p:nvSpPr>
-        <p:spPr>
-          <a:xfrm>
-            <a:off x="4553463" y="2335429"/>
-            <a:ext cx="2421925" cy="889686"/>
-          </a:xfrm>
-          <a:prstGeom prst="rect">
-            <a:avLst/>
-          </a:prstGeom>
-        </p:spPr>
-        <p:style>
-          <a:lnRef idx="2">
-            <a:schemeClr val="accent1">
-              <a:shade val="50000"/>
-            </a:schemeClr>
-          </a:lnRef>
-          <a:fillRef idx="1">
-            <a:schemeClr val="accent1"/>
-          </a:fillRef>
-          <a:effectRef idx="0">
-            <a:schemeClr val="accent1"/>
-          </a:effectRef>
-          <a:fontRef idx="minor">
-            <a:schemeClr val="lt1"/>
-          </a:fontRef>
-        </p:style>
-        <p:txBody>
-          <a:bodyPr rtlCol="0" anchor="ctr"/>
-          <a:lstStyle/>
-          <a:p>
-            <a:pPr algn="ctr"/>
-            <a:r>
-              <a:rPr lang="en-US" dirty="0"/>
-              <a:t>Order history Aggregate</a:t>
-            </a:r>
-          </a:p>
-          <a:p>
-            <a:pPr algn="ctr"/>
-            <a:endParaRPr lang="en-US" dirty="0"/>
-          </a:p>
-        </p:txBody>
-      </p:sp>
-      <p:sp>
-        <p:nvSpPr>
-          <p:cNvPr id="9" name="Rectangle 8">
-            <a:extLst>
-              <a:ext uri="{FF2B5EF4-FFF2-40B4-BE49-F238E27FC236}">
-                <a16:creationId xmlns:a16="http://schemas.microsoft.com/office/drawing/2014/main" id="{C4E3149A-11EF-B248-941F-94D5404277F1}"/>
-              </a:ext>
-            </a:extLst>
-          </p:cNvPr>
-          <p:cNvSpPr/>
-          <p:nvPr/>
-        </p:nvSpPr>
-        <p:spPr>
-          <a:xfrm>
-            <a:off x="9016314" y="1680524"/>
-            <a:ext cx="2421925" cy="2903835"/>
-          </a:xfrm>
-          <a:prstGeom prst="rect">
-            <a:avLst/>
-          </a:prstGeom>
-        </p:spPr>
-        <p:style>
-          <a:lnRef idx="2">
-            <a:schemeClr val="accent1">
-              <a:shade val="50000"/>
-            </a:schemeClr>
-          </a:lnRef>
-          <a:fillRef idx="1">
-            <a:schemeClr val="accent1"/>
-          </a:fillRef>
-          <a:effectRef idx="0">
-            <a:schemeClr val="accent1"/>
-          </a:effectRef>
-          <a:fontRef idx="minor">
-            <a:schemeClr val="lt1"/>
-          </a:fontRef>
-        </p:style>
-        <p:txBody>
-          <a:bodyPr rtlCol="0" anchor="ctr"/>
-          <a:lstStyle/>
-          <a:p>
-            <a:pPr algn="ctr"/>
-            <a:r>
-              <a:rPr lang="en-US" dirty="0"/>
-              <a:t>UI </a:t>
-            </a:r>
-          </a:p>
-          <a:p>
-            <a:pPr marL="342900" indent="-342900" algn="ctr">
-              <a:buAutoNum type="arabicPeriod"/>
-            </a:pPr>
-            <a:r>
-              <a:rPr lang="en-US" dirty="0"/>
-              <a:t>Generic Account</a:t>
-            </a:r>
-          </a:p>
-          <a:p>
-            <a:pPr marL="342900" indent="-342900" algn="ctr">
-              <a:buAutoNum type="arabicPeriod"/>
-            </a:pPr>
-            <a:r>
-              <a:rPr lang="en-US" dirty="0"/>
-              <a:t>Name / Details </a:t>
-            </a:r>
-          </a:p>
-          <a:p>
-            <a:pPr marL="342900" indent="-342900" algn="ctr">
-              <a:buAutoNum type="arabicPeriod"/>
-            </a:pPr>
-            <a:r>
-              <a:rPr lang="en-US" dirty="0"/>
-              <a:t>Order History</a:t>
-            </a:r>
-          </a:p>
-          <a:p>
-            <a:pPr marL="342900" indent="-342900" algn="ctr">
-              <a:buAutoNum type="arabicPeriod"/>
-            </a:pPr>
-            <a:r>
-              <a:rPr lang="en-US" dirty="0"/>
-              <a:t>Churn / Sentiment / Upsell</a:t>
-            </a:r>
-          </a:p>
-          <a:p>
-            <a:pPr marL="342900" indent="-342900" algn="ctr">
-              <a:buAutoNum type="arabicPeriod"/>
-            </a:pPr>
-            <a:endParaRPr lang="en-US" dirty="0"/>
-          </a:p>
-          <a:p>
-            <a:pPr algn="ctr"/>
-            <a:endParaRPr lang="en-US" dirty="0"/>
-          </a:p>
-        </p:txBody>
-      </p:sp>
-      <p:sp>
-        <p:nvSpPr>
-          <p:cNvPr id="10" name="Rectangle 9">
-            <a:extLst>
-              <a:ext uri="{FF2B5EF4-FFF2-40B4-BE49-F238E27FC236}">
-                <a16:creationId xmlns:a16="http://schemas.microsoft.com/office/drawing/2014/main" id="{8E1E8577-5A7F-9843-8EC9-1C4F49A5381B}"/>
-              </a:ext>
-            </a:extLst>
-          </p:cNvPr>
-          <p:cNvSpPr/>
-          <p:nvPr/>
-        </p:nvSpPr>
-        <p:spPr>
-          <a:xfrm>
-            <a:off x="4551401" y="5058024"/>
-            <a:ext cx="2421925" cy="1079156"/>
-          </a:xfrm>
-          <a:prstGeom prst="rect">
-            <a:avLst/>
-          </a:prstGeom>
-        </p:spPr>
-        <p:style>
-          <a:lnRef idx="2">
-            <a:schemeClr val="accent1">
-              <a:shade val="50000"/>
-            </a:schemeClr>
-          </a:lnRef>
-          <a:fillRef idx="1">
-            <a:schemeClr val="accent1"/>
-          </a:fillRef>
-          <a:effectRef idx="0">
-            <a:schemeClr val="accent1"/>
-          </a:effectRef>
-          <a:fontRef idx="minor">
-            <a:schemeClr val="lt1"/>
-          </a:fontRef>
-        </p:style>
-        <p:txBody>
-          <a:bodyPr rtlCol="0" anchor="ctr"/>
-          <a:lstStyle/>
-          <a:p>
-            <a:pPr algn="ctr"/>
-            <a:endParaRPr lang="en-US" dirty="0"/>
-          </a:p>
-          <a:p>
-            <a:pPr algn="ctr"/>
-            <a:r>
-              <a:rPr lang="en-US" dirty="0"/>
-              <a:t>Customer Sentiment Analysis &amp; Churn</a:t>
-            </a:r>
-          </a:p>
-          <a:p>
-            <a:pPr algn="ctr"/>
-            <a:r>
-              <a:rPr lang="en-US" dirty="0"/>
-              <a:t>(Fake the entire dataset)</a:t>
-            </a:r>
-          </a:p>
-          <a:p>
-            <a:pPr algn="ctr"/>
-            <a:endParaRPr lang="en-US" dirty="0"/>
-          </a:p>
-        </p:txBody>
-      </p:sp>
-      <p:sp>
-        <p:nvSpPr>
-          <p:cNvPr id="11" name="Rectangle 10">
-            <a:extLst>
-              <a:ext uri="{FF2B5EF4-FFF2-40B4-BE49-F238E27FC236}">
-                <a16:creationId xmlns:a16="http://schemas.microsoft.com/office/drawing/2014/main" id="{02A59544-AA11-1346-A55A-C551BF1143C9}"/>
-              </a:ext>
-            </a:extLst>
-          </p:cNvPr>
-          <p:cNvSpPr/>
-          <p:nvPr/>
-        </p:nvSpPr>
-        <p:spPr>
-          <a:xfrm>
-            <a:off x="4551401" y="3657589"/>
-            <a:ext cx="2421925" cy="889686"/>
-          </a:xfrm>
-          <a:prstGeom prst="rect">
-            <a:avLst/>
-          </a:prstGeom>
-        </p:spPr>
-        <p:style>
-          <a:lnRef idx="2">
-            <a:schemeClr val="accent1">
-              <a:shade val="50000"/>
-            </a:schemeClr>
-          </a:lnRef>
-          <a:fillRef idx="1">
-            <a:schemeClr val="accent1"/>
-          </a:fillRef>
-          <a:effectRef idx="0">
-            <a:schemeClr val="accent1"/>
-          </a:effectRef>
-          <a:fontRef idx="minor">
-            <a:schemeClr val="lt1"/>
-          </a:fontRef>
-        </p:style>
-        <p:txBody>
-          <a:bodyPr rtlCol="0" anchor="ctr"/>
-          <a:lstStyle/>
-          <a:p>
-            <a:pPr algn="ctr"/>
-            <a:r>
-              <a:rPr lang="en-US" dirty="0"/>
-              <a:t>Cross sell / </a:t>
-            </a:r>
-            <a:r>
-              <a:rPr lang="en-US" dirty="0" err="1"/>
-              <a:t>UpSell</a:t>
-            </a:r>
-            <a:r>
-              <a:rPr lang="en-US" dirty="0"/>
-              <a:t> </a:t>
-            </a:r>
-          </a:p>
-          <a:p>
-            <a:pPr algn="ctr"/>
-            <a:endParaRPr lang="en-US" dirty="0"/>
-          </a:p>
-        </p:txBody>
-      </p:sp>
-      <p:cxnSp>
-        <p:nvCxnSpPr>
-          <p:cNvPr id="15" name="Elbow Connector 14">
-            <a:extLst>
-              <a:ext uri="{FF2B5EF4-FFF2-40B4-BE49-F238E27FC236}">
-                <a16:creationId xmlns:a16="http://schemas.microsoft.com/office/drawing/2014/main" id="{BCCD6813-830E-CC4C-8C2A-AD355432A356}"/>
-              </a:ext>
-            </a:extLst>
-          </p:cNvPr>
-          <p:cNvCxnSpPr>
-            <a:stCxn id="2" idx="3"/>
-            <a:endCxn id="8" idx="1"/>
-          </p:cNvCxnSpPr>
-          <p:nvPr/>
-        </p:nvCxnSpPr>
-        <p:spPr>
-          <a:xfrm>
-            <a:off x="3373396" y="1322175"/>
-            <a:ext cx="1180067" cy="1458097"/>
-          </a:xfrm>
-          <a:prstGeom prst="bentConnector3">
-            <a:avLst/>
-          </a:prstGeom>
-          <a:ln>
-            <a:tailEnd type="triangle"/>
-          </a:ln>
-        </p:spPr>
-        <p:style>
-          <a:lnRef idx="1">
-            <a:schemeClr val="accent1"/>
-          </a:lnRef>
-          <a:fillRef idx="0">
-            <a:schemeClr val="accent1"/>
-          </a:fillRef>
-          <a:effectRef idx="0">
-            <a:schemeClr val="accent1"/>
-          </a:effectRef>
-          <a:fontRef idx="minor">
-            <a:schemeClr val="tx1"/>
-          </a:fontRef>
-        </p:style>
-      </p:cxnSp>
-      <p:cxnSp>
-        <p:nvCxnSpPr>
-          <p:cNvPr id="17" name="Elbow Connector 16">
-            <a:extLst>
-              <a:ext uri="{FF2B5EF4-FFF2-40B4-BE49-F238E27FC236}">
-                <a16:creationId xmlns:a16="http://schemas.microsoft.com/office/drawing/2014/main" id="{AAF48957-4992-B945-88B9-635FB8804520}"/>
-              </a:ext>
-            </a:extLst>
-          </p:cNvPr>
-          <p:cNvCxnSpPr>
-            <a:stCxn id="3" idx="3"/>
-            <a:endCxn id="8" idx="1"/>
-          </p:cNvCxnSpPr>
-          <p:nvPr/>
-        </p:nvCxnSpPr>
-        <p:spPr>
-          <a:xfrm>
-            <a:off x="3398109" y="2450757"/>
-            <a:ext cx="1155354" cy="329515"/>
-          </a:xfrm>
-          <a:prstGeom prst="bentConnector3">
-            <a:avLst/>
-          </a:prstGeom>
-          <a:ln>
-            <a:tailEnd type="triangle"/>
-          </a:ln>
-        </p:spPr>
-        <p:style>
-          <a:lnRef idx="1">
-            <a:schemeClr val="accent1"/>
-          </a:lnRef>
-          <a:fillRef idx="0">
-            <a:schemeClr val="accent1"/>
-          </a:fillRef>
-          <a:effectRef idx="0">
-            <a:schemeClr val="accent1"/>
-          </a:effectRef>
-          <a:fontRef idx="minor">
-            <a:schemeClr val="tx1"/>
-          </a:fontRef>
-        </p:style>
-      </p:cxnSp>
-      <p:cxnSp>
-        <p:nvCxnSpPr>
-          <p:cNvPr id="19" name="Elbow Connector 18">
-            <a:extLst>
-              <a:ext uri="{FF2B5EF4-FFF2-40B4-BE49-F238E27FC236}">
-                <a16:creationId xmlns:a16="http://schemas.microsoft.com/office/drawing/2014/main" id="{81863D3C-1F01-6344-A449-68B6209F030D}"/>
-              </a:ext>
-            </a:extLst>
-          </p:cNvPr>
-          <p:cNvCxnSpPr>
-            <a:stCxn id="4" idx="3"/>
-            <a:endCxn id="8" idx="1"/>
-          </p:cNvCxnSpPr>
-          <p:nvPr/>
-        </p:nvCxnSpPr>
-        <p:spPr>
-          <a:xfrm flipV="1">
-            <a:off x="3398109" y="2780272"/>
-            <a:ext cx="1155354" cy="737286"/>
-          </a:xfrm>
-          <a:prstGeom prst="bentConnector3">
-            <a:avLst/>
-          </a:prstGeom>
-          <a:ln>
-            <a:tailEnd type="triangle"/>
-          </a:ln>
-        </p:spPr>
-        <p:style>
-          <a:lnRef idx="1">
-            <a:schemeClr val="accent1"/>
-          </a:lnRef>
-          <a:fillRef idx="0">
-            <a:schemeClr val="accent1"/>
-          </a:fillRef>
-          <a:effectRef idx="0">
-            <a:schemeClr val="accent1"/>
-          </a:effectRef>
-          <a:fontRef idx="minor">
-            <a:schemeClr val="tx1"/>
-          </a:fontRef>
-        </p:style>
-      </p:cxnSp>
-      <p:cxnSp>
-        <p:nvCxnSpPr>
-          <p:cNvPr id="21" name="Elbow Connector 20">
-            <a:extLst>
-              <a:ext uri="{FF2B5EF4-FFF2-40B4-BE49-F238E27FC236}">
-                <a16:creationId xmlns:a16="http://schemas.microsoft.com/office/drawing/2014/main" id="{53853311-0201-C942-AF95-11C8F7A26999}"/>
-              </a:ext>
-            </a:extLst>
-          </p:cNvPr>
-          <p:cNvCxnSpPr>
-            <a:cxnSpLocks/>
-            <a:stCxn id="5" idx="3"/>
-            <a:endCxn id="11" idx="1"/>
-          </p:cNvCxnSpPr>
-          <p:nvPr/>
-        </p:nvCxnSpPr>
-        <p:spPr>
-          <a:xfrm flipV="1">
-            <a:off x="3398109" y="4102432"/>
-            <a:ext cx="1153292" cy="481927"/>
-          </a:xfrm>
-          <a:prstGeom prst="bentConnector3">
-            <a:avLst/>
-          </a:prstGeom>
-          <a:ln>
-            <a:tailEnd type="triangle"/>
-          </a:ln>
-        </p:spPr>
-        <p:style>
-          <a:lnRef idx="1">
-            <a:schemeClr val="accent1"/>
-          </a:lnRef>
-          <a:fillRef idx="0">
-            <a:schemeClr val="accent1"/>
-          </a:fillRef>
-          <a:effectRef idx="0">
-            <a:schemeClr val="accent1"/>
-          </a:effectRef>
-          <a:fontRef idx="minor">
-            <a:schemeClr val="tx1"/>
-          </a:fontRef>
-        </p:style>
-      </p:cxnSp>
-      <p:cxnSp>
-        <p:nvCxnSpPr>
-          <p:cNvPr id="25" name="Elbow Connector 24">
-            <a:extLst>
-              <a:ext uri="{FF2B5EF4-FFF2-40B4-BE49-F238E27FC236}">
-                <a16:creationId xmlns:a16="http://schemas.microsoft.com/office/drawing/2014/main" id="{F4E7200E-9634-AB48-A5DC-5F71A9915C2F}"/>
-              </a:ext>
-            </a:extLst>
-          </p:cNvPr>
-          <p:cNvCxnSpPr>
-            <a:stCxn id="6" idx="3"/>
-            <a:endCxn id="10" idx="1"/>
-          </p:cNvCxnSpPr>
-          <p:nvPr/>
-        </p:nvCxnSpPr>
-        <p:spPr>
-          <a:xfrm flipV="1">
-            <a:off x="3398109" y="5597602"/>
-            <a:ext cx="1153292" cy="53558"/>
-          </a:xfrm>
-          <a:prstGeom prst="bentConnector3">
-            <a:avLst/>
-          </a:prstGeom>
-          <a:ln>
-            <a:tailEnd type="triangle"/>
-          </a:ln>
-        </p:spPr>
-        <p:style>
-          <a:lnRef idx="1">
-            <a:schemeClr val="accent1"/>
-          </a:lnRef>
-          <a:fillRef idx="0">
-            <a:schemeClr val="accent1"/>
-          </a:fillRef>
-          <a:effectRef idx="0">
-            <a:schemeClr val="accent1"/>
-          </a:effectRef>
-          <a:fontRef idx="minor">
-            <a:schemeClr val="tx1"/>
-          </a:fontRef>
-        </p:style>
-      </p:cxnSp>
-      <p:sp>
-        <p:nvSpPr>
-          <p:cNvPr id="26" name="TextBox 25">
-            <a:extLst>
-              <a:ext uri="{FF2B5EF4-FFF2-40B4-BE49-F238E27FC236}">
-                <a16:creationId xmlns:a16="http://schemas.microsoft.com/office/drawing/2014/main" id="{693FFD36-BFAB-444D-9668-BF6182FCB7FC}"/>
-              </a:ext>
-            </a:extLst>
-          </p:cNvPr>
-          <p:cNvSpPr txBox="1"/>
-          <p:nvPr/>
-        </p:nvSpPr>
-        <p:spPr>
-          <a:xfrm>
-            <a:off x="1149178" y="98854"/>
-            <a:ext cx="3731741" cy="369332"/>
-          </a:xfrm>
-          <a:prstGeom prst="rect">
-            <a:avLst/>
-          </a:prstGeom>
-          <a:noFill/>
-        </p:spPr>
-        <p:txBody>
-          <a:bodyPr wrap="square" rtlCol="0">
-            <a:spAutoFit/>
-          </a:bodyPr>
-          <a:lstStyle/>
-          <a:p>
-            <a:r>
-              <a:rPr lang="en-US" dirty="0"/>
-              <a:t>Story Board </a:t>
-            </a:r>
-          </a:p>
-        </p:txBody>
-      </p:sp>
-    </p:spTree>
-    <p:extLst>
-      <p:ext uri="{BB962C8B-B14F-4D97-AF65-F5344CB8AC3E}">
-        <p14:creationId xmlns:p14="http://schemas.microsoft.com/office/powerpoint/2010/main" val="1195511487"/>
-      </p:ext>
-    </p:extLst>
-  </p:cSld>
-  <p:clrMapOvr>
-    <a:masterClrMapping/>
-  </p:clrMapOvr>
-</p:sld>
-</file>
-
-<file path=ppt/slides/slide4.xml><?xml version="1.0" encoding="utf-8"?>
-<p:sld xmlns:a="http://schemas.openxmlformats.org/drawingml/2006/main" xmlns:r="http://schemas.openxmlformats.org/officeDocument/2006/relationships" xmlns:p="http://schemas.openxmlformats.org/presentationml/2006/main">
-  <p:cSld>
-    <p:spTree>
-      <p:nvGrpSpPr>
-        <p:cNvPr id="1" name=""/>
-        <p:cNvGrpSpPr/>
-        <p:nvPr/>
-      </p:nvGrpSpPr>
-      <p:grpSpPr>
-        <a:xfrm>
-          <a:off x="0" y="0"/>
-          <a:ext cx="0" cy="0"/>
-          <a:chOff x="0" y="0"/>
-          <a:chExt cx="0" cy="0"/>
-        </a:xfrm>
-      </p:grpSpPr>
-      <p:sp>
-        <p:nvSpPr>
-          <p:cNvPr id="13" name="Rounded Rectangle 12">
-            <a:extLst>
-              <a:ext uri="{FF2B5EF4-FFF2-40B4-BE49-F238E27FC236}">
-                <a16:creationId xmlns:a16="http://schemas.microsoft.com/office/drawing/2014/main" id="{4E2776A7-72F2-0846-957C-AFAF10992C7F}"/>
-              </a:ext>
-            </a:extLst>
-          </p:cNvPr>
-          <p:cNvSpPr/>
-          <p:nvPr/>
-        </p:nvSpPr>
-        <p:spPr>
-          <a:xfrm>
-            <a:off x="4102443" y="468186"/>
-            <a:ext cx="4493739" cy="3078203"/>
-          </a:xfrm>
-          <a:prstGeom prst="roundRect">
-            <a:avLst/>
-          </a:prstGeom>
-          <a:ln>
-            <a:prstDash val="lgDash"/>
-          </a:ln>
-        </p:spPr>
-        <p:style>
-          <a:lnRef idx="2">
-            <a:schemeClr val="accent4"/>
-          </a:lnRef>
-          <a:fillRef idx="1">
-            <a:schemeClr val="lt1"/>
-          </a:fillRef>
-          <a:effectRef idx="0">
-            <a:schemeClr val="accent4"/>
-          </a:effectRef>
-          <a:fontRef idx="minor">
-            <a:schemeClr val="dk1"/>
-          </a:fontRef>
-        </p:style>
-        <p:txBody>
-          <a:bodyPr rtlCol="0" anchor="ctr"/>
-          <a:lstStyle/>
-          <a:p>
-            <a:pPr algn="ctr"/>
-            <a:endParaRPr lang="en-US"/>
-          </a:p>
-        </p:txBody>
-      </p:sp>
-      <p:sp>
-        <p:nvSpPr>
-          <p:cNvPr id="2" name="Rectangle 1">
-            <a:extLst>
-              <a:ext uri="{FF2B5EF4-FFF2-40B4-BE49-F238E27FC236}">
-                <a16:creationId xmlns:a16="http://schemas.microsoft.com/office/drawing/2014/main" id="{9462DDAB-E7CF-444A-935A-672C85F8E647}"/>
-              </a:ext>
-            </a:extLst>
-          </p:cNvPr>
-          <p:cNvSpPr/>
-          <p:nvPr/>
-        </p:nvSpPr>
-        <p:spPr>
-          <a:xfrm>
-            <a:off x="568411" y="1754659"/>
-            <a:ext cx="2261288" cy="1167713"/>
-          </a:xfrm>
-          <a:prstGeom prst="rect">
-            <a:avLst/>
-          </a:prstGeom>
-        </p:spPr>
-        <p:style>
-          <a:lnRef idx="1">
-            <a:schemeClr val="accent5"/>
-          </a:lnRef>
-          <a:fillRef idx="2">
-            <a:schemeClr val="accent5"/>
-          </a:fillRef>
-          <a:effectRef idx="1">
-            <a:schemeClr val="accent5"/>
-          </a:effectRef>
-          <a:fontRef idx="minor">
-            <a:schemeClr val="dk1"/>
-          </a:fontRef>
-        </p:style>
-        <p:txBody>
-          <a:bodyPr rtlCol="0" anchor="ctr"/>
-          <a:lstStyle/>
-          <a:p>
-            <a:pPr algn="ctr"/>
-            <a:r>
-              <a:rPr lang="en-US" dirty="0"/>
-              <a:t>Salesforce</a:t>
-            </a:r>
-          </a:p>
-          <a:p>
-            <a:pPr algn="ctr"/>
-            <a:r>
-              <a:rPr lang="en-US" dirty="0"/>
-              <a:t> (Talend Job)</a:t>
-            </a:r>
-          </a:p>
-        </p:txBody>
-      </p:sp>
-      <p:sp>
-        <p:nvSpPr>
-          <p:cNvPr id="3" name="Rectangle 2">
-            <a:extLst>
-              <a:ext uri="{FF2B5EF4-FFF2-40B4-BE49-F238E27FC236}">
-                <a16:creationId xmlns:a16="http://schemas.microsoft.com/office/drawing/2014/main" id="{EAE6D76C-6B70-D242-A2DD-401BE92F0D25}"/>
-              </a:ext>
-            </a:extLst>
-          </p:cNvPr>
-          <p:cNvSpPr/>
-          <p:nvPr/>
-        </p:nvSpPr>
-        <p:spPr>
-          <a:xfrm>
-            <a:off x="568411" y="3317789"/>
-            <a:ext cx="2261288" cy="1322175"/>
-          </a:xfrm>
-          <a:prstGeom prst="rect">
-            <a:avLst/>
-          </a:prstGeom>
-        </p:spPr>
-        <p:style>
-          <a:lnRef idx="1">
-            <a:schemeClr val="accent5"/>
-          </a:lnRef>
-          <a:fillRef idx="2">
-            <a:schemeClr val="accent5"/>
-          </a:fillRef>
-          <a:effectRef idx="1">
-            <a:schemeClr val="accent5"/>
-          </a:effectRef>
-          <a:fontRef idx="minor">
-            <a:schemeClr val="dk1"/>
-          </a:fontRef>
-        </p:style>
-        <p:txBody>
-          <a:bodyPr rtlCol="0" anchor="ctr"/>
-          <a:lstStyle/>
-          <a:p>
-            <a:pPr algn="ctr"/>
-            <a:r>
-              <a:rPr lang="en-US" dirty="0"/>
-              <a:t>CRM </a:t>
-            </a:r>
-          </a:p>
-          <a:p>
-            <a:pPr algn="ctr"/>
-            <a:r>
-              <a:rPr lang="en-US" dirty="0"/>
-              <a:t>(Postgres SQL)</a:t>
-            </a:r>
-          </a:p>
-          <a:p>
-            <a:pPr algn="ctr"/>
-            <a:r>
-              <a:rPr lang="en-US" dirty="0"/>
-              <a:t>Apache Scoop Job</a:t>
-            </a:r>
-          </a:p>
-        </p:txBody>
-      </p:sp>
-      <p:sp>
-        <p:nvSpPr>
-          <p:cNvPr id="4" name="Rectangle 3">
-            <a:extLst>
-              <a:ext uri="{FF2B5EF4-FFF2-40B4-BE49-F238E27FC236}">
-                <a16:creationId xmlns:a16="http://schemas.microsoft.com/office/drawing/2014/main" id="{1201BD54-4EFD-594C-9713-7A3F2E04FD57}"/>
-              </a:ext>
-            </a:extLst>
-          </p:cNvPr>
-          <p:cNvSpPr/>
-          <p:nvPr/>
-        </p:nvSpPr>
-        <p:spPr>
-          <a:xfrm>
-            <a:off x="4396946" y="3926362"/>
-            <a:ext cx="1163594" cy="1427204"/>
-          </a:xfrm>
-          <a:prstGeom prst="rect">
-            <a:avLst/>
-          </a:prstGeom>
-        </p:spPr>
-        <p:style>
-          <a:lnRef idx="2">
-            <a:schemeClr val="accent1">
-              <a:shade val="50000"/>
-            </a:schemeClr>
-          </a:lnRef>
-          <a:fillRef idx="1">
-            <a:schemeClr val="accent1"/>
-          </a:fillRef>
-          <a:effectRef idx="0">
-            <a:schemeClr val="accent1"/>
-          </a:effectRef>
-          <a:fontRef idx="minor">
-            <a:schemeClr val="lt1"/>
-          </a:fontRef>
-        </p:style>
-        <p:txBody>
-          <a:bodyPr rtlCol="0" anchor="ctr"/>
-          <a:lstStyle/>
-          <a:p>
-            <a:pPr algn="ctr"/>
-            <a:r>
-              <a:rPr lang="en-US" dirty="0"/>
-              <a:t>S3</a:t>
-            </a:r>
-          </a:p>
-        </p:txBody>
-      </p:sp>
-      <p:cxnSp>
-        <p:nvCxnSpPr>
-          <p:cNvPr id="6" name="Elbow Connector 5">
-            <a:extLst>
-              <a:ext uri="{FF2B5EF4-FFF2-40B4-BE49-F238E27FC236}">
-                <a16:creationId xmlns:a16="http://schemas.microsoft.com/office/drawing/2014/main" id="{FC059049-5ACE-F74E-8507-03F8F97AAF62}"/>
-              </a:ext>
-            </a:extLst>
-          </p:cNvPr>
-          <p:cNvCxnSpPr>
-            <a:cxnSpLocks/>
-            <a:stCxn id="2" idx="3"/>
-            <a:endCxn id="4" idx="1"/>
-          </p:cNvCxnSpPr>
-          <p:nvPr/>
-        </p:nvCxnSpPr>
-        <p:spPr>
-          <a:xfrm>
-            <a:off x="2829699" y="2338516"/>
-            <a:ext cx="1567247" cy="2301448"/>
-          </a:xfrm>
-          <a:prstGeom prst="bentConnector3">
-            <a:avLst/>
-          </a:prstGeom>
-          <a:ln>
-            <a:tailEnd type="triangle"/>
-          </a:ln>
-        </p:spPr>
-        <p:style>
-          <a:lnRef idx="1">
-            <a:schemeClr val="accent1"/>
-          </a:lnRef>
-          <a:fillRef idx="0">
-            <a:schemeClr val="accent1"/>
-          </a:fillRef>
-          <a:effectRef idx="0">
-            <a:schemeClr val="accent1"/>
-          </a:effectRef>
-          <a:fontRef idx="minor">
-            <a:schemeClr val="tx1"/>
-          </a:fontRef>
-        </p:style>
-      </p:cxnSp>
-      <p:cxnSp>
-        <p:nvCxnSpPr>
-          <p:cNvPr id="8" name="Elbow Connector 7">
-            <a:extLst>
-              <a:ext uri="{FF2B5EF4-FFF2-40B4-BE49-F238E27FC236}">
-                <a16:creationId xmlns:a16="http://schemas.microsoft.com/office/drawing/2014/main" id="{E058BBCD-FDA1-E14C-9FE2-B9190F1F3E6D}"/>
-              </a:ext>
-            </a:extLst>
-          </p:cNvPr>
-          <p:cNvCxnSpPr>
-            <a:cxnSpLocks/>
-            <a:stCxn id="3" idx="3"/>
-            <a:endCxn id="4" idx="1"/>
-          </p:cNvCxnSpPr>
-          <p:nvPr/>
-        </p:nvCxnSpPr>
-        <p:spPr>
-          <a:xfrm>
-            <a:off x="2829699" y="3978877"/>
-            <a:ext cx="1567247" cy="661087"/>
-          </a:xfrm>
-          <a:prstGeom prst="bentConnector3">
-            <a:avLst/>
-          </a:prstGeom>
-          <a:ln>
-            <a:tailEnd type="triangle"/>
-          </a:ln>
-        </p:spPr>
-        <p:style>
-          <a:lnRef idx="1">
-            <a:schemeClr val="accent1"/>
-          </a:lnRef>
-          <a:fillRef idx="0">
-            <a:schemeClr val="accent1"/>
-          </a:fillRef>
-          <a:effectRef idx="0">
-            <a:schemeClr val="accent1"/>
-          </a:effectRef>
-          <a:fontRef idx="minor">
-            <a:schemeClr val="tx1"/>
-          </a:fontRef>
-        </p:style>
-      </p:cxnSp>
-      <p:sp>
-        <p:nvSpPr>
-          <p:cNvPr id="12" name="Rectangle 11">
-            <a:extLst>
-              <a:ext uri="{FF2B5EF4-FFF2-40B4-BE49-F238E27FC236}">
-                <a16:creationId xmlns:a16="http://schemas.microsoft.com/office/drawing/2014/main" id="{F3C8671F-AA31-F046-9841-68C673998922}"/>
-              </a:ext>
-            </a:extLst>
-          </p:cNvPr>
-          <p:cNvSpPr/>
-          <p:nvPr/>
-        </p:nvSpPr>
-        <p:spPr>
-          <a:xfrm>
-            <a:off x="568411" y="5035381"/>
-            <a:ext cx="2261288" cy="1322175"/>
-          </a:xfrm>
-          <a:prstGeom prst="rect">
-            <a:avLst/>
-          </a:prstGeom>
-        </p:spPr>
-        <p:style>
-          <a:lnRef idx="1">
-            <a:schemeClr val="accent5"/>
-          </a:lnRef>
-          <a:fillRef idx="2">
-            <a:schemeClr val="accent5"/>
-          </a:fillRef>
-          <a:effectRef idx="1">
-            <a:schemeClr val="accent5"/>
-          </a:effectRef>
-          <a:fontRef idx="minor">
-            <a:schemeClr val="dk1"/>
-          </a:fontRef>
-        </p:style>
-        <p:txBody>
-          <a:bodyPr rtlCol="0" anchor="ctr"/>
-          <a:lstStyle/>
-          <a:p>
-            <a:pPr algn="ctr"/>
-            <a:r>
-              <a:rPr lang="en-US" dirty="0"/>
-              <a:t>File Dumps</a:t>
-            </a:r>
-          </a:p>
-          <a:p>
-            <a:pPr algn="ctr"/>
-            <a:r>
-              <a:rPr lang="en-US" dirty="0"/>
-              <a:t>(Bash script pull files )</a:t>
-            </a:r>
-          </a:p>
-        </p:txBody>
-      </p:sp>
-      <p:cxnSp>
-        <p:nvCxnSpPr>
-          <p:cNvPr id="14" name="Elbow Connector 13">
-            <a:extLst>
-              <a:ext uri="{FF2B5EF4-FFF2-40B4-BE49-F238E27FC236}">
-                <a16:creationId xmlns:a16="http://schemas.microsoft.com/office/drawing/2014/main" id="{A425968B-99C1-C741-A024-D55AFF73559E}"/>
-              </a:ext>
-            </a:extLst>
-          </p:cNvPr>
-          <p:cNvCxnSpPr>
-            <a:cxnSpLocks/>
-            <a:stCxn id="12" idx="3"/>
-            <a:endCxn id="4" idx="1"/>
-          </p:cNvCxnSpPr>
-          <p:nvPr/>
-        </p:nvCxnSpPr>
-        <p:spPr>
-          <a:xfrm flipV="1">
-            <a:off x="2829699" y="4639964"/>
-            <a:ext cx="1567247" cy="1056505"/>
-          </a:xfrm>
-          <a:prstGeom prst="bentConnector3">
-            <a:avLst/>
-          </a:prstGeom>
-          <a:ln>
-            <a:tailEnd type="triangle"/>
-          </a:ln>
-        </p:spPr>
-        <p:style>
-          <a:lnRef idx="1">
-            <a:schemeClr val="accent1"/>
-          </a:lnRef>
-          <a:fillRef idx="0">
-            <a:schemeClr val="accent1"/>
-          </a:fillRef>
-          <a:effectRef idx="0">
-            <a:schemeClr val="accent1"/>
-          </a:effectRef>
-          <a:fontRef idx="minor">
-            <a:schemeClr val="tx1"/>
-          </a:fontRef>
-        </p:style>
-      </p:cxnSp>
-      <p:sp>
-        <p:nvSpPr>
-          <p:cNvPr id="21" name="Rectangle 20">
-            <a:extLst>
-              <a:ext uri="{FF2B5EF4-FFF2-40B4-BE49-F238E27FC236}">
-                <a16:creationId xmlns:a16="http://schemas.microsoft.com/office/drawing/2014/main" id="{C1ED118D-0B3C-6447-A9F5-53ACD00035D2}"/>
-              </a:ext>
-            </a:extLst>
-          </p:cNvPr>
-          <p:cNvSpPr/>
-          <p:nvPr/>
-        </p:nvSpPr>
-        <p:spPr>
-          <a:xfrm>
-            <a:off x="4396946" y="2560938"/>
-            <a:ext cx="1757747" cy="722868"/>
-          </a:xfrm>
-          <a:prstGeom prst="rect">
-            <a:avLst/>
-          </a:prstGeom>
-        </p:spPr>
-        <p:style>
-          <a:lnRef idx="2">
-            <a:schemeClr val="accent1">
-              <a:shade val="50000"/>
-            </a:schemeClr>
-          </a:lnRef>
-          <a:fillRef idx="1">
-            <a:schemeClr val="accent1"/>
-          </a:fillRef>
-          <a:effectRef idx="0">
-            <a:schemeClr val="accent1"/>
-          </a:effectRef>
-          <a:fontRef idx="minor">
-            <a:schemeClr val="lt1"/>
-          </a:fontRef>
-        </p:style>
-        <p:txBody>
-          <a:bodyPr rtlCol="0" anchor="ctr"/>
-          <a:lstStyle/>
-          <a:p>
-            <a:pPr algn="ctr"/>
-            <a:r>
-              <a:rPr lang="en-US" dirty="0"/>
-              <a:t>Athena</a:t>
-            </a:r>
-          </a:p>
-        </p:txBody>
-      </p:sp>
-      <p:sp>
-        <p:nvSpPr>
-          <p:cNvPr id="25" name="Rectangle 24">
-            <a:extLst>
-              <a:ext uri="{FF2B5EF4-FFF2-40B4-BE49-F238E27FC236}">
-                <a16:creationId xmlns:a16="http://schemas.microsoft.com/office/drawing/2014/main" id="{0B523143-8001-5647-A5ED-56428BBF1659}"/>
-              </a:ext>
-            </a:extLst>
-          </p:cNvPr>
-          <p:cNvSpPr/>
-          <p:nvPr/>
-        </p:nvSpPr>
-        <p:spPr>
-          <a:xfrm>
-            <a:off x="5660424" y="886599"/>
-            <a:ext cx="1757747" cy="722868"/>
-          </a:xfrm>
-          <a:prstGeom prst="rect">
-            <a:avLst/>
-          </a:prstGeom>
-        </p:spPr>
-        <p:style>
-          <a:lnRef idx="1">
-            <a:schemeClr val="accent5"/>
-          </a:lnRef>
-          <a:fillRef idx="2">
-            <a:schemeClr val="accent5"/>
-          </a:fillRef>
-          <a:effectRef idx="1">
-            <a:schemeClr val="accent5"/>
-          </a:effectRef>
-          <a:fontRef idx="minor">
-            <a:schemeClr val="dk1"/>
-          </a:fontRef>
-        </p:style>
-        <p:txBody>
-          <a:bodyPr rtlCol="0" anchor="ctr"/>
-          <a:lstStyle/>
-          <a:p>
-            <a:pPr algn="ctr"/>
-            <a:r>
-              <a:rPr lang="en-US" dirty="0"/>
-              <a:t>Notebooks for ML / AI Projects</a:t>
-            </a:r>
-          </a:p>
-        </p:txBody>
-      </p:sp>
-      <p:sp>
-        <p:nvSpPr>
-          <p:cNvPr id="26" name="Rectangle 25">
-            <a:extLst>
-              <a:ext uri="{FF2B5EF4-FFF2-40B4-BE49-F238E27FC236}">
-                <a16:creationId xmlns:a16="http://schemas.microsoft.com/office/drawing/2014/main" id="{F678BBAD-D858-7C4C-B70A-062A38AAC428}"/>
-              </a:ext>
-            </a:extLst>
-          </p:cNvPr>
-          <p:cNvSpPr/>
-          <p:nvPr/>
-        </p:nvSpPr>
-        <p:spPr>
-          <a:xfrm>
-            <a:off x="7432588" y="3926362"/>
-            <a:ext cx="1163594" cy="1427204"/>
-          </a:xfrm>
-          <a:prstGeom prst="rect">
-            <a:avLst/>
-          </a:prstGeom>
-        </p:spPr>
-        <p:style>
-          <a:lnRef idx="2">
-            <a:schemeClr val="accent1">
-              <a:shade val="50000"/>
-            </a:schemeClr>
-          </a:lnRef>
-          <a:fillRef idx="1">
-            <a:schemeClr val="accent1"/>
-          </a:fillRef>
-          <a:effectRef idx="0">
-            <a:schemeClr val="accent1"/>
-          </a:effectRef>
-          <a:fontRef idx="minor">
-            <a:schemeClr val="lt1"/>
-          </a:fontRef>
-        </p:style>
-        <p:txBody>
-          <a:bodyPr rtlCol="0" anchor="ctr"/>
-          <a:lstStyle/>
-          <a:p>
-            <a:pPr algn="ctr"/>
-            <a:r>
-              <a:rPr lang="en-US" dirty="0"/>
-              <a:t>Redshift</a:t>
-            </a:r>
-          </a:p>
-        </p:txBody>
-      </p:sp>
-      <p:sp>
-        <p:nvSpPr>
-          <p:cNvPr id="27" name="Rectangle 26">
-            <a:extLst>
-              <a:ext uri="{FF2B5EF4-FFF2-40B4-BE49-F238E27FC236}">
-                <a16:creationId xmlns:a16="http://schemas.microsoft.com/office/drawing/2014/main" id="{FAECFB8B-2A16-0141-A350-E6CCB4F1EE5F}"/>
-              </a:ext>
-            </a:extLst>
-          </p:cNvPr>
-          <p:cNvSpPr/>
-          <p:nvPr/>
-        </p:nvSpPr>
-        <p:spPr>
-          <a:xfrm>
-            <a:off x="5914767" y="4049929"/>
-            <a:ext cx="1163594" cy="1118287"/>
-          </a:xfrm>
-          <a:prstGeom prst="rect">
-            <a:avLst/>
-          </a:prstGeom>
-        </p:spPr>
-        <p:style>
-          <a:lnRef idx="1">
-            <a:schemeClr val="accent5"/>
-          </a:lnRef>
-          <a:fillRef idx="2">
-            <a:schemeClr val="accent5"/>
-          </a:fillRef>
-          <a:effectRef idx="1">
-            <a:schemeClr val="accent5"/>
-          </a:effectRef>
-          <a:fontRef idx="minor">
-            <a:schemeClr val="dk1"/>
-          </a:fontRef>
-        </p:style>
-        <p:txBody>
-          <a:bodyPr rtlCol="0" anchor="ctr"/>
-          <a:lstStyle/>
-          <a:p>
-            <a:pPr algn="ctr"/>
-            <a:r>
-              <a:rPr lang="en-US" dirty="0"/>
-              <a:t>Load Data</a:t>
-            </a:r>
-          </a:p>
-          <a:p>
-            <a:pPr algn="ctr"/>
-            <a:r>
-              <a:rPr lang="en-US" dirty="0"/>
-              <a:t>From S3 to Redshift</a:t>
-            </a:r>
-          </a:p>
-        </p:txBody>
-      </p:sp>
-      <p:sp>
-        <p:nvSpPr>
-          <p:cNvPr id="28" name="Rectangle 27">
-            <a:extLst>
-              <a:ext uri="{FF2B5EF4-FFF2-40B4-BE49-F238E27FC236}">
-                <a16:creationId xmlns:a16="http://schemas.microsoft.com/office/drawing/2014/main" id="{74FBD127-D84F-7844-9612-E2553C336FA0}"/>
-              </a:ext>
-            </a:extLst>
-          </p:cNvPr>
-          <p:cNvSpPr/>
-          <p:nvPr/>
-        </p:nvSpPr>
-        <p:spPr>
-          <a:xfrm>
-            <a:off x="9394221" y="3317789"/>
-            <a:ext cx="2480621" cy="2934732"/>
-          </a:xfrm>
-          <a:prstGeom prst="rect">
-            <a:avLst/>
-          </a:prstGeom>
-        </p:spPr>
-        <p:style>
-          <a:lnRef idx="1">
-            <a:schemeClr val="accent5"/>
-          </a:lnRef>
-          <a:fillRef idx="2">
-            <a:schemeClr val="accent5"/>
-          </a:fillRef>
-          <a:effectRef idx="1">
-            <a:schemeClr val="accent5"/>
-          </a:effectRef>
-          <a:fontRef idx="minor">
-            <a:schemeClr val="dk1"/>
-          </a:fontRef>
-        </p:style>
-        <p:txBody>
-          <a:bodyPr rtlCol="0" anchor="ctr"/>
-          <a:lstStyle/>
-          <a:p>
-            <a:pPr algn="ctr"/>
-            <a:r>
-              <a:rPr lang="en-US" dirty="0"/>
-              <a:t>Kibana</a:t>
-            </a:r>
-          </a:p>
-          <a:p>
-            <a:pPr algn="ctr"/>
-            <a:r>
-              <a:rPr lang="en-US" dirty="0"/>
-              <a:t>UI Dashboard</a:t>
-            </a:r>
-          </a:p>
-        </p:txBody>
-      </p:sp>
-      <p:cxnSp>
-        <p:nvCxnSpPr>
-          <p:cNvPr id="30" name="Elbow Connector 29">
-            <a:extLst>
-              <a:ext uri="{FF2B5EF4-FFF2-40B4-BE49-F238E27FC236}">
-                <a16:creationId xmlns:a16="http://schemas.microsoft.com/office/drawing/2014/main" id="{B3EF62B0-8799-8F44-830B-0C81F0744D4F}"/>
-              </a:ext>
-            </a:extLst>
-          </p:cNvPr>
-          <p:cNvCxnSpPr>
-            <a:stCxn id="26" idx="3"/>
-            <a:endCxn id="28" idx="1"/>
-          </p:cNvCxnSpPr>
-          <p:nvPr/>
-        </p:nvCxnSpPr>
-        <p:spPr>
-          <a:xfrm>
-            <a:off x="8596182" y="4639964"/>
-            <a:ext cx="798039" cy="145191"/>
-          </a:xfrm>
-          <a:prstGeom prst="bentConnector3">
-            <a:avLst/>
-          </a:prstGeom>
-          <a:ln>
-            <a:tailEnd type="triangle"/>
-          </a:ln>
-        </p:spPr>
-        <p:style>
-          <a:lnRef idx="1">
-            <a:schemeClr val="accent1"/>
-          </a:lnRef>
-          <a:fillRef idx="0">
-            <a:schemeClr val="accent1"/>
-          </a:fillRef>
-          <a:effectRef idx="0">
-            <a:schemeClr val="accent1"/>
-          </a:effectRef>
-          <a:fontRef idx="minor">
-            <a:schemeClr val="tx1"/>
-          </a:fontRef>
-        </p:style>
-      </p:cxnSp>
-      <p:cxnSp>
-        <p:nvCxnSpPr>
-          <p:cNvPr id="32" name="Elbow Connector 31">
-            <a:extLst>
-              <a:ext uri="{FF2B5EF4-FFF2-40B4-BE49-F238E27FC236}">
-                <a16:creationId xmlns:a16="http://schemas.microsoft.com/office/drawing/2014/main" id="{198D3DB1-A9B3-984B-9D3A-BA265265CAA2}"/>
-              </a:ext>
-            </a:extLst>
-          </p:cNvPr>
-          <p:cNvCxnSpPr>
-            <a:stCxn id="4" idx="0"/>
-            <a:endCxn id="21" idx="2"/>
-          </p:cNvCxnSpPr>
-          <p:nvPr/>
-        </p:nvCxnSpPr>
-        <p:spPr>
-          <a:xfrm rot="5400000" flipH="1" flipV="1">
-            <a:off x="4806003" y="3456546"/>
-            <a:ext cx="642556" cy="297077"/>
-          </a:xfrm>
-          <a:prstGeom prst="bentConnector3">
-            <a:avLst/>
-          </a:prstGeom>
-          <a:ln>
-            <a:tailEnd type="triangle"/>
-          </a:ln>
-        </p:spPr>
-        <p:style>
-          <a:lnRef idx="1">
-            <a:schemeClr val="accent1"/>
-          </a:lnRef>
-          <a:fillRef idx="0">
-            <a:schemeClr val="accent1"/>
-          </a:fillRef>
-          <a:effectRef idx="0">
-            <a:schemeClr val="accent1"/>
-          </a:effectRef>
-          <a:fontRef idx="minor">
-            <a:schemeClr val="tx1"/>
-          </a:fontRef>
-        </p:style>
-      </p:cxnSp>
-      <p:cxnSp>
-        <p:nvCxnSpPr>
-          <p:cNvPr id="34" name="Elbow Connector 33">
-            <a:extLst>
-              <a:ext uri="{FF2B5EF4-FFF2-40B4-BE49-F238E27FC236}">
-                <a16:creationId xmlns:a16="http://schemas.microsoft.com/office/drawing/2014/main" id="{77BA3BB4-7B51-0846-8636-909A0A3E6D94}"/>
-              </a:ext>
-            </a:extLst>
-          </p:cNvPr>
-          <p:cNvCxnSpPr>
-            <a:stCxn id="4" idx="3"/>
-            <a:endCxn id="27" idx="1"/>
-          </p:cNvCxnSpPr>
-          <p:nvPr/>
-        </p:nvCxnSpPr>
-        <p:spPr>
-          <a:xfrm flipV="1">
-            <a:off x="5560540" y="4609073"/>
-            <a:ext cx="354227" cy="30891"/>
-          </a:xfrm>
-          <a:prstGeom prst="bentConnector3">
-            <a:avLst/>
-          </a:prstGeom>
-          <a:ln>
-            <a:tailEnd type="triangle"/>
-          </a:ln>
-        </p:spPr>
-        <p:style>
-          <a:lnRef idx="1">
-            <a:schemeClr val="accent1"/>
-          </a:lnRef>
-          <a:fillRef idx="0">
-            <a:schemeClr val="accent1"/>
-          </a:fillRef>
-          <a:effectRef idx="0">
-            <a:schemeClr val="accent1"/>
-          </a:effectRef>
-          <a:fontRef idx="minor">
-            <a:schemeClr val="tx1"/>
-          </a:fontRef>
-        </p:style>
-      </p:cxnSp>
-      <p:cxnSp>
-        <p:nvCxnSpPr>
-          <p:cNvPr id="36" name="Elbow Connector 35">
-            <a:extLst>
-              <a:ext uri="{FF2B5EF4-FFF2-40B4-BE49-F238E27FC236}">
-                <a16:creationId xmlns:a16="http://schemas.microsoft.com/office/drawing/2014/main" id="{E6E79104-ECB2-E54F-A7F7-EFDD60697D70}"/>
-              </a:ext>
-            </a:extLst>
-          </p:cNvPr>
-          <p:cNvCxnSpPr>
-            <a:stCxn id="27" idx="3"/>
-            <a:endCxn id="26" idx="1"/>
-          </p:cNvCxnSpPr>
-          <p:nvPr/>
-        </p:nvCxnSpPr>
-        <p:spPr>
-          <a:xfrm>
-            <a:off x="7078361" y="4609073"/>
-            <a:ext cx="354227" cy="30891"/>
-          </a:xfrm>
-          <a:prstGeom prst="bentConnector3">
-            <a:avLst/>
-          </a:prstGeom>
-          <a:ln>
-            <a:tailEnd type="triangle"/>
-          </a:ln>
-        </p:spPr>
-        <p:style>
-          <a:lnRef idx="1">
-            <a:schemeClr val="accent1"/>
-          </a:lnRef>
-          <a:fillRef idx="0">
-            <a:schemeClr val="accent1"/>
-          </a:fillRef>
-          <a:effectRef idx="0">
-            <a:schemeClr val="accent1"/>
-          </a:effectRef>
-          <a:fontRef idx="minor">
-            <a:schemeClr val="tx1"/>
-          </a:fontRef>
-        </p:style>
-      </p:cxnSp>
-      <p:sp>
-        <p:nvSpPr>
-          <p:cNvPr id="37" name="TextBox 36">
-            <a:extLst>
-              <a:ext uri="{FF2B5EF4-FFF2-40B4-BE49-F238E27FC236}">
-                <a16:creationId xmlns:a16="http://schemas.microsoft.com/office/drawing/2014/main" id="{403C4DBD-2EF7-8645-A469-C01CFECFF619}"/>
-              </a:ext>
-            </a:extLst>
-          </p:cNvPr>
-          <p:cNvSpPr txBox="1"/>
-          <p:nvPr/>
-        </p:nvSpPr>
-        <p:spPr>
-          <a:xfrm>
-            <a:off x="1025611" y="98854"/>
-            <a:ext cx="3163330" cy="369332"/>
-          </a:xfrm>
-          <a:prstGeom prst="rect">
-            <a:avLst/>
-          </a:prstGeom>
-          <a:noFill/>
-        </p:spPr>
-        <p:txBody>
-          <a:bodyPr wrap="square" rtlCol="0">
-            <a:spAutoFit/>
-          </a:bodyPr>
-          <a:lstStyle/>
-          <a:p>
-            <a:r>
-              <a:rPr lang="en-US" dirty="0"/>
-              <a:t>Data Pipeline for AWS</a:t>
-            </a:r>
-          </a:p>
-        </p:txBody>
-      </p:sp>
-      <p:sp>
-        <p:nvSpPr>
-          <p:cNvPr id="20" name="Rectangle 19">
-            <a:extLst>
-              <a:ext uri="{FF2B5EF4-FFF2-40B4-BE49-F238E27FC236}">
-                <a16:creationId xmlns:a16="http://schemas.microsoft.com/office/drawing/2014/main" id="{1055FBF7-C121-C842-BEF6-9E9C97AB3BEF}"/>
-              </a:ext>
-            </a:extLst>
-          </p:cNvPr>
-          <p:cNvSpPr/>
-          <p:nvPr/>
-        </p:nvSpPr>
-        <p:spPr>
-          <a:xfrm>
-            <a:off x="6495533" y="2567119"/>
-            <a:ext cx="1757747" cy="722868"/>
-          </a:xfrm>
-          <a:prstGeom prst="rect">
-            <a:avLst/>
-          </a:prstGeom>
-        </p:spPr>
-        <p:style>
-          <a:lnRef idx="2">
-            <a:schemeClr val="accent1">
-              <a:shade val="50000"/>
-            </a:schemeClr>
-          </a:lnRef>
-          <a:fillRef idx="1">
-            <a:schemeClr val="accent1"/>
-          </a:fillRef>
-          <a:effectRef idx="0">
-            <a:schemeClr val="accent1"/>
-          </a:effectRef>
-          <a:fontRef idx="minor">
-            <a:schemeClr val="lt1"/>
-          </a:fontRef>
-        </p:style>
-        <p:txBody>
-          <a:bodyPr rtlCol="0" anchor="ctr"/>
-          <a:lstStyle/>
-          <a:p>
-            <a:pPr algn="ctr"/>
-            <a:r>
-              <a:rPr lang="en-US" dirty="0"/>
-              <a:t>Glue</a:t>
-            </a:r>
-          </a:p>
-        </p:txBody>
-      </p:sp>
-      <p:cxnSp>
-        <p:nvCxnSpPr>
-          <p:cNvPr id="9" name="Elbow Connector 8">
-            <a:extLst>
-              <a:ext uri="{FF2B5EF4-FFF2-40B4-BE49-F238E27FC236}">
-                <a16:creationId xmlns:a16="http://schemas.microsoft.com/office/drawing/2014/main" id="{34690216-B216-4E42-8541-4D1636B005A8}"/>
-              </a:ext>
-            </a:extLst>
-          </p:cNvPr>
-          <p:cNvCxnSpPr>
-            <a:stCxn id="25" idx="2"/>
-            <a:endCxn id="21" idx="0"/>
-          </p:cNvCxnSpPr>
-          <p:nvPr/>
-        </p:nvCxnSpPr>
-        <p:spPr>
-          <a:xfrm rot="5400000">
-            <a:off x="5431824" y="1453463"/>
-            <a:ext cx="951471" cy="1263478"/>
-          </a:xfrm>
-          <a:prstGeom prst="bentConnector3">
-            <a:avLst/>
-          </a:prstGeom>
-          <a:ln>
-            <a:headEnd type="triangle"/>
-            <a:tailEnd type="triangle"/>
-          </a:ln>
-        </p:spPr>
-        <p:style>
-          <a:lnRef idx="1">
-            <a:schemeClr val="accent1"/>
-          </a:lnRef>
-          <a:fillRef idx="0">
-            <a:schemeClr val="accent1"/>
-          </a:fillRef>
-          <a:effectRef idx="0">
-            <a:schemeClr val="accent1"/>
-          </a:effectRef>
-          <a:fontRef idx="minor">
-            <a:schemeClr val="tx1"/>
-          </a:fontRef>
-        </p:style>
-      </p:cxnSp>
-      <p:cxnSp>
-        <p:nvCxnSpPr>
-          <p:cNvPr id="23" name="Elbow Connector 22">
-            <a:extLst>
-              <a:ext uri="{FF2B5EF4-FFF2-40B4-BE49-F238E27FC236}">
-                <a16:creationId xmlns:a16="http://schemas.microsoft.com/office/drawing/2014/main" id="{EBACBAFE-BF0B-DC49-AAF4-6C2C7393DEC7}"/>
-              </a:ext>
-            </a:extLst>
-          </p:cNvPr>
-          <p:cNvCxnSpPr>
-            <a:cxnSpLocks/>
-            <a:stCxn id="25" idx="2"/>
-            <a:endCxn id="20" idx="0"/>
-          </p:cNvCxnSpPr>
-          <p:nvPr/>
-        </p:nvCxnSpPr>
-        <p:spPr>
-          <a:xfrm rot="16200000" flipH="1">
-            <a:off x="6478026" y="1670738"/>
-            <a:ext cx="957652" cy="835109"/>
-          </a:xfrm>
-          <a:prstGeom prst="bentConnector3">
-            <a:avLst>
-              <a:gd name="adj1" fmla="val 50000"/>
-            </a:avLst>
-          </a:prstGeom>
-          <a:ln>
-            <a:headEnd type="triangle"/>
-            <a:tailEnd type="triangle"/>
-          </a:ln>
-        </p:spPr>
-        <p:style>
-          <a:lnRef idx="1">
-            <a:schemeClr val="accent1"/>
-          </a:lnRef>
-          <a:fillRef idx="0">
-            <a:schemeClr val="accent1"/>
-          </a:fillRef>
-          <a:effectRef idx="0">
-            <a:schemeClr val="accent1"/>
-          </a:effectRef>
-          <a:fontRef idx="minor">
-            <a:schemeClr val="tx1"/>
-          </a:fontRef>
-        </p:style>
-      </p:cxnSp>
-      <p:sp>
-        <p:nvSpPr>
-          <p:cNvPr id="15" name="TextBox 14">
-            <a:extLst>
-              <a:ext uri="{FF2B5EF4-FFF2-40B4-BE49-F238E27FC236}">
-                <a16:creationId xmlns:a16="http://schemas.microsoft.com/office/drawing/2014/main" id="{DEA76E77-125E-2C48-B7A5-86D43851AAA5}"/>
-              </a:ext>
-            </a:extLst>
-          </p:cNvPr>
-          <p:cNvSpPr txBox="1"/>
-          <p:nvPr/>
-        </p:nvSpPr>
-        <p:spPr>
-          <a:xfrm>
-            <a:off x="7886700" y="628650"/>
-            <a:ext cx="857250" cy="646331"/>
-          </a:xfrm>
-          <a:prstGeom prst="rect">
-            <a:avLst/>
-          </a:prstGeom>
-          <a:noFill/>
-        </p:spPr>
-        <p:txBody>
-          <a:bodyPr wrap="square" rtlCol="0">
-            <a:spAutoFit/>
-          </a:bodyPr>
-          <a:lstStyle/>
-          <a:p>
-            <a:r>
-              <a:rPr lang="en-US" dirty="0"/>
-              <a:t>Phase 2</a:t>
-            </a:r>
-          </a:p>
-        </p:txBody>
-      </p:sp>
-    </p:spTree>
-    <p:extLst>
-      <p:ext uri="{BB962C8B-B14F-4D97-AF65-F5344CB8AC3E}">
-        <p14:creationId xmlns:p14="http://schemas.microsoft.com/office/powerpoint/2010/main" val="1958220777"/>
-      </p:ext>
-    </p:extLst>
-  </p:cSld>
-  <p:clrMapOvr>
-    <a:masterClrMapping/>
-  </p:clrMapOvr>
-</p:sld>
-</file>
-
-<file path=ppt/slides/slide5.xml><?xml version="1.0" encoding="utf-8"?>
-<p:sld xmlns:a="http://schemas.openxmlformats.org/drawingml/2006/main" xmlns:r="http://schemas.openxmlformats.org/officeDocument/2006/relationships" xmlns:p="http://schemas.openxmlformats.org/presentationml/2006/main">
-  <p:cSld>
-    <p:spTree>
-      <p:nvGrpSpPr>
-        <p:cNvPr id="1" name=""/>
-        <p:cNvGrpSpPr/>
-        <p:nvPr/>
-      </p:nvGrpSpPr>
-      <p:grpSpPr>
-        <a:xfrm>
-          <a:off x="0" y="0"/>
-          <a:ext cx="0" cy="0"/>
-          <a:chOff x="0" y="0"/>
-          <a:chExt cx="0" cy="0"/>
-        </a:xfrm>
-      </p:grpSpPr>
-      <p:sp>
-        <p:nvSpPr>
-          <p:cNvPr id="7" name="Rounded Rectangle 6">
-            <a:extLst>
-              <a:ext uri="{FF2B5EF4-FFF2-40B4-BE49-F238E27FC236}">
-                <a16:creationId xmlns:a16="http://schemas.microsoft.com/office/drawing/2014/main" id="{5203ABD3-63FB-5F41-9EF8-9D69039B2B2D}"/>
-              </a:ext>
-            </a:extLst>
-          </p:cNvPr>
-          <p:cNvSpPr/>
-          <p:nvPr/>
-        </p:nvSpPr>
-        <p:spPr>
-          <a:xfrm>
-            <a:off x="1742303" y="778476"/>
-            <a:ext cx="9242854" cy="5820032"/>
-          </a:xfrm>
-          <a:prstGeom prst="roundRect">
-            <a:avLst/>
-          </a:prstGeom>
-        </p:spPr>
-        <p:style>
-          <a:lnRef idx="2">
-            <a:schemeClr val="accent2"/>
-          </a:lnRef>
-          <a:fillRef idx="1">
-            <a:schemeClr val="lt1"/>
-          </a:fillRef>
-          <a:effectRef idx="0">
-            <a:schemeClr val="accent2"/>
-          </a:effectRef>
-          <a:fontRef idx="minor">
-            <a:schemeClr val="dk1"/>
-          </a:fontRef>
-        </p:style>
-        <p:txBody>
-          <a:bodyPr rtlCol="0" anchor="ctr"/>
-          <a:lstStyle/>
-          <a:p>
-            <a:pPr algn="ctr"/>
-            <a:endParaRPr lang="en-US"/>
-          </a:p>
-        </p:txBody>
-      </p:sp>
-      <p:sp>
-        <p:nvSpPr>
-          <p:cNvPr id="9" name="Rectangle 8">
-            <a:extLst>
-              <a:ext uri="{FF2B5EF4-FFF2-40B4-BE49-F238E27FC236}">
-                <a16:creationId xmlns:a16="http://schemas.microsoft.com/office/drawing/2014/main" id="{86F27086-D029-CD4E-AB2F-7A0AA1D9926A}"/>
-              </a:ext>
-            </a:extLst>
-          </p:cNvPr>
-          <p:cNvSpPr/>
-          <p:nvPr/>
-        </p:nvSpPr>
-        <p:spPr>
-          <a:xfrm>
-            <a:off x="3212757" y="986135"/>
-            <a:ext cx="5758248" cy="369502"/>
-          </a:xfrm>
-          <a:prstGeom prst="rect">
-            <a:avLst/>
-          </a:prstGeom>
-        </p:spPr>
-        <p:style>
-          <a:lnRef idx="2">
-            <a:schemeClr val="accent1">
-              <a:shade val="50000"/>
-            </a:schemeClr>
-          </a:lnRef>
-          <a:fillRef idx="1">
-            <a:schemeClr val="accent1"/>
-          </a:fillRef>
-          <a:effectRef idx="0">
-            <a:schemeClr val="accent1"/>
-          </a:effectRef>
-          <a:fontRef idx="minor">
-            <a:schemeClr val="lt1"/>
-          </a:fontRef>
-        </p:style>
-        <p:txBody>
-          <a:bodyPr rtlCol="0" anchor="ctr"/>
-          <a:lstStyle/>
-          <a:p>
-            <a:pPr algn="ctr"/>
-            <a:endParaRPr lang="en-US"/>
-          </a:p>
-        </p:txBody>
-      </p:sp>
-      <p:sp>
-        <p:nvSpPr>
-          <p:cNvPr id="2" name="Rectangle 1">
-            <a:extLst>
-              <a:ext uri="{FF2B5EF4-FFF2-40B4-BE49-F238E27FC236}">
-                <a16:creationId xmlns:a16="http://schemas.microsoft.com/office/drawing/2014/main" id="{B98E6A9F-A2C8-C143-8BFC-49CD1A12A926}"/>
-              </a:ext>
-            </a:extLst>
-          </p:cNvPr>
-          <p:cNvSpPr/>
-          <p:nvPr/>
-        </p:nvSpPr>
-        <p:spPr>
-          <a:xfrm>
-            <a:off x="3015048" y="1779372"/>
-            <a:ext cx="3076833" cy="1940011"/>
-          </a:xfrm>
-          <a:prstGeom prst="rect">
-            <a:avLst/>
-          </a:prstGeom>
-        </p:spPr>
-        <p:style>
-          <a:lnRef idx="2">
-            <a:schemeClr val="accent1">
-              <a:shade val="50000"/>
-            </a:schemeClr>
-          </a:lnRef>
-          <a:fillRef idx="1">
-            <a:schemeClr val="accent1"/>
-          </a:fillRef>
-          <a:effectRef idx="0">
-            <a:schemeClr val="accent1"/>
-          </a:effectRef>
-          <a:fontRef idx="minor">
-            <a:schemeClr val="lt1"/>
-          </a:fontRef>
-        </p:style>
-        <p:txBody>
-          <a:bodyPr rtlCol="0" anchor="ctr"/>
-          <a:lstStyle/>
-          <a:p>
-            <a:pPr algn="ctr"/>
-            <a:r>
-              <a:rPr lang="en-US" dirty="0"/>
-              <a:t>Basic Account Information  ( Data from Salesforce)</a:t>
-            </a:r>
-          </a:p>
-        </p:txBody>
-      </p:sp>
-      <p:sp>
-        <p:nvSpPr>
-          <p:cNvPr id="3" name="Rectangle 2">
-            <a:extLst>
-              <a:ext uri="{FF2B5EF4-FFF2-40B4-BE49-F238E27FC236}">
-                <a16:creationId xmlns:a16="http://schemas.microsoft.com/office/drawing/2014/main" id="{5FD87730-759B-6E4D-AFB9-BD03FF332219}"/>
-              </a:ext>
-            </a:extLst>
-          </p:cNvPr>
-          <p:cNvSpPr/>
-          <p:nvPr/>
-        </p:nvSpPr>
-        <p:spPr>
-          <a:xfrm>
-            <a:off x="3015048" y="4417540"/>
-            <a:ext cx="3076833" cy="1940011"/>
-          </a:xfrm>
-          <a:prstGeom prst="rect">
-            <a:avLst/>
-          </a:prstGeom>
-        </p:spPr>
-        <p:style>
-          <a:lnRef idx="2">
-            <a:schemeClr val="accent1">
-              <a:shade val="50000"/>
-            </a:schemeClr>
-          </a:lnRef>
-          <a:fillRef idx="1">
-            <a:schemeClr val="accent1"/>
-          </a:fillRef>
-          <a:effectRef idx="0">
-            <a:schemeClr val="accent1"/>
-          </a:effectRef>
-          <a:fontRef idx="minor">
-            <a:schemeClr val="lt1"/>
-          </a:fontRef>
-        </p:style>
-        <p:txBody>
-          <a:bodyPr rtlCol="0" anchor="ctr"/>
-          <a:lstStyle/>
-          <a:p>
-            <a:pPr algn="ctr"/>
-            <a:r>
-              <a:rPr lang="en-US" dirty="0"/>
-              <a:t>Order History</a:t>
-            </a:r>
-          </a:p>
-          <a:p>
-            <a:pPr algn="ctr"/>
-            <a:r>
-              <a:rPr lang="en-US" dirty="0"/>
-              <a:t>( Just showing </a:t>
-            </a:r>
-            <a:r>
-              <a:rPr lang="en-US" dirty="0" err="1"/>
-              <a:t>aggregrated</a:t>
-            </a:r>
-            <a:r>
-              <a:rPr lang="en-US" dirty="0"/>
-              <a:t> data by each month)</a:t>
-            </a:r>
-          </a:p>
-          <a:p>
-            <a:pPr algn="ctr"/>
-            <a:r>
-              <a:rPr lang="en-US" dirty="0"/>
-              <a:t>Graph Bar </a:t>
-            </a:r>
-          </a:p>
-        </p:txBody>
-      </p:sp>
-      <p:sp>
-        <p:nvSpPr>
-          <p:cNvPr id="4" name="Rectangle 3">
-            <a:extLst>
-              <a:ext uri="{FF2B5EF4-FFF2-40B4-BE49-F238E27FC236}">
-                <a16:creationId xmlns:a16="http://schemas.microsoft.com/office/drawing/2014/main" id="{C4466243-02A3-304E-8B79-3AF5F00B9017}"/>
-              </a:ext>
-            </a:extLst>
-          </p:cNvPr>
-          <p:cNvSpPr/>
-          <p:nvPr/>
-        </p:nvSpPr>
-        <p:spPr>
-          <a:xfrm>
-            <a:off x="6952736" y="1779371"/>
-            <a:ext cx="3076833" cy="1940011"/>
-          </a:xfrm>
-          <a:prstGeom prst="rect">
-            <a:avLst/>
-          </a:prstGeom>
-        </p:spPr>
-        <p:style>
-          <a:lnRef idx="2">
-            <a:schemeClr val="accent1">
-              <a:shade val="50000"/>
-            </a:schemeClr>
-          </a:lnRef>
-          <a:fillRef idx="1">
-            <a:schemeClr val="accent1"/>
-          </a:fillRef>
-          <a:effectRef idx="0">
-            <a:schemeClr val="accent1"/>
-          </a:effectRef>
-          <a:fontRef idx="minor">
-            <a:schemeClr val="lt1"/>
-          </a:fontRef>
-        </p:style>
-        <p:txBody>
-          <a:bodyPr rtlCol="0" anchor="ctr"/>
-          <a:lstStyle/>
-          <a:p>
-            <a:pPr algn="ctr"/>
-            <a:r>
-              <a:rPr lang="en-US" dirty="0"/>
-              <a:t>Churn / Sentiment / Upsell Indicators</a:t>
-            </a:r>
-          </a:p>
-        </p:txBody>
-      </p:sp>
-      <p:sp>
-        <p:nvSpPr>
-          <p:cNvPr id="5" name="Rectangle 4">
-            <a:extLst>
-              <a:ext uri="{FF2B5EF4-FFF2-40B4-BE49-F238E27FC236}">
-                <a16:creationId xmlns:a16="http://schemas.microsoft.com/office/drawing/2014/main" id="{2497812C-23AB-384E-BEFC-7C7384FABC6C}"/>
-              </a:ext>
-            </a:extLst>
-          </p:cNvPr>
-          <p:cNvSpPr/>
-          <p:nvPr/>
-        </p:nvSpPr>
-        <p:spPr>
-          <a:xfrm>
-            <a:off x="6952735" y="4417540"/>
-            <a:ext cx="3076833" cy="1940011"/>
-          </a:xfrm>
-          <a:prstGeom prst="rect">
-            <a:avLst/>
-          </a:prstGeom>
-        </p:spPr>
-        <p:style>
-          <a:lnRef idx="2">
-            <a:schemeClr val="accent1">
-              <a:shade val="50000"/>
-            </a:schemeClr>
-          </a:lnRef>
-          <a:fillRef idx="1">
-            <a:schemeClr val="accent1"/>
-          </a:fillRef>
-          <a:effectRef idx="0">
-            <a:schemeClr val="accent1"/>
-          </a:effectRef>
-          <a:fontRef idx="minor">
-            <a:schemeClr val="lt1"/>
-          </a:fontRef>
-        </p:style>
-        <p:txBody>
-          <a:bodyPr rtlCol="0" anchor="ctr"/>
-          <a:lstStyle/>
-          <a:p>
-            <a:pPr algn="ctr"/>
-            <a:r>
-              <a:rPr lang="en-US" dirty="0"/>
-              <a:t>Click Stream data ( Showing any activity on the website)</a:t>
-            </a:r>
-          </a:p>
-          <a:p>
-            <a:pPr algn="ctr"/>
-            <a:r>
-              <a:rPr lang="en-US" dirty="0"/>
-              <a:t> </a:t>
-            </a:r>
-          </a:p>
-        </p:txBody>
-      </p:sp>
-      <p:sp>
-        <p:nvSpPr>
-          <p:cNvPr id="6" name="TextBox 5">
-            <a:extLst>
-              <a:ext uri="{FF2B5EF4-FFF2-40B4-BE49-F238E27FC236}">
-                <a16:creationId xmlns:a16="http://schemas.microsoft.com/office/drawing/2014/main" id="{31C04982-F5F1-3548-ABE8-CA6981E412ED}"/>
-              </a:ext>
-            </a:extLst>
-          </p:cNvPr>
-          <p:cNvSpPr txBox="1"/>
-          <p:nvPr/>
-        </p:nvSpPr>
-        <p:spPr>
-          <a:xfrm>
-            <a:off x="432486" y="169906"/>
-            <a:ext cx="3991232" cy="369332"/>
-          </a:xfrm>
-          <a:prstGeom prst="rect">
-            <a:avLst/>
-          </a:prstGeom>
-          <a:noFill/>
-        </p:spPr>
-        <p:txBody>
-          <a:bodyPr wrap="square" rtlCol="0">
-            <a:spAutoFit/>
-          </a:bodyPr>
-          <a:lstStyle/>
-          <a:p>
-            <a:r>
-              <a:rPr lang="en-US" dirty="0"/>
-              <a:t>Kibana Dashboard</a:t>
-            </a:r>
-          </a:p>
-        </p:txBody>
-      </p:sp>
-      <p:sp>
-        <p:nvSpPr>
-          <p:cNvPr id="8" name="TextBox 7">
-            <a:extLst>
-              <a:ext uri="{FF2B5EF4-FFF2-40B4-BE49-F238E27FC236}">
-                <a16:creationId xmlns:a16="http://schemas.microsoft.com/office/drawing/2014/main" id="{DEE34599-0304-1B47-AE62-D87EB84A5532}"/>
-              </a:ext>
-            </a:extLst>
-          </p:cNvPr>
-          <p:cNvSpPr txBox="1"/>
-          <p:nvPr/>
-        </p:nvSpPr>
-        <p:spPr>
-          <a:xfrm>
-            <a:off x="3336324" y="986135"/>
-            <a:ext cx="5770606" cy="369332"/>
-          </a:xfrm>
-          <a:prstGeom prst="rect">
-            <a:avLst/>
-          </a:prstGeom>
-          <a:noFill/>
-        </p:spPr>
-        <p:txBody>
-          <a:bodyPr wrap="square" rtlCol="0">
-            <a:spAutoFit/>
-          </a:bodyPr>
-          <a:lstStyle/>
-          <a:p>
-            <a:r>
-              <a:rPr lang="en-US" dirty="0"/>
-              <a:t>Customer Search Bar</a:t>
-            </a:r>
-          </a:p>
-        </p:txBody>
-      </p:sp>
-      <p:sp>
-        <p:nvSpPr>
-          <p:cNvPr id="10" name="TextBox 9">
-            <a:extLst>
-              <a:ext uri="{FF2B5EF4-FFF2-40B4-BE49-F238E27FC236}">
-                <a16:creationId xmlns:a16="http://schemas.microsoft.com/office/drawing/2014/main" id="{74134889-564B-D948-8A44-FB1808A53AB6}"/>
-              </a:ext>
-            </a:extLst>
-          </p:cNvPr>
-          <p:cNvSpPr txBox="1"/>
-          <p:nvPr/>
-        </p:nvSpPr>
-        <p:spPr>
-          <a:xfrm>
-            <a:off x="4992130" y="118072"/>
-            <a:ext cx="5993027" cy="369332"/>
-          </a:xfrm>
-          <a:prstGeom prst="rect">
-            <a:avLst/>
-          </a:prstGeom>
-          <a:noFill/>
-        </p:spPr>
-        <p:txBody>
-          <a:bodyPr wrap="square" rtlCol="0">
-            <a:spAutoFit/>
-          </a:bodyPr>
-          <a:lstStyle/>
-          <a:p>
-            <a:r>
-              <a:rPr lang="en-US" dirty="0"/>
-              <a:t>Single Dashboard with few widgets</a:t>
-            </a:r>
-          </a:p>
-        </p:txBody>
-      </p:sp>
-    </p:spTree>
-    <p:extLst>
-      <p:ext uri="{BB962C8B-B14F-4D97-AF65-F5344CB8AC3E}">
-        <p14:creationId xmlns:p14="http://schemas.microsoft.com/office/powerpoint/2010/main" val="2946397593"/>
-      </p:ext>
-    </p:extLst>
-  </p:cSld>
-  <p:clrMapOvr>
-    <a:masterClrMapping/>
-  </p:clrMapOvr>
-</p:sld>
-</file>
-
-<file path=ppt/slides/slide6.xml><?xml version="1.0" encoding="utf-8"?>
-<p:sld xmlns:a="http://schemas.openxmlformats.org/drawingml/2006/main" xmlns:r="http://schemas.openxmlformats.org/officeDocument/2006/relationships" xmlns:p="http://schemas.openxmlformats.org/presentationml/2006/main">
-  <p:cSld>
-    <p:spTree>
-      <p:nvGrpSpPr>
-        <p:cNvPr id="1" name=""/>
-        <p:cNvGrpSpPr/>
-        <p:nvPr/>
-      </p:nvGrpSpPr>
-      <p:grpSpPr>
-        <a:xfrm>
-          <a:off x="0" y="0"/>
-          <a:ext cx="0" cy="0"/>
-          <a:chOff x="0" y="0"/>
-          <a:chExt cx="0" cy="0"/>
-        </a:xfrm>
-      </p:grpSpPr>
-      <p:graphicFrame>
-        <p:nvGraphicFramePr>
-          <p:cNvPr id="2" name="Table 1">
-            <a:extLst>
-              <a:ext uri="{FF2B5EF4-FFF2-40B4-BE49-F238E27FC236}">
-                <a16:creationId xmlns:a16="http://schemas.microsoft.com/office/drawing/2014/main" id="{F38F38E5-A032-344D-A43E-D8B131D377C2}"/>
-              </a:ext>
-            </a:extLst>
-          </p:cNvPr>
-          <p:cNvGraphicFramePr>
-            <a:graphicFrameLocks noGrp="1"/>
-          </p:cNvGraphicFramePr>
-          <p:nvPr>
-            <p:extLst>
-              <p:ext uri="{D42A27DB-BD31-4B8C-83A1-F6EECF244321}">
-                <p14:modId xmlns:p14="http://schemas.microsoft.com/office/powerpoint/2010/main" val="2226828112"/>
-              </p:ext>
-            </p:extLst>
-          </p:nvPr>
-        </p:nvGraphicFramePr>
-        <p:xfrm>
-          <a:off x="259492" y="210067"/>
-          <a:ext cx="11195223" cy="6638168"/>
-        </p:xfrm>
-        <a:graphic>
-          <a:graphicData uri="http://schemas.openxmlformats.org/drawingml/2006/table">
-            <a:tbl>
-              <a:tblPr firstRow="1" bandRow="1">
-                <a:tableStyleId>{5C22544A-7EE6-4342-B048-85BDC9FD1C3A}</a:tableStyleId>
-              </a:tblPr>
-              <a:tblGrid>
-                <a:gridCol w="1308372">
-                  <a:extLst>
-                    <a:ext uri="{9D8B030D-6E8A-4147-A177-3AD203B41FA5}">
-                      <a16:colId xmlns:a16="http://schemas.microsoft.com/office/drawing/2014/main" val="3767534341"/>
-                    </a:ext>
-                  </a:extLst>
-                </a:gridCol>
-                <a:gridCol w="6155110">
-                  <a:extLst>
-                    <a:ext uri="{9D8B030D-6E8A-4147-A177-3AD203B41FA5}">
-                      <a16:colId xmlns:a16="http://schemas.microsoft.com/office/drawing/2014/main" val="2431362080"/>
-                    </a:ext>
-                  </a:extLst>
-                </a:gridCol>
-                <a:gridCol w="3731741">
-                  <a:extLst>
-                    <a:ext uri="{9D8B030D-6E8A-4147-A177-3AD203B41FA5}">
-                      <a16:colId xmlns:a16="http://schemas.microsoft.com/office/drawing/2014/main" val="3267001962"/>
-                    </a:ext>
-                  </a:extLst>
-                </a:gridCol>
-              </a:tblGrid>
-              <a:tr h="344235">
-                <a:tc>
-                  <a:txBody>
-                    <a:bodyPr/>
-                    <a:lstStyle/>
-                    <a:p>
-                      <a:r>
-                        <a:rPr lang="en-US" dirty="0"/>
-                        <a:t>ID</a:t>
-                      </a:r>
-                    </a:p>
-                  </a:txBody>
-                  <a:tcPr/>
-                </a:tc>
-                <a:tc>
-                  <a:txBody>
-                    <a:bodyPr/>
-                    <a:lstStyle/>
-                    <a:p>
-                      <a:r>
-                        <a:rPr lang="en-US" dirty="0"/>
-                        <a:t>Tasks</a:t>
-                      </a:r>
-                    </a:p>
-                  </a:txBody>
-                  <a:tcPr/>
-                </a:tc>
-                <a:tc>
-                  <a:txBody>
-                    <a:bodyPr/>
-                    <a:lstStyle/>
-                    <a:p>
-                      <a:r>
-                        <a:rPr lang="en-US" dirty="0" err="1"/>
-                        <a:t>Asignee</a:t>
-                      </a:r>
-                      <a:endParaRPr lang="en-US" dirty="0"/>
-                    </a:p>
-                  </a:txBody>
-                  <a:tcPr/>
-                </a:tc>
-                <a:extLst>
-                  <a:ext uri="{0D108BD9-81ED-4DB2-BD59-A6C34878D82A}">
-                    <a16:rowId xmlns:a16="http://schemas.microsoft.com/office/drawing/2014/main" val="2436055837"/>
-                  </a:ext>
-                </a:extLst>
-              </a:tr>
-              <a:tr h="404119">
-                <a:tc>
-                  <a:txBody>
-                    <a:bodyPr/>
-                    <a:lstStyle/>
-                    <a:p>
-                      <a:endParaRPr lang="en-US" dirty="0"/>
-                    </a:p>
-                  </a:txBody>
-                  <a:tcPr/>
-                </a:tc>
-                <a:tc>
-                  <a:txBody>
-                    <a:bodyPr/>
-                    <a:lstStyle/>
-                    <a:p>
-                      <a:r>
-                        <a:rPr lang="en-US" dirty="0"/>
-                        <a:t>Schema for all data sources</a:t>
-                      </a:r>
-                    </a:p>
-                  </a:txBody>
-                  <a:tcPr/>
-                </a:tc>
-                <a:tc>
-                  <a:txBody>
-                    <a:bodyPr/>
-                    <a:lstStyle/>
-                    <a:p>
-                      <a:r>
-                        <a:rPr lang="en-US" dirty="0"/>
-                        <a:t>Shiva</a:t>
-                      </a:r>
-                    </a:p>
-                  </a:txBody>
-                  <a:tcPr/>
-                </a:tc>
-                <a:extLst>
-                  <a:ext uri="{0D108BD9-81ED-4DB2-BD59-A6C34878D82A}">
-                    <a16:rowId xmlns:a16="http://schemas.microsoft.com/office/drawing/2014/main" val="2261859612"/>
-                  </a:ext>
-                </a:extLst>
-              </a:tr>
-              <a:tr h="344235">
-                <a:tc>
-                  <a:txBody>
-                    <a:bodyPr/>
-                    <a:lstStyle/>
-                    <a:p>
-                      <a:endParaRPr lang="en-US" dirty="0"/>
-                    </a:p>
-                  </a:txBody>
-                  <a:tcPr/>
-                </a:tc>
-                <a:tc>
-                  <a:txBody>
-                    <a:bodyPr/>
-                    <a:lstStyle/>
-                    <a:p>
-                      <a:r>
-                        <a:rPr lang="en-US" dirty="0"/>
-                        <a:t>Generate Sample Data</a:t>
-                      </a:r>
-                    </a:p>
-                  </a:txBody>
-                  <a:tcPr/>
-                </a:tc>
-                <a:tc>
-                  <a:txBody>
-                    <a:bodyPr/>
-                    <a:lstStyle/>
-                    <a:p>
-                      <a:r>
-                        <a:rPr lang="en-US" dirty="0"/>
-                        <a:t>Shiva</a:t>
-                      </a:r>
-                    </a:p>
-                  </a:txBody>
-                  <a:tcPr/>
-                </a:tc>
-                <a:extLst>
-                  <a:ext uri="{0D108BD9-81ED-4DB2-BD59-A6C34878D82A}">
-                    <a16:rowId xmlns:a16="http://schemas.microsoft.com/office/drawing/2014/main" val="4124035017"/>
-                  </a:ext>
-                </a:extLst>
-              </a:tr>
-              <a:tr h="602412">
-                <a:tc>
-                  <a:txBody>
-                    <a:bodyPr/>
-                    <a:lstStyle/>
-                    <a:p>
-                      <a:endParaRPr lang="en-US" dirty="0"/>
-                    </a:p>
-                  </a:txBody>
-                  <a:tcPr/>
-                </a:tc>
-                <a:tc>
-                  <a:txBody>
-                    <a:bodyPr/>
-                    <a:lstStyle/>
-                    <a:p>
-                      <a:r>
-                        <a:rPr lang="en-US" dirty="0"/>
-                        <a:t>Create a Talend job that integrates with Sales force and loads the data to S3. </a:t>
-                      </a:r>
-                    </a:p>
-                  </a:txBody>
-                  <a:tcPr/>
-                </a:tc>
-                <a:tc>
-                  <a:txBody>
-                    <a:bodyPr/>
-                    <a:lstStyle/>
-                    <a:p>
-                      <a:r>
-                        <a:rPr lang="en-US" dirty="0"/>
-                        <a:t>Shiva</a:t>
-                      </a:r>
-                    </a:p>
-                  </a:txBody>
-                  <a:tcPr/>
-                </a:tc>
-                <a:extLst>
-                  <a:ext uri="{0D108BD9-81ED-4DB2-BD59-A6C34878D82A}">
-                    <a16:rowId xmlns:a16="http://schemas.microsoft.com/office/drawing/2014/main" val="347051719"/>
-                  </a:ext>
-                </a:extLst>
-              </a:tr>
-              <a:tr h="602412">
-                <a:tc>
-                  <a:txBody>
-                    <a:bodyPr/>
-                    <a:lstStyle/>
-                    <a:p>
-                      <a:endParaRPr lang="en-US" dirty="0"/>
-                    </a:p>
-                  </a:txBody>
-                  <a:tcPr/>
-                </a:tc>
-                <a:tc>
-                  <a:txBody>
-                    <a:bodyPr/>
-                    <a:lstStyle/>
-                    <a:p>
-                      <a:r>
-                        <a:rPr lang="en-US" dirty="0"/>
-                        <a:t>Create a Apache scoop job that can connect to RDS and dump Product and Order data into S3 bucket. </a:t>
-                      </a:r>
-                    </a:p>
-                  </a:txBody>
-                  <a:tcPr/>
-                </a:tc>
-                <a:tc>
-                  <a:txBody>
-                    <a:bodyPr/>
-                    <a:lstStyle/>
-                    <a:p>
-                      <a:r>
-                        <a:rPr lang="en-US" dirty="0"/>
-                        <a:t>Patrice</a:t>
-                      </a:r>
-                    </a:p>
-                  </a:txBody>
-                  <a:tcPr/>
-                </a:tc>
-                <a:extLst>
-                  <a:ext uri="{0D108BD9-81ED-4DB2-BD59-A6C34878D82A}">
-                    <a16:rowId xmlns:a16="http://schemas.microsoft.com/office/drawing/2014/main" val="2439711156"/>
-                  </a:ext>
-                </a:extLst>
-              </a:tr>
-              <a:tr h="602412">
-                <a:tc>
-                  <a:txBody>
-                    <a:bodyPr/>
-                    <a:lstStyle/>
-                    <a:p>
-                      <a:endParaRPr lang="en-US" dirty="0"/>
-                    </a:p>
-                  </a:txBody>
-                  <a:tcPr/>
-                </a:tc>
-                <a:tc>
-                  <a:txBody>
-                    <a:bodyPr/>
-                    <a:lstStyle/>
-                    <a:p>
-                      <a:r>
-                        <a:rPr lang="en-US" dirty="0"/>
-                        <a:t>Create a Bash job that can download click stream csv file and dump into S3. </a:t>
-                      </a:r>
-                    </a:p>
-                  </a:txBody>
-                  <a:tcPr/>
-                </a:tc>
-                <a:tc>
-                  <a:txBody>
-                    <a:bodyPr/>
-                    <a:lstStyle/>
-                    <a:p>
-                      <a:r>
-                        <a:rPr lang="en-US" dirty="0"/>
-                        <a:t>Patrice</a:t>
-                      </a:r>
-                    </a:p>
-                  </a:txBody>
-                  <a:tcPr/>
-                </a:tc>
-                <a:extLst>
-                  <a:ext uri="{0D108BD9-81ED-4DB2-BD59-A6C34878D82A}">
-                    <a16:rowId xmlns:a16="http://schemas.microsoft.com/office/drawing/2014/main" val="1609829525"/>
-                  </a:ext>
-                </a:extLst>
-              </a:tr>
-              <a:tr h="344235">
-                <a:tc>
-                  <a:txBody>
-                    <a:bodyPr/>
-                    <a:lstStyle/>
-                    <a:p>
-                      <a:endParaRPr lang="en-US" dirty="0"/>
-                    </a:p>
-                  </a:txBody>
-                  <a:tcPr/>
-                </a:tc>
-                <a:tc>
-                  <a:txBody>
-                    <a:bodyPr/>
-                    <a:lstStyle/>
-                    <a:p>
-                      <a:r>
-                        <a:rPr lang="en-US" dirty="0"/>
-                        <a:t>Clean up job in Python ( Supplement id’s between sources)</a:t>
-                      </a:r>
-                    </a:p>
-                  </a:txBody>
-                  <a:tcPr/>
-                </a:tc>
-                <a:tc>
-                  <a:txBody>
-                    <a:bodyPr/>
-                    <a:lstStyle/>
-                    <a:p>
-                      <a:r>
-                        <a:rPr lang="en-US" dirty="0"/>
-                        <a:t>Patrice</a:t>
-                      </a:r>
-                    </a:p>
-                  </a:txBody>
-                  <a:tcPr/>
-                </a:tc>
-                <a:extLst>
-                  <a:ext uri="{0D108BD9-81ED-4DB2-BD59-A6C34878D82A}">
-                    <a16:rowId xmlns:a16="http://schemas.microsoft.com/office/drawing/2014/main" val="3088894859"/>
-                  </a:ext>
-                </a:extLst>
-              </a:tr>
-              <a:tr h="602412">
-                <a:tc>
-                  <a:txBody>
-                    <a:bodyPr/>
-                    <a:lstStyle/>
-                    <a:p>
-                      <a:endParaRPr lang="en-US" dirty="0"/>
-                    </a:p>
-                  </a:txBody>
-                  <a:tcPr/>
-                </a:tc>
-                <a:tc>
-                  <a:txBody>
-                    <a:bodyPr/>
-                    <a:lstStyle/>
-                    <a:p>
-                      <a:r>
-                        <a:rPr lang="en-US" dirty="0"/>
-                        <a:t>AWS Infrastructure setup ( Setup RDS , Redshift , S3 Buckets required for this project)</a:t>
-                      </a:r>
-                    </a:p>
-                  </a:txBody>
-                  <a:tcPr/>
-                </a:tc>
-                <a:tc>
-                  <a:txBody>
-                    <a:bodyPr/>
-                    <a:lstStyle/>
-                    <a:p>
-                      <a:r>
-                        <a:rPr lang="en-US"/>
-                        <a:t>Thomas</a:t>
-                      </a:r>
-                    </a:p>
-                  </a:txBody>
-                  <a:tcPr/>
-                </a:tc>
-                <a:extLst>
-                  <a:ext uri="{0D108BD9-81ED-4DB2-BD59-A6C34878D82A}">
-                    <a16:rowId xmlns:a16="http://schemas.microsoft.com/office/drawing/2014/main" val="770964620"/>
-                  </a:ext>
-                </a:extLst>
-              </a:tr>
-              <a:tr h="560313">
-                <a:tc>
-                  <a:txBody>
-                    <a:bodyPr/>
-                    <a:lstStyle/>
-                    <a:p>
-                      <a:endParaRPr lang="en-US" dirty="0"/>
-                    </a:p>
-                  </a:txBody>
-                  <a:tcPr/>
-                </a:tc>
-                <a:tc>
-                  <a:txBody>
-                    <a:bodyPr/>
-                    <a:lstStyle/>
-                    <a:p>
-                      <a:r>
-                        <a:rPr lang="en-US" dirty="0"/>
-                        <a:t>Python job that can sync’s up all the data from S3 to Redshift. </a:t>
-                      </a:r>
-                    </a:p>
-                  </a:txBody>
-                  <a:tcPr/>
-                </a:tc>
-                <a:tc>
-                  <a:txBody>
-                    <a:bodyPr/>
-                    <a:lstStyle/>
-                    <a:p>
-                      <a:r>
-                        <a:rPr lang="en-US" dirty="0"/>
-                        <a:t>Thomas</a:t>
-                      </a:r>
-                    </a:p>
-                  </a:txBody>
-                  <a:tcPr/>
-                </a:tc>
-                <a:extLst>
-                  <a:ext uri="{0D108BD9-81ED-4DB2-BD59-A6C34878D82A}">
-                    <a16:rowId xmlns:a16="http://schemas.microsoft.com/office/drawing/2014/main" val="3431650203"/>
-                  </a:ext>
-                </a:extLst>
-              </a:tr>
-              <a:tr h="602412">
-                <a:tc>
-                  <a:txBody>
-                    <a:bodyPr/>
-                    <a:lstStyle/>
-                    <a:p>
-                      <a:endParaRPr lang="en-US" dirty="0"/>
-                    </a:p>
-                  </a:txBody>
-                  <a:tcPr/>
-                </a:tc>
-                <a:tc>
-                  <a:txBody>
-                    <a:bodyPr/>
-                    <a:lstStyle/>
-                    <a:p>
-                      <a:r>
-                        <a:rPr lang="en-US" dirty="0"/>
-                        <a:t>Customer Churn – Dummy job which just mocks up data directly into Redshift. </a:t>
-                      </a:r>
-                    </a:p>
-                  </a:txBody>
-                  <a:tcPr/>
-                </a:tc>
-                <a:tc>
-                  <a:txBody>
-                    <a:bodyPr/>
-                    <a:lstStyle/>
-                    <a:p>
-                      <a:r>
-                        <a:rPr lang="en-US" dirty="0"/>
-                        <a:t>Thomas</a:t>
-                      </a:r>
-                    </a:p>
-                  </a:txBody>
-                  <a:tcPr/>
-                </a:tc>
-                <a:extLst>
-                  <a:ext uri="{0D108BD9-81ED-4DB2-BD59-A6C34878D82A}">
-                    <a16:rowId xmlns:a16="http://schemas.microsoft.com/office/drawing/2014/main" val="654198828"/>
-                  </a:ext>
-                </a:extLst>
-              </a:tr>
-              <a:tr h="344235">
-                <a:tc>
-                  <a:txBody>
-                    <a:bodyPr/>
-                    <a:lstStyle/>
-                    <a:p>
-                      <a:endParaRPr lang="en-US" dirty="0"/>
-                    </a:p>
-                  </a:txBody>
-                  <a:tcPr/>
-                </a:tc>
-                <a:tc>
-                  <a:txBody>
-                    <a:bodyPr/>
-                    <a:lstStyle/>
-                    <a:p>
-                      <a:r>
-                        <a:rPr lang="en-US" dirty="0" err="1"/>
-                        <a:t>UpSell</a:t>
-                      </a:r>
-                      <a:r>
-                        <a:rPr lang="en-US" dirty="0"/>
-                        <a:t> – Dummy job that will mock up data into redshift. </a:t>
-                      </a:r>
-                    </a:p>
-                  </a:txBody>
-                  <a:tcPr/>
-                </a:tc>
-                <a:tc>
-                  <a:txBody>
-                    <a:bodyPr/>
-                    <a:lstStyle/>
-                    <a:p>
-                      <a:r>
-                        <a:rPr lang="en-US" dirty="0"/>
-                        <a:t>Thomas</a:t>
-                      </a:r>
-                    </a:p>
-                  </a:txBody>
-                  <a:tcPr/>
-                </a:tc>
-                <a:extLst>
-                  <a:ext uri="{0D108BD9-81ED-4DB2-BD59-A6C34878D82A}">
-                    <a16:rowId xmlns:a16="http://schemas.microsoft.com/office/drawing/2014/main" val="3274970723"/>
-                  </a:ext>
-                </a:extLst>
-              </a:tr>
-              <a:tr h="1010296">
-                <a:tc>
-                  <a:txBody>
-                    <a:bodyPr/>
-                    <a:lstStyle/>
-                    <a:p>
-                      <a:endParaRPr lang="en-US" dirty="0"/>
-                    </a:p>
-                  </a:txBody>
-                  <a:tcPr/>
-                </a:tc>
-                <a:tc>
-                  <a:txBody>
-                    <a:bodyPr/>
-                    <a:lstStyle/>
-                    <a:p>
-                      <a:r>
-                        <a:rPr lang="en-US" dirty="0"/>
-                        <a:t>Docker container job with Kibana for UI that reads data from Redshift .   ( Outside Saagie , Run as container). </a:t>
-                      </a:r>
-                    </a:p>
-                  </a:txBody>
-                  <a:tcPr/>
-                </a:tc>
-                <a:tc>
-                  <a:txBody>
-                    <a:bodyPr/>
-                    <a:lstStyle/>
-                    <a:p>
-                      <a:r>
-                        <a:rPr lang="en-US" dirty="0"/>
-                        <a:t>Patrice</a:t>
-                      </a:r>
-                    </a:p>
-                  </a:txBody>
-                  <a:tcPr/>
-                </a:tc>
-                <a:extLst>
-                  <a:ext uri="{0D108BD9-81ED-4DB2-BD59-A6C34878D82A}">
-                    <a16:rowId xmlns:a16="http://schemas.microsoft.com/office/drawing/2014/main" val="3162479870"/>
-                  </a:ext>
-                </a:extLst>
-              </a:tr>
-            </a:tbl>
-          </a:graphicData>
-        </a:graphic>
-      </p:graphicFrame>
-    </p:spTree>
-    <p:extLst>
-      <p:ext uri="{BB962C8B-B14F-4D97-AF65-F5344CB8AC3E}">
-        <p14:creationId xmlns:p14="http://schemas.microsoft.com/office/powerpoint/2010/main" val="3147299287"/>
-      </p:ext>
-    </p:extLst>
-  </p:cSld>
-  <p:clrMapOvr>
-    <a:masterClrMapping/>
-  </p:clrMapOvr>
-</p:sld>
-</file>
-
-<file path=ppt/slides/slide7.xml><?xml version="1.0" encoding="utf-8"?>
+<file path=ppt/slides/slide11.xml><?xml version="1.0" encoding="utf-8"?>
 <p:sld xmlns:a="http://schemas.openxmlformats.org/drawingml/2006/main" xmlns:r="http://schemas.openxmlformats.org/officeDocument/2006/relationships" xmlns:p="http://schemas.openxmlformats.org/presentationml/2006/main">
   <p:cSld>
     <p:spTree>
@@ -7866,7 +4582,7 @@
 </p:sld>
 </file>
 
-<file path=ppt/slides/slide8.xml><?xml version="1.0" encoding="utf-8"?>
+<file path=ppt/slides/slide12.xml><?xml version="1.0" encoding="utf-8"?>
 <p:sld xmlns:a="http://schemas.openxmlformats.org/drawingml/2006/main" xmlns:r="http://schemas.openxmlformats.org/officeDocument/2006/relationships" xmlns:p="http://schemas.openxmlformats.org/presentationml/2006/main">
   <p:cSld>
     <p:spTree>
@@ -8320,7 +5036,7 @@
 </p:sld>
 </file>
 
-<file path=ppt/slides/slide9.xml><?xml version="1.0" encoding="utf-8"?>
+<file path=ppt/slides/slide13.xml><?xml version="1.0" encoding="utf-8"?>
 <p:sld xmlns:a="http://schemas.openxmlformats.org/drawingml/2006/main" xmlns:r="http://schemas.openxmlformats.org/officeDocument/2006/relationships" xmlns:p="http://schemas.openxmlformats.org/presentationml/2006/main">
   <p:cSld>
     <p:spTree>
@@ -8701,6 +5417,4040 @@
     <p:extLst>
       <p:ext uri="{BB962C8B-B14F-4D97-AF65-F5344CB8AC3E}">
         <p14:creationId xmlns:p14="http://schemas.microsoft.com/office/powerpoint/2010/main" val="3876854802"/>
+      </p:ext>
+    </p:extLst>
+  </p:cSld>
+  <p:clrMapOvr>
+    <a:masterClrMapping/>
+  </p:clrMapOvr>
+</p:sld>
+</file>
+
+<file path=ppt/slides/slide14.xml><?xml version="1.0" encoding="utf-8"?>
+<p:sld xmlns:a="http://schemas.openxmlformats.org/drawingml/2006/main" xmlns:r="http://schemas.openxmlformats.org/officeDocument/2006/relationships" xmlns:p="http://schemas.openxmlformats.org/presentationml/2006/main">
+  <p:cSld>
+    <p:spTree>
+      <p:nvGrpSpPr>
+        <p:cNvPr id="1" name=""/>
+        <p:cNvGrpSpPr/>
+        <p:nvPr/>
+      </p:nvGrpSpPr>
+      <p:grpSpPr>
+        <a:xfrm>
+          <a:off x="0" y="0"/>
+          <a:ext cx="0" cy="0"/>
+          <a:chOff x="0" y="0"/>
+          <a:chExt cx="0" cy="0"/>
+        </a:xfrm>
+      </p:grpSpPr>
+      <p:graphicFrame>
+        <p:nvGraphicFramePr>
+          <p:cNvPr id="2" name="Table 1">
+            <a:extLst>
+              <a:ext uri="{FF2B5EF4-FFF2-40B4-BE49-F238E27FC236}">
+                <a16:creationId xmlns:a16="http://schemas.microsoft.com/office/drawing/2014/main" id="{C60E98CA-8FF8-3643-8392-136A70BA483D}"/>
+              </a:ext>
+            </a:extLst>
+          </p:cNvPr>
+          <p:cNvGraphicFramePr>
+            <a:graphicFrameLocks noGrp="1"/>
+          </p:cNvGraphicFramePr>
+          <p:nvPr>
+            <p:extLst>
+              <p:ext uri="{D42A27DB-BD31-4B8C-83A1-F6EECF244321}">
+                <p14:modId xmlns:p14="http://schemas.microsoft.com/office/powerpoint/2010/main" val="103183003"/>
+              </p:ext>
+            </p:extLst>
+          </p:nvPr>
+        </p:nvGraphicFramePr>
+        <p:xfrm>
+          <a:off x="914400" y="211551"/>
+          <a:ext cx="10626811" cy="4039173"/>
+        </p:xfrm>
+        <a:graphic>
+          <a:graphicData uri="http://schemas.openxmlformats.org/drawingml/2006/table">
+            <a:tbl>
+              <a:tblPr firstRow="1" bandRow="1">
+                <a:tableStyleId>{5C22544A-7EE6-4342-B048-85BDC9FD1C3A}</a:tableStyleId>
+              </a:tblPr>
+              <a:tblGrid>
+                <a:gridCol w="5121830">
+                  <a:extLst>
+                    <a:ext uri="{9D8B030D-6E8A-4147-A177-3AD203B41FA5}">
+                      <a16:colId xmlns:a16="http://schemas.microsoft.com/office/drawing/2014/main" val="2147311127"/>
+                    </a:ext>
+                  </a:extLst>
+                </a:gridCol>
+                <a:gridCol w="5504981">
+                  <a:extLst>
+                    <a:ext uri="{9D8B030D-6E8A-4147-A177-3AD203B41FA5}">
+                      <a16:colId xmlns:a16="http://schemas.microsoft.com/office/drawing/2014/main" val="2443579607"/>
+                    </a:ext>
+                  </a:extLst>
+                </a:gridCol>
+              </a:tblGrid>
+              <a:tr h="575185">
+                <a:tc>
+                  <a:txBody>
+                    <a:bodyPr/>
+                    <a:lstStyle/>
+                    <a:p>
+                      <a:endParaRPr lang="en-US" dirty="0"/>
+                    </a:p>
+                  </a:txBody>
+                  <a:tcPr/>
+                </a:tc>
+                <a:tc>
+                  <a:txBody>
+                    <a:bodyPr/>
+                    <a:lstStyle/>
+                    <a:p>
+                      <a:endParaRPr lang="en-US" dirty="0"/>
+                    </a:p>
+                  </a:txBody>
+                  <a:tcPr/>
+                </a:tc>
+                <a:extLst>
+                  <a:ext uri="{0D108BD9-81ED-4DB2-BD59-A6C34878D82A}">
+                    <a16:rowId xmlns:a16="http://schemas.microsoft.com/office/drawing/2014/main" val="2718567125"/>
+                  </a:ext>
+                </a:extLst>
+              </a:tr>
+              <a:tr h="677643">
+                <a:tc>
+                  <a:txBody>
+                    <a:bodyPr/>
+                    <a:lstStyle/>
+                    <a:p>
+                      <a:r>
+                        <a:rPr lang="en-US" dirty="0"/>
+                        <a:t>/Users/</a:t>
+                      </a:r>
+                      <a:r>
+                        <a:rPr lang="en-US" dirty="0" err="1"/>
+                        <a:t>shivakumar</a:t>
+                      </a:r>
+                      <a:r>
+                        <a:rPr lang="en-US" dirty="0"/>
+                        <a:t>/Documents/Demo/demo-customer360/extraction/order-data-</a:t>
+                      </a:r>
+                      <a:r>
+                        <a:rPr lang="en-US" dirty="0" err="1"/>
+                        <a:t>apachescoop</a:t>
+                      </a:r>
+                      <a:endParaRPr lang="en-US" dirty="0"/>
+                    </a:p>
+                  </a:txBody>
+                  <a:tcPr/>
+                </a:tc>
+                <a:tc>
+                  <a:txBody>
+                    <a:bodyPr/>
+                    <a:lstStyle/>
+                    <a:p>
+                      <a:r>
+                        <a:rPr lang="en-US" dirty="0"/>
+                        <a:t>All artifacts of job to extract order data</a:t>
+                      </a:r>
+                    </a:p>
+                  </a:txBody>
+                  <a:tcPr/>
+                </a:tc>
+                <a:extLst>
+                  <a:ext uri="{0D108BD9-81ED-4DB2-BD59-A6C34878D82A}">
+                    <a16:rowId xmlns:a16="http://schemas.microsoft.com/office/drawing/2014/main" val="4201954804"/>
+                  </a:ext>
+                </a:extLst>
+              </a:tr>
+              <a:tr h="652948">
+                <a:tc>
+                  <a:txBody>
+                    <a:bodyPr/>
+                    <a:lstStyle/>
+                    <a:p>
+                      <a:r>
+                        <a:rPr lang="en-US" dirty="0"/>
+                        <a:t>/Users/</a:t>
+                      </a:r>
+                      <a:r>
+                        <a:rPr lang="en-US" dirty="0" err="1"/>
+                        <a:t>shivakumar</a:t>
+                      </a:r>
+                      <a:r>
+                        <a:rPr lang="en-US" dirty="0"/>
+                        <a:t>/Documents/Demo/demo-customer360/extraction/clickstream-data-bash</a:t>
+                      </a:r>
+                    </a:p>
+                  </a:txBody>
+                  <a:tcPr/>
+                </a:tc>
+                <a:tc>
+                  <a:txBody>
+                    <a:bodyPr/>
+                    <a:lstStyle/>
+                    <a:p>
+                      <a:pPr marL="0" marR="0" lvl="0" indent="0" algn="l" defTabSz="914400" rtl="0" eaLnBrk="1" fontAlgn="auto" latinLnBrk="0" hangingPunct="1">
+                        <a:lnSpc>
+                          <a:spcPct val="100000"/>
+                        </a:lnSpc>
+                        <a:spcBef>
+                          <a:spcPts val="0"/>
+                        </a:spcBef>
+                        <a:spcAft>
+                          <a:spcPts val="0"/>
+                        </a:spcAft>
+                        <a:buClrTx/>
+                        <a:buSzTx/>
+                        <a:buFontTx/>
+                        <a:buNone/>
+                        <a:tabLst/>
+                        <a:defRPr/>
+                      </a:pPr>
+                      <a:r>
+                        <a:rPr lang="en-US" dirty="0"/>
+                        <a:t>All artifacts of job to clickstream order data</a:t>
+                      </a:r>
+                    </a:p>
+                    <a:p>
+                      <a:endParaRPr lang="en-US" dirty="0"/>
+                    </a:p>
+                  </a:txBody>
+                  <a:tcPr/>
+                </a:tc>
+                <a:extLst>
+                  <a:ext uri="{0D108BD9-81ED-4DB2-BD59-A6C34878D82A}">
+                    <a16:rowId xmlns:a16="http://schemas.microsoft.com/office/drawing/2014/main" val="3111595854"/>
+                  </a:ext>
+                </a:extLst>
+              </a:tr>
+              <a:tr h="715133">
+                <a:tc>
+                  <a:txBody>
+                    <a:bodyPr/>
+                    <a:lstStyle/>
+                    <a:p>
+                      <a:r>
+                        <a:rPr lang="en-US" dirty="0"/>
+                        <a:t>/Users/</a:t>
+                      </a:r>
+                      <a:r>
+                        <a:rPr lang="en-US" dirty="0" err="1"/>
+                        <a:t>shivakumar</a:t>
+                      </a:r>
+                      <a:r>
+                        <a:rPr lang="en-US" dirty="0"/>
+                        <a:t>/Documents/Demo/demo-customer360/processing</a:t>
+                      </a:r>
+                    </a:p>
+                  </a:txBody>
+                  <a:tcPr/>
+                </a:tc>
+                <a:tc>
+                  <a:txBody>
+                    <a:bodyPr/>
+                    <a:lstStyle/>
+                    <a:p>
+                      <a:r>
+                        <a:rPr lang="en-US" dirty="0"/>
+                        <a:t> For all processing jobs. Create relevant sub directories. </a:t>
+                      </a:r>
+                    </a:p>
+                  </a:txBody>
+                  <a:tcPr/>
+                </a:tc>
+                <a:extLst>
+                  <a:ext uri="{0D108BD9-81ED-4DB2-BD59-A6C34878D82A}">
+                    <a16:rowId xmlns:a16="http://schemas.microsoft.com/office/drawing/2014/main" val="3029997570"/>
+                  </a:ext>
+                </a:extLst>
+              </a:tr>
+              <a:tr h="1418264">
+                <a:tc>
+                  <a:txBody>
+                    <a:bodyPr/>
+                    <a:lstStyle/>
+                    <a:p>
+                      <a:r>
+                        <a:rPr lang="en-US" dirty="0"/>
+                        <a:t>/Users/</a:t>
+                      </a:r>
+                      <a:r>
+                        <a:rPr lang="en-US" dirty="0" err="1"/>
+                        <a:t>shivakumar</a:t>
+                      </a:r>
+                      <a:r>
+                        <a:rPr lang="en-US" dirty="0"/>
+                        <a:t>/Documents/Demo/demo-customer360/</a:t>
+                      </a:r>
+                      <a:r>
+                        <a:rPr lang="en-US" dirty="0" err="1"/>
+                        <a:t>smartapp</a:t>
+                      </a:r>
+                      <a:endParaRPr lang="en-US" dirty="0"/>
+                    </a:p>
+                  </a:txBody>
+                  <a:tcPr/>
+                </a:tc>
+                <a:tc>
+                  <a:txBody>
+                    <a:bodyPr/>
+                    <a:lstStyle/>
+                    <a:p>
+                      <a:r>
+                        <a:rPr lang="en-US" dirty="0"/>
+                        <a:t> Kibana Docker container and artifacts. </a:t>
+                      </a:r>
+                    </a:p>
+                  </a:txBody>
+                  <a:tcPr/>
+                </a:tc>
+                <a:extLst>
+                  <a:ext uri="{0D108BD9-81ED-4DB2-BD59-A6C34878D82A}">
+                    <a16:rowId xmlns:a16="http://schemas.microsoft.com/office/drawing/2014/main" val="1689905344"/>
+                  </a:ext>
+                </a:extLst>
+              </a:tr>
+            </a:tbl>
+          </a:graphicData>
+        </a:graphic>
+      </p:graphicFrame>
+    </p:spTree>
+    <p:extLst>
+      <p:ext uri="{BB962C8B-B14F-4D97-AF65-F5344CB8AC3E}">
+        <p14:creationId xmlns:p14="http://schemas.microsoft.com/office/powerpoint/2010/main" val="288685196"/>
+      </p:ext>
+    </p:extLst>
+  </p:cSld>
+  <p:clrMapOvr>
+    <a:masterClrMapping/>
+  </p:clrMapOvr>
+</p:sld>
+</file>
+
+<file path=ppt/slides/slide2.xml><?xml version="1.0" encoding="utf-8"?>
+<p:sld xmlns:a="http://schemas.openxmlformats.org/drawingml/2006/main" xmlns:r="http://schemas.openxmlformats.org/officeDocument/2006/relationships" xmlns:p="http://schemas.openxmlformats.org/presentationml/2006/main">
+  <p:cSld>
+    <p:spTree>
+      <p:nvGrpSpPr>
+        <p:cNvPr id="1" name=""/>
+        <p:cNvGrpSpPr/>
+        <p:nvPr/>
+      </p:nvGrpSpPr>
+      <p:grpSpPr>
+        <a:xfrm>
+          <a:off x="0" y="0"/>
+          <a:ext cx="0" cy="0"/>
+          <a:chOff x="0" y="0"/>
+          <a:chExt cx="0" cy="0"/>
+        </a:xfrm>
+      </p:grpSpPr>
+      <p:sp>
+        <p:nvSpPr>
+          <p:cNvPr id="2" name="TextBox 1">
+            <a:extLst>
+              <a:ext uri="{FF2B5EF4-FFF2-40B4-BE49-F238E27FC236}">
+                <a16:creationId xmlns:a16="http://schemas.microsoft.com/office/drawing/2014/main" id="{BD0DEDF9-34FC-FA4B-8CC8-9FB383BAB4BF}"/>
+              </a:ext>
+            </a:extLst>
+          </p:cNvPr>
+          <p:cNvSpPr txBox="1"/>
+          <p:nvPr/>
+        </p:nvSpPr>
+        <p:spPr>
+          <a:xfrm>
+            <a:off x="1408670" y="469557"/>
+            <a:ext cx="9366422" cy="4801314"/>
+          </a:xfrm>
+          <a:prstGeom prst="rect">
+            <a:avLst/>
+          </a:prstGeom>
+          <a:noFill/>
+        </p:spPr>
+        <p:txBody>
+          <a:bodyPr wrap="square" rtlCol="0">
+            <a:spAutoFit/>
+          </a:bodyPr>
+          <a:lstStyle/>
+          <a:p>
+            <a:r>
+              <a:rPr lang="en-US" dirty="0"/>
+              <a:t>Scope:</a:t>
+            </a:r>
+          </a:p>
+          <a:p>
+            <a:endParaRPr lang="en-US" dirty="0"/>
+          </a:p>
+          <a:p>
+            <a:r>
+              <a:rPr lang="en-US" dirty="0"/>
+              <a:t>Phase 1</a:t>
+            </a:r>
+          </a:p>
+          <a:p>
+            <a:r>
+              <a:rPr lang="en-US" dirty="0"/>
+              <a:t>Demonstrate Analytics project for Customer 360 including </a:t>
+            </a:r>
+          </a:p>
+          <a:p>
+            <a:pPr marL="285750" indent="-285750">
+              <a:buFont typeface="Arial" panose="020B0604020202020204" pitchFamily="34" charset="0"/>
+              <a:buChar char="•"/>
+            </a:pPr>
+            <a:r>
+              <a:rPr lang="en-US" dirty="0"/>
+              <a:t>Customer Overview</a:t>
+            </a:r>
+          </a:p>
+          <a:p>
+            <a:pPr marL="285750" indent="-285750">
+              <a:buFont typeface="Arial" panose="020B0604020202020204" pitchFamily="34" charset="0"/>
+              <a:buChar char="•"/>
+            </a:pPr>
+            <a:r>
+              <a:rPr lang="en-US" dirty="0"/>
+              <a:t>Purchase History </a:t>
+            </a:r>
+          </a:p>
+          <a:p>
+            <a:pPr marL="285750" indent="-285750">
+              <a:buFont typeface="Arial" panose="020B0604020202020204" pitchFamily="34" charset="0"/>
+              <a:buChar char="•"/>
+            </a:pPr>
+            <a:r>
+              <a:rPr lang="en-US" dirty="0"/>
+              <a:t>Churn and Upsell ( Mocked Up)</a:t>
+            </a:r>
+          </a:p>
+          <a:p>
+            <a:endParaRPr lang="en-US" dirty="0"/>
+          </a:p>
+          <a:p>
+            <a:r>
+              <a:rPr lang="en-US" dirty="0"/>
+              <a:t>Phase 2</a:t>
+            </a:r>
+          </a:p>
+          <a:p>
+            <a:pPr marL="285750" indent="-285750">
+              <a:buFont typeface="Arial" panose="020B0604020202020204" pitchFamily="34" charset="0"/>
+              <a:buChar char="•"/>
+            </a:pPr>
+            <a:r>
+              <a:rPr lang="en-US" dirty="0"/>
+              <a:t>Implement ML Model to predict Churn rate</a:t>
+            </a:r>
+          </a:p>
+          <a:p>
+            <a:pPr marL="285750" indent="-285750">
+              <a:buFont typeface="Arial" panose="020B0604020202020204" pitchFamily="34" charset="0"/>
+              <a:buChar char="•"/>
+            </a:pPr>
+            <a:r>
+              <a:rPr lang="en-US" dirty="0"/>
+              <a:t>Implement ML Model for Recommendations / </a:t>
+            </a:r>
+            <a:r>
+              <a:rPr lang="en-US" dirty="0" err="1"/>
+              <a:t>CrossSell</a:t>
+            </a:r>
+            <a:r>
+              <a:rPr lang="en-US" dirty="0"/>
+              <a:t> and Upsell. </a:t>
+            </a:r>
+          </a:p>
+          <a:p>
+            <a:pPr marL="285750" indent="-285750">
+              <a:buFont typeface="Arial" panose="020B0604020202020204" pitchFamily="34" charset="0"/>
+              <a:buChar char="•"/>
+            </a:pPr>
+            <a:r>
+              <a:rPr lang="en-US" dirty="0"/>
+              <a:t>Implement ML Model for Customer Retention</a:t>
+            </a:r>
+          </a:p>
+          <a:p>
+            <a:endParaRPr lang="en-US" dirty="0"/>
+          </a:p>
+          <a:p>
+            <a:r>
+              <a:rPr lang="en-US" dirty="0"/>
+              <a:t>Tools / Infrastructure</a:t>
+            </a:r>
+          </a:p>
+          <a:p>
+            <a:pPr marL="285750" indent="-285750">
+              <a:buFont typeface="Arial" panose="020B0604020202020204" pitchFamily="34" charset="0"/>
+              <a:buChar char="•"/>
+            </a:pPr>
+            <a:r>
+              <a:rPr lang="en-US" dirty="0"/>
+              <a:t>AWS only ( S3 / Athena / Redshift / Glue). </a:t>
+            </a:r>
+          </a:p>
+          <a:p>
+            <a:pPr marL="285750" indent="-285750">
+              <a:buFont typeface="Arial" panose="020B0604020202020204" pitchFamily="34" charset="0"/>
+              <a:buChar char="•"/>
+            </a:pPr>
+            <a:r>
+              <a:rPr lang="en-US" dirty="0"/>
+              <a:t>Build Pipelines with ( Talend Studio , Apache Scoop , Bash , Python )</a:t>
+            </a:r>
+          </a:p>
+          <a:p>
+            <a:pPr marL="285750" indent="-285750">
+              <a:buFont typeface="Arial" panose="020B0604020202020204" pitchFamily="34" charset="0"/>
+              <a:buChar char="•"/>
+            </a:pPr>
+            <a:endParaRPr lang="en-US" dirty="0"/>
+          </a:p>
+        </p:txBody>
+      </p:sp>
+    </p:spTree>
+    <p:extLst>
+      <p:ext uri="{BB962C8B-B14F-4D97-AF65-F5344CB8AC3E}">
+        <p14:creationId xmlns:p14="http://schemas.microsoft.com/office/powerpoint/2010/main" val="667043616"/>
+      </p:ext>
+    </p:extLst>
+  </p:cSld>
+  <p:clrMapOvr>
+    <a:masterClrMapping/>
+  </p:clrMapOvr>
+</p:sld>
+</file>
+
+<file path=ppt/slides/slide3.xml><?xml version="1.0" encoding="utf-8"?>
+<p:sld xmlns:a="http://schemas.openxmlformats.org/drawingml/2006/main" xmlns:r="http://schemas.openxmlformats.org/officeDocument/2006/relationships" xmlns:p="http://schemas.openxmlformats.org/presentationml/2006/main">
+  <p:cSld>
+    <p:spTree>
+      <p:nvGrpSpPr>
+        <p:cNvPr id="1" name=""/>
+        <p:cNvGrpSpPr/>
+        <p:nvPr/>
+      </p:nvGrpSpPr>
+      <p:grpSpPr>
+        <a:xfrm>
+          <a:off x="0" y="0"/>
+          <a:ext cx="0" cy="0"/>
+          <a:chOff x="0" y="0"/>
+          <a:chExt cx="0" cy="0"/>
+        </a:xfrm>
+      </p:grpSpPr>
+      <p:sp>
+        <p:nvSpPr>
+          <p:cNvPr id="2" name="Rectangle 1">
+            <a:extLst>
+              <a:ext uri="{FF2B5EF4-FFF2-40B4-BE49-F238E27FC236}">
+                <a16:creationId xmlns:a16="http://schemas.microsoft.com/office/drawing/2014/main" id="{77918730-9444-5E47-9F7E-9F494D784123}"/>
+              </a:ext>
+            </a:extLst>
+          </p:cNvPr>
+          <p:cNvSpPr/>
+          <p:nvPr/>
+        </p:nvSpPr>
+        <p:spPr>
+          <a:xfrm>
+            <a:off x="951471" y="877332"/>
+            <a:ext cx="2421925" cy="889686"/>
+          </a:xfrm>
+          <a:prstGeom prst="rect">
+            <a:avLst/>
+          </a:prstGeom>
+        </p:spPr>
+        <p:style>
+          <a:lnRef idx="2">
+            <a:schemeClr val="accent1">
+              <a:shade val="50000"/>
+            </a:schemeClr>
+          </a:lnRef>
+          <a:fillRef idx="1">
+            <a:schemeClr val="accent1"/>
+          </a:fillRef>
+          <a:effectRef idx="0">
+            <a:schemeClr val="accent1"/>
+          </a:effectRef>
+          <a:fontRef idx="minor">
+            <a:schemeClr val="lt1"/>
+          </a:fontRef>
+        </p:style>
+        <p:txBody>
+          <a:bodyPr rtlCol="0" anchor="ctr"/>
+          <a:lstStyle/>
+          <a:p>
+            <a:pPr algn="ctr"/>
+            <a:r>
+              <a:rPr lang="en-US" dirty="0"/>
+              <a:t>Customer/ Account</a:t>
+            </a:r>
+          </a:p>
+          <a:p>
+            <a:pPr algn="ctr"/>
+            <a:r>
+              <a:rPr lang="en-US" dirty="0"/>
+              <a:t>Sales Force</a:t>
+            </a:r>
+          </a:p>
+          <a:p>
+            <a:pPr algn="ctr"/>
+            <a:r>
+              <a:rPr lang="en-US" dirty="0"/>
+              <a:t>(Talend Studio)</a:t>
+            </a:r>
+          </a:p>
+        </p:txBody>
+      </p:sp>
+      <p:sp>
+        <p:nvSpPr>
+          <p:cNvPr id="3" name="Rectangle 2">
+            <a:extLst>
+              <a:ext uri="{FF2B5EF4-FFF2-40B4-BE49-F238E27FC236}">
+                <a16:creationId xmlns:a16="http://schemas.microsoft.com/office/drawing/2014/main" id="{C1946A04-F4B5-8445-9505-C14C724D48EF}"/>
+              </a:ext>
+            </a:extLst>
+          </p:cNvPr>
+          <p:cNvSpPr/>
+          <p:nvPr/>
+        </p:nvSpPr>
+        <p:spPr>
+          <a:xfrm>
+            <a:off x="976184" y="2005914"/>
+            <a:ext cx="2421925" cy="889686"/>
+          </a:xfrm>
+          <a:prstGeom prst="rect">
+            <a:avLst/>
+          </a:prstGeom>
+        </p:spPr>
+        <p:style>
+          <a:lnRef idx="2">
+            <a:schemeClr val="accent1">
+              <a:shade val="50000"/>
+            </a:schemeClr>
+          </a:lnRef>
+          <a:fillRef idx="1">
+            <a:schemeClr val="accent1"/>
+          </a:fillRef>
+          <a:effectRef idx="0">
+            <a:schemeClr val="accent1"/>
+          </a:effectRef>
+          <a:fontRef idx="minor">
+            <a:schemeClr val="lt1"/>
+          </a:fontRef>
+        </p:style>
+        <p:txBody>
+          <a:bodyPr rtlCol="0" anchor="ctr"/>
+          <a:lstStyle/>
+          <a:p>
+            <a:pPr algn="ctr"/>
+            <a:r>
+              <a:rPr lang="en-US" dirty="0"/>
+              <a:t>Product Catalog</a:t>
+            </a:r>
+          </a:p>
+          <a:p>
+            <a:pPr algn="ctr"/>
+            <a:r>
+              <a:rPr lang="en-US" dirty="0"/>
+              <a:t>(Static in DB Postgres)</a:t>
+            </a:r>
+          </a:p>
+        </p:txBody>
+      </p:sp>
+      <p:sp>
+        <p:nvSpPr>
+          <p:cNvPr id="4" name="Rectangle 3">
+            <a:extLst>
+              <a:ext uri="{FF2B5EF4-FFF2-40B4-BE49-F238E27FC236}">
+                <a16:creationId xmlns:a16="http://schemas.microsoft.com/office/drawing/2014/main" id="{2C542919-145B-404B-A073-BF1E84AEDC88}"/>
+              </a:ext>
+            </a:extLst>
+          </p:cNvPr>
+          <p:cNvSpPr/>
+          <p:nvPr/>
+        </p:nvSpPr>
+        <p:spPr>
+          <a:xfrm>
+            <a:off x="976184" y="3072715"/>
+            <a:ext cx="2421925" cy="889686"/>
+          </a:xfrm>
+          <a:prstGeom prst="rect">
+            <a:avLst/>
+          </a:prstGeom>
+        </p:spPr>
+        <p:style>
+          <a:lnRef idx="2">
+            <a:schemeClr val="accent1">
+              <a:shade val="50000"/>
+            </a:schemeClr>
+          </a:lnRef>
+          <a:fillRef idx="1">
+            <a:schemeClr val="accent1"/>
+          </a:fillRef>
+          <a:effectRef idx="0">
+            <a:schemeClr val="accent1"/>
+          </a:effectRef>
+          <a:fontRef idx="minor">
+            <a:schemeClr val="lt1"/>
+          </a:fontRef>
+        </p:style>
+        <p:txBody>
+          <a:bodyPr rtlCol="0" anchor="ctr"/>
+          <a:lstStyle/>
+          <a:p>
+            <a:pPr algn="ctr"/>
+            <a:r>
+              <a:rPr lang="en-US" dirty="0"/>
+              <a:t>Order Data</a:t>
+            </a:r>
+          </a:p>
+          <a:p>
+            <a:pPr algn="ctr"/>
+            <a:r>
+              <a:rPr lang="en-US" dirty="0"/>
+              <a:t>(DB Postgres)</a:t>
+            </a:r>
+          </a:p>
+        </p:txBody>
+      </p:sp>
+      <p:sp>
+        <p:nvSpPr>
+          <p:cNvPr id="5" name="Rectangle 4">
+            <a:extLst>
+              <a:ext uri="{FF2B5EF4-FFF2-40B4-BE49-F238E27FC236}">
+                <a16:creationId xmlns:a16="http://schemas.microsoft.com/office/drawing/2014/main" id="{B27F3696-D1F1-654D-A7D4-B0038E7034D6}"/>
+              </a:ext>
+            </a:extLst>
+          </p:cNvPr>
+          <p:cNvSpPr/>
+          <p:nvPr/>
+        </p:nvSpPr>
+        <p:spPr>
+          <a:xfrm>
+            <a:off x="976184" y="4139516"/>
+            <a:ext cx="2421925" cy="889686"/>
+          </a:xfrm>
+          <a:prstGeom prst="rect">
+            <a:avLst/>
+          </a:prstGeom>
+        </p:spPr>
+        <p:style>
+          <a:lnRef idx="2">
+            <a:schemeClr val="accent1">
+              <a:shade val="50000"/>
+            </a:schemeClr>
+          </a:lnRef>
+          <a:fillRef idx="1">
+            <a:schemeClr val="accent1"/>
+          </a:fillRef>
+          <a:effectRef idx="0">
+            <a:schemeClr val="accent1"/>
+          </a:effectRef>
+          <a:fontRef idx="minor">
+            <a:schemeClr val="lt1"/>
+          </a:fontRef>
+        </p:style>
+        <p:txBody>
+          <a:bodyPr rtlCol="0" anchor="ctr"/>
+          <a:lstStyle/>
+          <a:p>
+            <a:pPr algn="ctr"/>
+            <a:r>
+              <a:rPr lang="en-US" dirty="0"/>
+              <a:t>Click Stream</a:t>
+            </a:r>
+          </a:p>
+          <a:p>
+            <a:pPr algn="ctr"/>
+            <a:r>
+              <a:rPr lang="en-US" dirty="0"/>
+              <a:t>(File Dump csv)</a:t>
+            </a:r>
+          </a:p>
+        </p:txBody>
+      </p:sp>
+      <p:sp>
+        <p:nvSpPr>
+          <p:cNvPr id="6" name="Rectangle 5">
+            <a:extLst>
+              <a:ext uri="{FF2B5EF4-FFF2-40B4-BE49-F238E27FC236}">
+                <a16:creationId xmlns:a16="http://schemas.microsoft.com/office/drawing/2014/main" id="{3AAC2BA8-D155-1343-BBE4-68ABD0E80A5A}"/>
+              </a:ext>
+            </a:extLst>
+          </p:cNvPr>
+          <p:cNvSpPr/>
+          <p:nvPr/>
+        </p:nvSpPr>
+        <p:spPr>
+          <a:xfrm>
+            <a:off x="976184" y="5206317"/>
+            <a:ext cx="2421925" cy="889686"/>
+          </a:xfrm>
+          <a:prstGeom prst="rect">
+            <a:avLst/>
+          </a:prstGeom>
+        </p:spPr>
+        <p:style>
+          <a:lnRef idx="2">
+            <a:schemeClr val="accent1">
+              <a:shade val="50000"/>
+            </a:schemeClr>
+          </a:lnRef>
+          <a:fillRef idx="1">
+            <a:schemeClr val="accent1"/>
+          </a:fillRef>
+          <a:effectRef idx="0">
+            <a:schemeClr val="accent1"/>
+          </a:effectRef>
+          <a:fontRef idx="minor">
+            <a:schemeClr val="lt1"/>
+          </a:fontRef>
+        </p:style>
+        <p:txBody>
+          <a:bodyPr rtlCol="0" anchor="ctr"/>
+          <a:lstStyle/>
+          <a:p>
+            <a:pPr algn="ctr"/>
+            <a:r>
+              <a:rPr lang="en-US" dirty="0"/>
+              <a:t>Support</a:t>
+            </a:r>
+          </a:p>
+          <a:p>
+            <a:pPr algn="ctr"/>
+            <a:r>
+              <a:rPr lang="en-US" dirty="0"/>
+              <a:t>(TBD)</a:t>
+            </a:r>
+          </a:p>
+          <a:p>
+            <a:pPr algn="ctr"/>
+            <a:endParaRPr lang="en-US" dirty="0"/>
+          </a:p>
+        </p:txBody>
+      </p:sp>
+      <p:sp>
+        <p:nvSpPr>
+          <p:cNvPr id="7" name="Rectangle 6">
+            <a:extLst>
+              <a:ext uri="{FF2B5EF4-FFF2-40B4-BE49-F238E27FC236}">
+                <a16:creationId xmlns:a16="http://schemas.microsoft.com/office/drawing/2014/main" id="{EC393704-6D6E-6B4E-876E-AB4E1E7BA1CB}"/>
+              </a:ext>
+            </a:extLst>
+          </p:cNvPr>
+          <p:cNvSpPr/>
+          <p:nvPr/>
+        </p:nvSpPr>
+        <p:spPr>
+          <a:xfrm>
+            <a:off x="4551404" y="1029732"/>
+            <a:ext cx="2421925" cy="1095635"/>
+          </a:xfrm>
+          <a:prstGeom prst="rect">
+            <a:avLst/>
+          </a:prstGeom>
+        </p:spPr>
+        <p:style>
+          <a:lnRef idx="2">
+            <a:schemeClr val="accent1">
+              <a:shade val="50000"/>
+            </a:schemeClr>
+          </a:lnRef>
+          <a:fillRef idx="1">
+            <a:schemeClr val="accent1"/>
+          </a:fillRef>
+          <a:effectRef idx="0">
+            <a:schemeClr val="accent1"/>
+          </a:effectRef>
+          <a:fontRef idx="minor">
+            <a:schemeClr val="lt1"/>
+          </a:fontRef>
+        </p:style>
+        <p:txBody>
+          <a:bodyPr rtlCol="0" anchor="ctr"/>
+          <a:lstStyle/>
+          <a:p>
+            <a:pPr algn="ctr"/>
+            <a:r>
+              <a:rPr lang="en-US" dirty="0"/>
+              <a:t>Clean Up</a:t>
+            </a:r>
+          </a:p>
+          <a:p>
+            <a:pPr algn="ctr"/>
+            <a:r>
+              <a:rPr lang="en-US" dirty="0"/>
+              <a:t>(Link up ID’s between different systems)	 </a:t>
+            </a:r>
+          </a:p>
+          <a:p>
+            <a:pPr algn="ctr"/>
+            <a:endParaRPr lang="en-US" dirty="0"/>
+          </a:p>
+        </p:txBody>
+      </p:sp>
+      <p:sp>
+        <p:nvSpPr>
+          <p:cNvPr id="8" name="Rectangle 7">
+            <a:extLst>
+              <a:ext uri="{FF2B5EF4-FFF2-40B4-BE49-F238E27FC236}">
+                <a16:creationId xmlns:a16="http://schemas.microsoft.com/office/drawing/2014/main" id="{28A1B13A-A595-464E-A429-E0B53115930C}"/>
+              </a:ext>
+            </a:extLst>
+          </p:cNvPr>
+          <p:cNvSpPr/>
+          <p:nvPr/>
+        </p:nvSpPr>
+        <p:spPr>
+          <a:xfrm>
+            <a:off x="4553463" y="2335429"/>
+            <a:ext cx="2421925" cy="889686"/>
+          </a:xfrm>
+          <a:prstGeom prst="rect">
+            <a:avLst/>
+          </a:prstGeom>
+        </p:spPr>
+        <p:style>
+          <a:lnRef idx="2">
+            <a:schemeClr val="accent1">
+              <a:shade val="50000"/>
+            </a:schemeClr>
+          </a:lnRef>
+          <a:fillRef idx="1">
+            <a:schemeClr val="accent1"/>
+          </a:fillRef>
+          <a:effectRef idx="0">
+            <a:schemeClr val="accent1"/>
+          </a:effectRef>
+          <a:fontRef idx="minor">
+            <a:schemeClr val="lt1"/>
+          </a:fontRef>
+        </p:style>
+        <p:txBody>
+          <a:bodyPr rtlCol="0" anchor="ctr"/>
+          <a:lstStyle/>
+          <a:p>
+            <a:pPr algn="ctr"/>
+            <a:r>
+              <a:rPr lang="en-US" dirty="0"/>
+              <a:t>Order history Aggregate</a:t>
+            </a:r>
+          </a:p>
+          <a:p>
+            <a:pPr algn="ctr"/>
+            <a:endParaRPr lang="en-US" dirty="0"/>
+          </a:p>
+        </p:txBody>
+      </p:sp>
+      <p:sp>
+        <p:nvSpPr>
+          <p:cNvPr id="9" name="Rectangle 8">
+            <a:extLst>
+              <a:ext uri="{FF2B5EF4-FFF2-40B4-BE49-F238E27FC236}">
+                <a16:creationId xmlns:a16="http://schemas.microsoft.com/office/drawing/2014/main" id="{C4E3149A-11EF-B248-941F-94D5404277F1}"/>
+              </a:ext>
+            </a:extLst>
+          </p:cNvPr>
+          <p:cNvSpPr/>
+          <p:nvPr/>
+        </p:nvSpPr>
+        <p:spPr>
+          <a:xfrm>
+            <a:off x="9016314" y="1680524"/>
+            <a:ext cx="2421925" cy="2903835"/>
+          </a:xfrm>
+          <a:prstGeom prst="rect">
+            <a:avLst/>
+          </a:prstGeom>
+        </p:spPr>
+        <p:style>
+          <a:lnRef idx="2">
+            <a:schemeClr val="accent1">
+              <a:shade val="50000"/>
+            </a:schemeClr>
+          </a:lnRef>
+          <a:fillRef idx="1">
+            <a:schemeClr val="accent1"/>
+          </a:fillRef>
+          <a:effectRef idx="0">
+            <a:schemeClr val="accent1"/>
+          </a:effectRef>
+          <a:fontRef idx="minor">
+            <a:schemeClr val="lt1"/>
+          </a:fontRef>
+        </p:style>
+        <p:txBody>
+          <a:bodyPr rtlCol="0" anchor="ctr"/>
+          <a:lstStyle/>
+          <a:p>
+            <a:pPr algn="ctr"/>
+            <a:r>
+              <a:rPr lang="en-US" dirty="0"/>
+              <a:t>UI </a:t>
+            </a:r>
+          </a:p>
+          <a:p>
+            <a:pPr marL="342900" indent="-342900" algn="ctr">
+              <a:buAutoNum type="arabicPeriod"/>
+            </a:pPr>
+            <a:r>
+              <a:rPr lang="en-US" dirty="0"/>
+              <a:t>Generic Account</a:t>
+            </a:r>
+          </a:p>
+          <a:p>
+            <a:pPr marL="342900" indent="-342900" algn="ctr">
+              <a:buAutoNum type="arabicPeriod"/>
+            </a:pPr>
+            <a:r>
+              <a:rPr lang="en-US" dirty="0"/>
+              <a:t>Name / Details </a:t>
+            </a:r>
+          </a:p>
+          <a:p>
+            <a:pPr marL="342900" indent="-342900" algn="ctr">
+              <a:buAutoNum type="arabicPeriod"/>
+            </a:pPr>
+            <a:r>
+              <a:rPr lang="en-US" dirty="0"/>
+              <a:t>Order History</a:t>
+            </a:r>
+          </a:p>
+          <a:p>
+            <a:pPr marL="342900" indent="-342900" algn="ctr">
+              <a:buAutoNum type="arabicPeriod"/>
+            </a:pPr>
+            <a:r>
+              <a:rPr lang="en-US" dirty="0"/>
+              <a:t>Churn / Sentiment / Upsell</a:t>
+            </a:r>
+          </a:p>
+          <a:p>
+            <a:pPr marL="342900" indent="-342900" algn="ctr">
+              <a:buAutoNum type="arabicPeriod"/>
+            </a:pPr>
+            <a:endParaRPr lang="en-US" dirty="0"/>
+          </a:p>
+          <a:p>
+            <a:pPr algn="ctr"/>
+            <a:endParaRPr lang="en-US" dirty="0"/>
+          </a:p>
+        </p:txBody>
+      </p:sp>
+      <p:sp>
+        <p:nvSpPr>
+          <p:cNvPr id="10" name="Rectangle 9">
+            <a:extLst>
+              <a:ext uri="{FF2B5EF4-FFF2-40B4-BE49-F238E27FC236}">
+                <a16:creationId xmlns:a16="http://schemas.microsoft.com/office/drawing/2014/main" id="{8E1E8577-5A7F-9843-8EC9-1C4F49A5381B}"/>
+              </a:ext>
+            </a:extLst>
+          </p:cNvPr>
+          <p:cNvSpPr/>
+          <p:nvPr/>
+        </p:nvSpPr>
+        <p:spPr>
+          <a:xfrm>
+            <a:off x="4551401" y="5058024"/>
+            <a:ext cx="2421925" cy="1079156"/>
+          </a:xfrm>
+          <a:prstGeom prst="rect">
+            <a:avLst/>
+          </a:prstGeom>
+        </p:spPr>
+        <p:style>
+          <a:lnRef idx="2">
+            <a:schemeClr val="accent1">
+              <a:shade val="50000"/>
+            </a:schemeClr>
+          </a:lnRef>
+          <a:fillRef idx="1">
+            <a:schemeClr val="accent1"/>
+          </a:fillRef>
+          <a:effectRef idx="0">
+            <a:schemeClr val="accent1"/>
+          </a:effectRef>
+          <a:fontRef idx="minor">
+            <a:schemeClr val="lt1"/>
+          </a:fontRef>
+        </p:style>
+        <p:txBody>
+          <a:bodyPr rtlCol="0" anchor="ctr"/>
+          <a:lstStyle/>
+          <a:p>
+            <a:pPr algn="ctr"/>
+            <a:endParaRPr lang="en-US" dirty="0"/>
+          </a:p>
+          <a:p>
+            <a:pPr algn="ctr"/>
+            <a:r>
+              <a:rPr lang="en-US" dirty="0"/>
+              <a:t>Customer Sentiment Analysis &amp; Churn</a:t>
+            </a:r>
+          </a:p>
+          <a:p>
+            <a:pPr algn="ctr"/>
+            <a:r>
+              <a:rPr lang="en-US" dirty="0"/>
+              <a:t>(Fake the entire dataset)</a:t>
+            </a:r>
+          </a:p>
+          <a:p>
+            <a:pPr algn="ctr"/>
+            <a:endParaRPr lang="en-US" dirty="0"/>
+          </a:p>
+        </p:txBody>
+      </p:sp>
+      <p:sp>
+        <p:nvSpPr>
+          <p:cNvPr id="11" name="Rectangle 10">
+            <a:extLst>
+              <a:ext uri="{FF2B5EF4-FFF2-40B4-BE49-F238E27FC236}">
+                <a16:creationId xmlns:a16="http://schemas.microsoft.com/office/drawing/2014/main" id="{02A59544-AA11-1346-A55A-C551BF1143C9}"/>
+              </a:ext>
+            </a:extLst>
+          </p:cNvPr>
+          <p:cNvSpPr/>
+          <p:nvPr/>
+        </p:nvSpPr>
+        <p:spPr>
+          <a:xfrm>
+            <a:off x="4551401" y="3657589"/>
+            <a:ext cx="2421925" cy="889686"/>
+          </a:xfrm>
+          <a:prstGeom prst="rect">
+            <a:avLst/>
+          </a:prstGeom>
+        </p:spPr>
+        <p:style>
+          <a:lnRef idx="2">
+            <a:schemeClr val="accent1">
+              <a:shade val="50000"/>
+            </a:schemeClr>
+          </a:lnRef>
+          <a:fillRef idx="1">
+            <a:schemeClr val="accent1"/>
+          </a:fillRef>
+          <a:effectRef idx="0">
+            <a:schemeClr val="accent1"/>
+          </a:effectRef>
+          <a:fontRef idx="minor">
+            <a:schemeClr val="lt1"/>
+          </a:fontRef>
+        </p:style>
+        <p:txBody>
+          <a:bodyPr rtlCol="0" anchor="ctr"/>
+          <a:lstStyle/>
+          <a:p>
+            <a:pPr algn="ctr"/>
+            <a:r>
+              <a:rPr lang="en-US" dirty="0"/>
+              <a:t>Cross sell / </a:t>
+            </a:r>
+            <a:r>
+              <a:rPr lang="en-US" dirty="0" err="1"/>
+              <a:t>UpSell</a:t>
+            </a:r>
+            <a:r>
+              <a:rPr lang="en-US" dirty="0"/>
+              <a:t> </a:t>
+            </a:r>
+          </a:p>
+          <a:p>
+            <a:pPr algn="ctr"/>
+            <a:endParaRPr lang="en-US" dirty="0"/>
+          </a:p>
+        </p:txBody>
+      </p:sp>
+      <p:cxnSp>
+        <p:nvCxnSpPr>
+          <p:cNvPr id="15" name="Elbow Connector 14">
+            <a:extLst>
+              <a:ext uri="{FF2B5EF4-FFF2-40B4-BE49-F238E27FC236}">
+                <a16:creationId xmlns:a16="http://schemas.microsoft.com/office/drawing/2014/main" id="{BCCD6813-830E-CC4C-8C2A-AD355432A356}"/>
+              </a:ext>
+            </a:extLst>
+          </p:cNvPr>
+          <p:cNvCxnSpPr>
+            <a:stCxn id="2" idx="3"/>
+            <a:endCxn id="8" idx="1"/>
+          </p:cNvCxnSpPr>
+          <p:nvPr/>
+        </p:nvCxnSpPr>
+        <p:spPr>
+          <a:xfrm>
+            <a:off x="3373396" y="1322175"/>
+            <a:ext cx="1180067" cy="1458097"/>
+          </a:xfrm>
+          <a:prstGeom prst="bentConnector3">
+            <a:avLst/>
+          </a:prstGeom>
+          <a:ln>
+            <a:tailEnd type="triangle"/>
+          </a:ln>
+        </p:spPr>
+        <p:style>
+          <a:lnRef idx="1">
+            <a:schemeClr val="accent1"/>
+          </a:lnRef>
+          <a:fillRef idx="0">
+            <a:schemeClr val="accent1"/>
+          </a:fillRef>
+          <a:effectRef idx="0">
+            <a:schemeClr val="accent1"/>
+          </a:effectRef>
+          <a:fontRef idx="minor">
+            <a:schemeClr val="tx1"/>
+          </a:fontRef>
+        </p:style>
+      </p:cxnSp>
+      <p:cxnSp>
+        <p:nvCxnSpPr>
+          <p:cNvPr id="17" name="Elbow Connector 16">
+            <a:extLst>
+              <a:ext uri="{FF2B5EF4-FFF2-40B4-BE49-F238E27FC236}">
+                <a16:creationId xmlns:a16="http://schemas.microsoft.com/office/drawing/2014/main" id="{AAF48957-4992-B945-88B9-635FB8804520}"/>
+              </a:ext>
+            </a:extLst>
+          </p:cNvPr>
+          <p:cNvCxnSpPr>
+            <a:stCxn id="3" idx="3"/>
+            <a:endCxn id="8" idx="1"/>
+          </p:cNvCxnSpPr>
+          <p:nvPr/>
+        </p:nvCxnSpPr>
+        <p:spPr>
+          <a:xfrm>
+            <a:off x="3398109" y="2450757"/>
+            <a:ext cx="1155354" cy="329515"/>
+          </a:xfrm>
+          <a:prstGeom prst="bentConnector3">
+            <a:avLst/>
+          </a:prstGeom>
+          <a:ln>
+            <a:tailEnd type="triangle"/>
+          </a:ln>
+        </p:spPr>
+        <p:style>
+          <a:lnRef idx="1">
+            <a:schemeClr val="accent1"/>
+          </a:lnRef>
+          <a:fillRef idx="0">
+            <a:schemeClr val="accent1"/>
+          </a:fillRef>
+          <a:effectRef idx="0">
+            <a:schemeClr val="accent1"/>
+          </a:effectRef>
+          <a:fontRef idx="minor">
+            <a:schemeClr val="tx1"/>
+          </a:fontRef>
+        </p:style>
+      </p:cxnSp>
+      <p:cxnSp>
+        <p:nvCxnSpPr>
+          <p:cNvPr id="19" name="Elbow Connector 18">
+            <a:extLst>
+              <a:ext uri="{FF2B5EF4-FFF2-40B4-BE49-F238E27FC236}">
+                <a16:creationId xmlns:a16="http://schemas.microsoft.com/office/drawing/2014/main" id="{81863D3C-1F01-6344-A449-68B6209F030D}"/>
+              </a:ext>
+            </a:extLst>
+          </p:cNvPr>
+          <p:cNvCxnSpPr>
+            <a:stCxn id="4" idx="3"/>
+            <a:endCxn id="8" idx="1"/>
+          </p:cNvCxnSpPr>
+          <p:nvPr/>
+        </p:nvCxnSpPr>
+        <p:spPr>
+          <a:xfrm flipV="1">
+            <a:off x="3398109" y="2780272"/>
+            <a:ext cx="1155354" cy="737286"/>
+          </a:xfrm>
+          <a:prstGeom prst="bentConnector3">
+            <a:avLst/>
+          </a:prstGeom>
+          <a:ln>
+            <a:tailEnd type="triangle"/>
+          </a:ln>
+        </p:spPr>
+        <p:style>
+          <a:lnRef idx="1">
+            <a:schemeClr val="accent1"/>
+          </a:lnRef>
+          <a:fillRef idx="0">
+            <a:schemeClr val="accent1"/>
+          </a:fillRef>
+          <a:effectRef idx="0">
+            <a:schemeClr val="accent1"/>
+          </a:effectRef>
+          <a:fontRef idx="minor">
+            <a:schemeClr val="tx1"/>
+          </a:fontRef>
+        </p:style>
+      </p:cxnSp>
+      <p:cxnSp>
+        <p:nvCxnSpPr>
+          <p:cNvPr id="21" name="Elbow Connector 20">
+            <a:extLst>
+              <a:ext uri="{FF2B5EF4-FFF2-40B4-BE49-F238E27FC236}">
+                <a16:creationId xmlns:a16="http://schemas.microsoft.com/office/drawing/2014/main" id="{53853311-0201-C942-AF95-11C8F7A26999}"/>
+              </a:ext>
+            </a:extLst>
+          </p:cNvPr>
+          <p:cNvCxnSpPr>
+            <a:cxnSpLocks/>
+            <a:stCxn id="5" idx="3"/>
+            <a:endCxn id="11" idx="1"/>
+          </p:cNvCxnSpPr>
+          <p:nvPr/>
+        </p:nvCxnSpPr>
+        <p:spPr>
+          <a:xfrm flipV="1">
+            <a:off x="3398109" y="4102432"/>
+            <a:ext cx="1153292" cy="481927"/>
+          </a:xfrm>
+          <a:prstGeom prst="bentConnector3">
+            <a:avLst/>
+          </a:prstGeom>
+          <a:ln>
+            <a:tailEnd type="triangle"/>
+          </a:ln>
+        </p:spPr>
+        <p:style>
+          <a:lnRef idx="1">
+            <a:schemeClr val="accent1"/>
+          </a:lnRef>
+          <a:fillRef idx="0">
+            <a:schemeClr val="accent1"/>
+          </a:fillRef>
+          <a:effectRef idx="0">
+            <a:schemeClr val="accent1"/>
+          </a:effectRef>
+          <a:fontRef idx="minor">
+            <a:schemeClr val="tx1"/>
+          </a:fontRef>
+        </p:style>
+      </p:cxnSp>
+      <p:cxnSp>
+        <p:nvCxnSpPr>
+          <p:cNvPr id="25" name="Elbow Connector 24">
+            <a:extLst>
+              <a:ext uri="{FF2B5EF4-FFF2-40B4-BE49-F238E27FC236}">
+                <a16:creationId xmlns:a16="http://schemas.microsoft.com/office/drawing/2014/main" id="{F4E7200E-9634-AB48-A5DC-5F71A9915C2F}"/>
+              </a:ext>
+            </a:extLst>
+          </p:cNvPr>
+          <p:cNvCxnSpPr>
+            <a:stCxn id="6" idx="3"/>
+            <a:endCxn id="10" idx="1"/>
+          </p:cNvCxnSpPr>
+          <p:nvPr/>
+        </p:nvCxnSpPr>
+        <p:spPr>
+          <a:xfrm flipV="1">
+            <a:off x="3398109" y="5597602"/>
+            <a:ext cx="1153292" cy="53558"/>
+          </a:xfrm>
+          <a:prstGeom prst="bentConnector3">
+            <a:avLst/>
+          </a:prstGeom>
+          <a:ln>
+            <a:tailEnd type="triangle"/>
+          </a:ln>
+        </p:spPr>
+        <p:style>
+          <a:lnRef idx="1">
+            <a:schemeClr val="accent1"/>
+          </a:lnRef>
+          <a:fillRef idx="0">
+            <a:schemeClr val="accent1"/>
+          </a:fillRef>
+          <a:effectRef idx="0">
+            <a:schemeClr val="accent1"/>
+          </a:effectRef>
+          <a:fontRef idx="minor">
+            <a:schemeClr val="tx1"/>
+          </a:fontRef>
+        </p:style>
+      </p:cxnSp>
+      <p:sp>
+        <p:nvSpPr>
+          <p:cNvPr id="26" name="TextBox 25">
+            <a:extLst>
+              <a:ext uri="{FF2B5EF4-FFF2-40B4-BE49-F238E27FC236}">
+                <a16:creationId xmlns:a16="http://schemas.microsoft.com/office/drawing/2014/main" id="{693FFD36-BFAB-444D-9668-BF6182FCB7FC}"/>
+              </a:ext>
+            </a:extLst>
+          </p:cNvPr>
+          <p:cNvSpPr txBox="1"/>
+          <p:nvPr/>
+        </p:nvSpPr>
+        <p:spPr>
+          <a:xfrm>
+            <a:off x="1149178" y="98854"/>
+            <a:ext cx="3731741" cy="369332"/>
+          </a:xfrm>
+          <a:prstGeom prst="rect">
+            <a:avLst/>
+          </a:prstGeom>
+          <a:noFill/>
+        </p:spPr>
+        <p:txBody>
+          <a:bodyPr wrap="square" rtlCol="0">
+            <a:spAutoFit/>
+          </a:bodyPr>
+          <a:lstStyle/>
+          <a:p>
+            <a:r>
+              <a:rPr lang="en-US" dirty="0"/>
+              <a:t>Story Board </a:t>
+            </a:r>
+          </a:p>
+        </p:txBody>
+      </p:sp>
+    </p:spTree>
+    <p:extLst>
+      <p:ext uri="{BB962C8B-B14F-4D97-AF65-F5344CB8AC3E}">
+        <p14:creationId xmlns:p14="http://schemas.microsoft.com/office/powerpoint/2010/main" val="1195511487"/>
+      </p:ext>
+    </p:extLst>
+  </p:cSld>
+  <p:clrMapOvr>
+    <a:masterClrMapping/>
+  </p:clrMapOvr>
+</p:sld>
+</file>
+
+<file path=ppt/slides/slide4.xml><?xml version="1.0" encoding="utf-8"?>
+<p:sld xmlns:a="http://schemas.openxmlformats.org/drawingml/2006/main" xmlns:r="http://schemas.openxmlformats.org/officeDocument/2006/relationships" xmlns:p="http://schemas.openxmlformats.org/presentationml/2006/main">
+  <p:cSld>
+    <p:spTree>
+      <p:nvGrpSpPr>
+        <p:cNvPr id="1" name=""/>
+        <p:cNvGrpSpPr/>
+        <p:nvPr/>
+      </p:nvGrpSpPr>
+      <p:grpSpPr>
+        <a:xfrm>
+          <a:off x="0" y="0"/>
+          <a:ext cx="0" cy="0"/>
+          <a:chOff x="0" y="0"/>
+          <a:chExt cx="0" cy="0"/>
+        </a:xfrm>
+      </p:grpSpPr>
+      <p:sp>
+        <p:nvSpPr>
+          <p:cNvPr id="13" name="Rounded Rectangle 12">
+            <a:extLst>
+              <a:ext uri="{FF2B5EF4-FFF2-40B4-BE49-F238E27FC236}">
+                <a16:creationId xmlns:a16="http://schemas.microsoft.com/office/drawing/2014/main" id="{4E2776A7-72F2-0846-957C-AFAF10992C7F}"/>
+              </a:ext>
+            </a:extLst>
+          </p:cNvPr>
+          <p:cNvSpPr/>
+          <p:nvPr/>
+        </p:nvSpPr>
+        <p:spPr>
+          <a:xfrm>
+            <a:off x="4102443" y="468186"/>
+            <a:ext cx="4493739" cy="3078203"/>
+          </a:xfrm>
+          <a:prstGeom prst="roundRect">
+            <a:avLst/>
+          </a:prstGeom>
+          <a:ln>
+            <a:prstDash val="lgDash"/>
+          </a:ln>
+        </p:spPr>
+        <p:style>
+          <a:lnRef idx="2">
+            <a:schemeClr val="accent4"/>
+          </a:lnRef>
+          <a:fillRef idx="1">
+            <a:schemeClr val="lt1"/>
+          </a:fillRef>
+          <a:effectRef idx="0">
+            <a:schemeClr val="accent4"/>
+          </a:effectRef>
+          <a:fontRef idx="minor">
+            <a:schemeClr val="dk1"/>
+          </a:fontRef>
+        </p:style>
+        <p:txBody>
+          <a:bodyPr rtlCol="0" anchor="ctr"/>
+          <a:lstStyle/>
+          <a:p>
+            <a:pPr algn="ctr"/>
+            <a:endParaRPr lang="en-US"/>
+          </a:p>
+        </p:txBody>
+      </p:sp>
+      <p:sp>
+        <p:nvSpPr>
+          <p:cNvPr id="2" name="Rectangle 1">
+            <a:extLst>
+              <a:ext uri="{FF2B5EF4-FFF2-40B4-BE49-F238E27FC236}">
+                <a16:creationId xmlns:a16="http://schemas.microsoft.com/office/drawing/2014/main" id="{9462DDAB-E7CF-444A-935A-672C85F8E647}"/>
+              </a:ext>
+            </a:extLst>
+          </p:cNvPr>
+          <p:cNvSpPr/>
+          <p:nvPr/>
+        </p:nvSpPr>
+        <p:spPr>
+          <a:xfrm>
+            <a:off x="568411" y="1754659"/>
+            <a:ext cx="2261288" cy="1167713"/>
+          </a:xfrm>
+          <a:prstGeom prst="rect">
+            <a:avLst/>
+          </a:prstGeom>
+        </p:spPr>
+        <p:style>
+          <a:lnRef idx="1">
+            <a:schemeClr val="accent5"/>
+          </a:lnRef>
+          <a:fillRef idx="2">
+            <a:schemeClr val="accent5"/>
+          </a:fillRef>
+          <a:effectRef idx="1">
+            <a:schemeClr val="accent5"/>
+          </a:effectRef>
+          <a:fontRef idx="minor">
+            <a:schemeClr val="dk1"/>
+          </a:fontRef>
+        </p:style>
+        <p:txBody>
+          <a:bodyPr rtlCol="0" anchor="ctr"/>
+          <a:lstStyle/>
+          <a:p>
+            <a:pPr algn="ctr"/>
+            <a:r>
+              <a:rPr lang="en-US" dirty="0"/>
+              <a:t>Salesforce</a:t>
+            </a:r>
+          </a:p>
+          <a:p>
+            <a:pPr algn="ctr"/>
+            <a:r>
+              <a:rPr lang="en-US" dirty="0"/>
+              <a:t> (Talend Job)</a:t>
+            </a:r>
+          </a:p>
+        </p:txBody>
+      </p:sp>
+      <p:sp>
+        <p:nvSpPr>
+          <p:cNvPr id="3" name="Rectangle 2">
+            <a:extLst>
+              <a:ext uri="{FF2B5EF4-FFF2-40B4-BE49-F238E27FC236}">
+                <a16:creationId xmlns:a16="http://schemas.microsoft.com/office/drawing/2014/main" id="{EAE6D76C-6B70-D242-A2DD-401BE92F0D25}"/>
+              </a:ext>
+            </a:extLst>
+          </p:cNvPr>
+          <p:cNvSpPr/>
+          <p:nvPr/>
+        </p:nvSpPr>
+        <p:spPr>
+          <a:xfrm>
+            <a:off x="568411" y="3317789"/>
+            <a:ext cx="2261288" cy="1322175"/>
+          </a:xfrm>
+          <a:prstGeom prst="rect">
+            <a:avLst/>
+          </a:prstGeom>
+        </p:spPr>
+        <p:style>
+          <a:lnRef idx="1">
+            <a:schemeClr val="accent5"/>
+          </a:lnRef>
+          <a:fillRef idx="2">
+            <a:schemeClr val="accent5"/>
+          </a:fillRef>
+          <a:effectRef idx="1">
+            <a:schemeClr val="accent5"/>
+          </a:effectRef>
+          <a:fontRef idx="minor">
+            <a:schemeClr val="dk1"/>
+          </a:fontRef>
+        </p:style>
+        <p:txBody>
+          <a:bodyPr rtlCol="0" anchor="ctr"/>
+          <a:lstStyle/>
+          <a:p>
+            <a:pPr algn="ctr"/>
+            <a:r>
+              <a:rPr lang="en-US" dirty="0"/>
+              <a:t>CRM </a:t>
+            </a:r>
+          </a:p>
+          <a:p>
+            <a:pPr algn="ctr"/>
+            <a:r>
+              <a:rPr lang="en-US" dirty="0"/>
+              <a:t>(Postgres SQL)</a:t>
+            </a:r>
+          </a:p>
+          <a:p>
+            <a:pPr algn="ctr"/>
+            <a:r>
+              <a:rPr lang="en-US" dirty="0"/>
+              <a:t>Apache Scoop Job</a:t>
+            </a:r>
+          </a:p>
+        </p:txBody>
+      </p:sp>
+      <p:sp>
+        <p:nvSpPr>
+          <p:cNvPr id="4" name="Rectangle 3">
+            <a:extLst>
+              <a:ext uri="{FF2B5EF4-FFF2-40B4-BE49-F238E27FC236}">
+                <a16:creationId xmlns:a16="http://schemas.microsoft.com/office/drawing/2014/main" id="{1201BD54-4EFD-594C-9713-7A3F2E04FD57}"/>
+              </a:ext>
+            </a:extLst>
+          </p:cNvPr>
+          <p:cNvSpPr/>
+          <p:nvPr/>
+        </p:nvSpPr>
+        <p:spPr>
+          <a:xfrm>
+            <a:off x="4396946" y="3926362"/>
+            <a:ext cx="1163594" cy="1427204"/>
+          </a:xfrm>
+          <a:prstGeom prst="rect">
+            <a:avLst/>
+          </a:prstGeom>
+        </p:spPr>
+        <p:style>
+          <a:lnRef idx="2">
+            <a:schemeClr val="accent1">
+              <a:shade val="50000"/>
+            </a:schemeClr>
+          </a:lnRef>
+          <a:fillRef idx="1">
+            <a:schemeClr val="accent1"/>
+          </a:fillRef>
+          <a:effectRef idx="0">
+            <a:schemeClr val="accent1"/>
+          </a:effectRef>
+          <a:fontRef idx="minor">
+            <a:schemeClr val="lt1"/>
+          </a:fontRef>
+        </p:style>
+        <p:txBody>
+          <a:bodyPr rtlCol="0" anchor="ctr"/>
+          <a:lstStyle/>
+          <a:p>
+            <a:pPr algn="ctr"/>
+            <a:r>
+              <a:rPr lang="en-US" dirty="0"/>
+              <a:t>S3</a:t>
+            </a:r>
+          </a:p>
+        </p:txBody>
+      </p:sp>
+      <p:cxnSp>
+        <p:nvCxnSpPr>
+          <p:cNvPr id="6" name="Elbow Connector 5">
+            <a:extLst>
+              <a:ext uri="{FF2B5EF4-FFF2-40B4-BE49-F238E27FC236}">
+                <a16:creationId xmlns:a16="http://schemas.microsoft.com/office/drawing/2014/main" id="{FC059049-5ACE-F74E-8507-03F8F97AAF62}"/>
+              </a:ext>
+            </a:extLst>
+          </p:cNvPr>
+          <p:cNvCxnSpPr>
+            <a:cxnSpLocks/>
+            <a:stCxn id="2" idx="3"/>
+            <a:endCxn id="4" idx="1"/>
+          </p:cNvCxnSpPr>
+          <p:nvPr/>
+        </p:nvCxnSpPr>
+        <p:spPr>
+          <a:xfrm>
+            <a:off x="2829699" y="2338516"/>
+            <a:ext cx="1567247" cy="2301448"/>
+          </a:xfrm>
+          <a:prstGeom prst="bentConnector3">
+            <a:avLst/>
+          </a:prstGeom>
+          <a:ln>
+            <a:tailEnd type="triangle"/>
+          </a:ln>
+        </p:spPr>
+        <p:style>
+          <a:lnRef idx="1">
+            <a:schemeClr val="accent1"/>
+          </a:lnRef>
+          <a:fillRef idx="0">
+            <a:schemeClr val="accent1"/>
+          </a:fillRef>
+          <a:effectRef idx="0">
+            <a:schemeClr val="accent1"/>
+          </a:effectRef>
+          <a:fontRef idx="minor">
+            <a:schemeClr val="tx1"/>
+          </a:fontRef>
+        </p:style>
+      </p:cxnSp>
+      <p:cxnSp>
+        <p:nvCxnSpPr>
+          <p:cNvPr id="8" name="Elbow Connector 7">
+            <a:extLst>
+              <a:ext uri="{FF2B5EF4-FFF2-40B4-BE49-F238E27FC236}">
+                <a16:creationId xmlns:a16="http://schemas.microsoft.com/office/drawing/2014/main" id="{E058BBCD-FDA1-E14C-9FE2-B9190F1F3E6D}"/>
+              </a:ext>
+            </a:extLst>
+          </p:cNvPr>
+          <p:cNvCxnSpPr>
+            <a:cxnSpLocks/>
+            <a:stCxn id="3" idx="3"/>
+            <a:endCxn id="4" idx="1"/>
+          </p:cNvCxnSpPr>
+          <p:nvPr/>
+        </p:nvCxnSpPr>
+        <p:spPr>
+          <a:xfrm>
+            <a:off x="2829699" y="3978877"/>
+            <a:ext cx="1567247" cy="661087"/>
+          </a:xfrm>
+          <a:prstGeom prst="bentConnector3">
+            <a:avLst/>
+          </a:prstGeom>
+          <a:ln>
+            <a:tailEnd type="triangle"/>
+          </a:ln>
+        </p:spPr>
+        <p:style>
+          <a:lnRef idx="1">
+            <a:schemeClr val="accent1"/>
+          </a:lnRef>
+          <a:fillRef idx="0">
+            <a:schemeClr val="accent1"/>
+          </a:fillRef>
+          <a:effectRef idx="0">
+            <a:schemeClr val="accent1"/>
+          </a:effectRef>
+          <a:fontRef idx="minor">
+            <a:schemeClr val="tx1"/>
+          </a:fontRef>
+        </p:style>
+      </p:cxnSp>
+      <p:sp>
+        <p:nvSpPr>
+          <p:cNvPr id="12" name="Rectangle 11">
+            <a:extLst>
+              <a:ext uri="{FF2B5EF4-FFF2-40B4-BE49-F238E27FC236}">
+                <a16:creationId xmlns:a16="http://schemas.microsoft.com/office/drawing/2014/main" id="{F3C8671F-AA31-F046-9841-68C673998922}"/>
+              </a:ext>
+            </a:extLst>
+          </p:cNvPr>
+          <p:cNvSpPr/>
+          <p:nvPr/>
+        </p:nvSpPr>
+        <p:spPr>
+          <a:xfrm>
+            <a:off x="568411" y="5035381"/>
+            <a:ext cx="2261288" cy="1322175"/>
+          </a:xfrm>
+          <a:prstGeom prst="rect">
+            <a:avLst/>
+          </a:prstGeom>
+        </p:spPr>
+        <p:style>
+          <a:lnRef idx="1">
+            <a:schemeClr val="accent5"/>
+          </a:lnRef>
+          <a:fillRef idx="2">
+            <a:schemeClr val="accent5"/>
+          </a:fillRef>
+          <a:effectRef idx="1">
+            <a:schemeClr val="accent5"/>
+          </a:effectRef>
+          <a:fontRef idx="minor">
+            <a:schemeClr val="dk1"/>
+          </a:fontRef>
+        </p:style>
+        <p:txBody>
+          <a:bodyPr rtlCol="0" anchor="ctr"/>
+          <a:lstStyle/>
+          <a:p>
+            <a:pPr algn="ctr"/>
+            <a:r>
+              <a:rPr lang="en-US" dirty="0"/>
+              <a:t>File Dumps</a:t>
+            </a:r>
+          </a:p>
+          <a:p>
+            <a:pPr algn="ctr"/>
+            <a:r>
+              <a:rPr lang="en-US" dirty="0"/>
+              <a:t>(Bash script pull files )</a:t>
+            </a:r>
+          </a:p>
+        </p:txBody>
+      </p:sp>
+      <p:cxnSp>
+        <p:nvCxnSpPr>
+          <p:cNvPr id="14" name="Elbow Connector 13">
+            <a:extLst>
+              <a:ext uri="{FF2B5EF4-FFF2-40B4-BE49-F238E27FC236}">
+                <a16:creationId xmlns:a16="http://schemas.microsoft.com/office/drawing/2014/main" id="{A425968B-99C1-C741-A024-D55AFF73559E}"/>
+              </a:ext>
+            </a:extLst>
+          </p:cNvPr>
+          <p:cNvCxnSpPr>
+            <a:cxnSpLocks/>
+            <a:stCxn id="12" idx="3"/>
+            <a:endCxn id="4" idx="1"/>
+          </p:cNvCxnSpPr>
+          <p:nvPr/>
+        </p:nvCxnSpPr>
+        <p:spPr>
+          <a:xfrm flipV="1">
+            <a:off x="2829699" y="4639964"/>
+            <a:ext cx="1567247" cy="1056505"/>
+          </a:xfrm>
+          <a:prstGeom prst="bentConnector3">
+            <a:avLst/>
+          </a:prstGeom>
+          <a:ln>
+            <a:tailEnd type="triangle"/>
+          </a:ln>
+        </p:spPr>
+        <p:style>
+          <a:lnRef idx="1">
+            <a:schemeClr val="accent1"/>
+          </a:lnRef>
+          <a:fillRef idx="0">
+            <a:schemeClr val="accent1"/>
+          </a:fillRef>
+          <a:effectRef idx="0">
+            <a:schemeClr val="accent1"/>
+          </a:effectRef>
+          <a:fontRef idx="minor">
+            <a:schemeClr val="tx1"/>
+          </a:fontRef>
+        </p:style>
+      </p:cxnSp>
+      <p:sp>
+        <p:nvSpPr>
+          <p:cNvPr id="21" name="Rectangle 20">
+            <a:extLst>
+              <a:ext uri="{FF2B5EF4-FFF2-40B4-BE49-F238E27FC236}">
+                <a16:creationId xmlns:a16="http://schemas.microsoft.com/office/drawing/2014/main" id="{C1ED118D-0B3C-6447-A9F5-53ACD00035D2}"/>
+              </a:ext>
+            </a:extLst>
+          </p:cNvPr>
+          <p:cNvSpPr/>
+          <p:nvPr/>
+        </p:nvSpPr>
+        <p:spPr>
+          <a:xfrm>
+            <a:off x="4396946" y="2560938"/>
+            <a:ext cx="1757747" cy="722868"/>
+          </a:xfrm>
+          <a:prstGeom prst="rect">
+            <a:avLst/>
+          </a:prstGeom>
+        </p:spPr>
+        <p:style>
+          <a:lnRef idx="2">
+            <a:schemeClr val="accent1">
+              <a:shade val="50000"/>
+            </a:schemeClr>
+          </a:lnRef>
+          <a:fillRef idx="1">
+            <a:schemeClr val="accent1"/>
+          </a:fillRef>
+          <a:effectRef idx="0">
+            <a:schemeClr val="accent1"/>
+          </a:effectRef>
+          <a:fontRef idx="minor">
+            <a:schemeClr val="lt1"/>
+          </a:fontRef>
+        </p:style>
+        <p:txBody>
+          <a:bodyPr rtlCol="0" anchor="ctr"/>
+          <a:lstStyle/>
+          <a:p>
+            <a:pPr algn="ctr"/>
+            <a:r>
+              <a:rPr lang="en-US" dirty="0"/>
+              <a:t>Athena</a:t>
+            </a:r>
+          </a:p>
+        </p:txBody>
+      </p:sp>
+      <p:sp>
+        <p:nvSpPr>
+          <p:cNvPr id="25" name="Rectangle 24">
+            <a:extLst>
+              <a:ext uri="{FF2B5EF4-FFF2-40B4-BE49-F238E27FC236}">
+                <a16:creationId xmlns:a16="http://schemas.microsoft.com/office/drawing/2014/main" id="{0B523143-8001-5647-A5ED-56428BBF1659}"/>
+              </a:ext>
+            </a:extLst>
+          </p:cNvPr>
+          <p:cNvSpPr/>
+          <p:nvPr/>
+        </p:nvSpPr>
+        <p:spPr>
+          <a:xfrm>
+            <a:off x="5660424" y="886599"/>
+            <a:ext cx="1757747" cy="722868"/>
+          </a:xfrm>
+          <a:prstGeom prst="rect">
+            <a:avLst/>
+          </a:prstGeom>
+        </p:spPr>
+        <p:style>
+          <a:lnRef idx="1">
+            <a:schemeClr val="accent5"/>
+          </a:lnRef>
+          <a:fillRef idx="2">
+            <a:schemeClr val="accent5"/>
+          </a:fillRef>
+          <a:effectRef idx="1">
+            <a:schemeClr val="accent5"/>
+          </a:effectRef>
+          <a:fontRef idx="minor">
+            <a:schemeClr val="dk1"/>
+          </a:fontRef>
+        </p:style>
+        <p:txBody>
+          <a:bodyPr rtlCol="0" anchor="ctr"/>
+          <a:lstStyle/>
+          <a:p>
+            <a:pPr algn="ctr"/>
+            <a:r>
+              <a:rPr lang="en-US" dirty="0"/>
+              <a:t>Notebooks for ML / AI Projects</a:t>
+            </a:r>
+          </a:p>
+        </p:txBody>
+      </p:sp>
+      <p:sp>
+        <p:nvSpPr>
+          <p:cNvPr id="26" name="Rectangle 25">
+            <a:extLst>
+              <a:ext uri="{FF2B5EF4-FFF2-40B4-BE49-F238E27FC236}">
+                <a16:creationId xmlns:a16="http://schemas.microsoft.com/office/drawing/2014/main" id="{F678BBAD-D858-7C4C-B70A-062A38AAC428}"/>
+              </a:ext>
+            </a:extLst>
+          </p:cNvPr>
+          <p:cNvSpPr/>
+          <p:nvPr/>
+        </p:nvSpPr>
+        <p:spPr>
+          <a:xfrm>
+            <a:off x="7432588" y="3926362"/>
+            <a:ext cx="1163594" cy="1427204"/>
+          </a:xfrm>
+          <a:prstGeom prst="rect">
+            <a:avLst/>
+          </a:prstGeom>
+        </p:spPr>
+        <p:style>
+          <a:lnRef idx="2">
+            <a:schemeClr val="accent1">
+              <a:shade val="50000"/>
+            </a:schemeClr>
+          </a:lnRef>
+          <a:fillRef idx="1">
+            <a:schemeClr val="accent1"/>
+          </a:fillRef>
+          <a:effectRef idx="0">
+            <a:schemeClr val="accent1"/>
+          </a:effectRef>
+          <a:fontRef idx="minor">
+            <a:schemeClr val="lt1"/>
+          </a:fontRef>
+        </p:style>
+        <p:txBody>
+          <a:bodyPr rtlCol="0" anchor="ctr"/>
+          <a:lstStyle/>
+          <a:p>
+            <a:pPr algn="ctr"/>
+            <a:r>
+              <a:rPr lang="en-US" dirty="0"/>
+              <a:t>Redshift</a:t>
+            </a:r>
+          </a:p>
+        </p:txBody>
+      </p:sp>
+      <p:sp>
+        <p:nvSpPr>
+          <p:cNvPr id="27" name="Rectangle 26">
+            <a:extLst>
+              <a:ext uri="{FF2B5EF4-FFF2-40B4-BE49-F238E27FC236}">
+                <a16:creationId xmlns:a16="http://schemas.microsoft.com/office/drawing/2014/main" id="{FAECFB8B-2A16-0141-A350-E6CCB4F1EE5F}"/>
+              </a:ext>
+            </a:extLst>
+          </p:cNvPr>
+          <p:cNvSpPr/>
+          <p:nvPr/>
+        </p:nvSpPr>
+        <p:spPr>
+          <a:xfrm>
+            <a:off x="5914767" y="4049929"/>
+            <a:ext cx="1163594" cy="1118287"/>
+          </a:xfrm>
+          <a:prstGeom prst="rect">
+            <a:avLst/>
+          </a:prstGeom>
+        </p:spPr>
+        <p:style>
+          <a:lnRef idx="1">
+            <a:schemeClr val="accent5"/>
+          </a:lnRef>
+          <a:fillRef idx="2">
+            <a:schemeClr val="accent5"/>
+          </a:fillRef>
+          <a:effectRef idx="1">
+            <a:schemeClr val="accent5"/>
+          </a:effectRef>
+          <a:fontRef idx="minor">
+            <a:schemeClr val="dk1"/>
+          </a:fontRef>
+        </p:style>
+        <p:txBody>
+          <a:bodyPr rtlCol="0" anchor="ctr"/>
+          <a:lstStyle/>
+          <a:p>
+            <a:pPr algn="ctr"/>
+            <a:r>
+              <a:rPr lang="en-US" dirty="0"/>
+              <a:t>Load Data</a:t>
+            </a:r>
+          </a:p>
+          <a:p>
+            <a:pPr algn="ctr"/>
+            <a:r>
+              <a:rPr lang="en-US" dirty="0"/>
+              <a:t>From S3 to Redshift</a:t>
+            </a:r>
+          </a:p>
+        </p:txBody>
+      </p:sp>
+      <p:sp>
+        <p:nvSpPr>
+          <p:cNvPr id="28" name="Rectangle 27">
+            <a:extLst>
+              <a:ext uri="{FF2B5EF4-FFF2-40B4-BE49-F238E27FC236}">
+                <a16:creationId xmlns:a16="http://schemas.microsoft.com/office/drawing/2014/main" id="{74FBD127-D84F-7844-9612-E2553C336FA0}"/>
+              </a:ext>
+            </a:extLst>
+          </p:cNvPr>
+          <p:cNvSpPr/>
+          <p:nvPr/>
+        </p:nvSpPr>
+        <p:spPr>
+          <a:xfrm>
+            <a:off x="9394221" y="3317789"/>
+            <a:ext cx="2480621" cy="2934732"/>
+          </a:xfrm>
+          <a:prstGeom prst="rect">
+            <a:avLst/>
+          </a:prstGeom>
+        </p:spPr>
+        <p:style>
+          <a:lnRef idx="1">
+            <a:schemeClr val="accent5"/>
+          </a:lnRef>
+          <a:fillRef idx="2">
+            <a:schemeClr val="accent5"/>
+          </a:fillRef>
+          <a:effectRef idx="1">
+            <a:schemeClr val="accent5"/>
+          </a:effectRef>
+          <a:fontRef idx="minor">
+            <a:schemeClr val="dk1"/>
+          </a:fontRef>
+        </p:style>
+        <p:txBody>
+          <a:bodyPr rtlCol="0" anchor="ctr"/>
+          <a:lstStyle/>
+          <a:p>
+            <a:pPr algn="ctr"/>
+            <a:r>
+              <a:rPr lang="en-US" dirty="0"/>
+              <a:t>Kibana</a:t>
+            </a:r>
+          </a:p>
+          <a:p>
+            <a:pPr algn="ctr"/>
+            <a:r>
+              <a:rPr lang="en-US" dirty="0"/>
+              <a:t>UI Dashboard</a:t>
+            </a:r>
+          </a:p>
+        </p:txBody>
+      </p:sp>
+      <p:cxnSp>
+        <p:nvCxnSpPr>
+          <p:cNvPr id="30" name="Elbow Connector 29">
+            <a:extLst>
+              <a:ext uri="{FF2B5EF4-FFF2-40B4-BE49-F238E27FC236}">
+                <a16:creationId xmlns:a16="http://schemas.microsoft.com/office/drawing/2014/main" id="{B3EF62B0-8799-8F44-830B-0C81F0744D4F}"/>
+              </a:ext>
+            </a:extLst>
+          </p:cNvPr>
+          <p:cNvCxnSpPr>
+            <a:stCxn id="26" idx="3"/>
+            <a:endCxn id="28" idx="1"/>
+          </p:cNvCxnSpPr>
+          <p:nvPr/>
+        </p:nvCxnSpPr>
+        <p:spPr>
+          <a:xfrm>
+            <a:off x="8596182" y="4639964"/>
+            <a:ext cx="798039" cy="145191"/>
+          </a:xfrm>
+          <a:prstGeom prst="bentConnector3">
+            <a:avLst/>
+          </a:prstGeom>
+          <a:ln>
+            <a:tailEnd type="triangle"/>
+          </a:ln>
+        </p:spPr>
+        <p:style>
+          <a:lnRef idx="1">
+            <a:schemeClr val="accent1"/>
+          </a:lnRef>
+          <a:fillRef idx="0">
+            <a:schemeClr val="accent1"/>
+          </a:fillRef>
+          <a:effectRef idx="0">
+            <a:schemeClr val="accent1"/>
+          </a:effectRef>
+          <a:fontRef idx="minor">
+            <a:schemeClr val="tx1"/>
+          </a:fontRef>
+        </p:style>
+      </p:cxnSp>
+      <p:cxnSp>
+        <p:nvCxnSpPr>
+          <p:cNvPr id="32" name="Elbow Connector 31">
+            <a:extLst>
+              <a:ext uri="{FF2B5EF4-FFF2-40B4-BE49-F238E27FC236}">
+                <a16:creationId xmlns:a16="http://schemas.microsoft.com/office/drawing/2014/main" id="{198D3DB1-A9B3-984B-9D3A-BA265265CAA2}"/>
+              </a:ext>
+            </a:extLst>
+          </p:cNvPr>
+          <p:cNvCxnSpPr>
+            <a:stCxn id="4" idx="0"/>
+            <a:endCxn id="21" idx="2"/>
+          </p:cNvCxnSpPr>
+          <p:nvPr/>
+        </p:nvCxnSpPr>
+        <p:spPr>
+          <a:xfrm rot="5400000" flipH="1" flipV="1">
+            <a:off x="4806003" y="3456546"/>
+            <a:ext cx="642556" cy="297077"/>
+          </a:xfrm>
+          <a:prstGeom prst="bentConnector3">
+            <a:avLst/>
+          </a:prstGeom>
+          <a:ln>
+            <a:tailEnd type="triangle"/>
+          </a:ln>
+        </p:spPr>
+        <p:style>
+          <a:lnRef idx="1">
+            <a:schemeClr val="accent1"/>
+          </a:lnRef>
+          <a:fillRef idx="0">
+            <a:schemeClr val="accent1"/>
+          </a:fillRef>
+          <a:effectRef idx="0">
+            <a:schemeClr val="accent1"/>
+          </a:effectRef>
+          <a:fontRef idx="minor">
+            <a:schemeClr val="tx1"/>
+          </a:fontRef>
+        </p:style>
+      </p:cxnSp>
+      <p:cxnSp>
+        <p:nvCxnSpPr>
+          <p:cNvPr id="34" name="Elbow Connector 33">
+            <a:extLst>
+              <a:ext uri="{FF2B5EF4-FFF2-40B4-BE49-F238E27FC236}">
+                <a16:creationId xmlns:a16="http://schemas.microsoft.com/office/drawing/2014/main" id="{77BA3BB4-7B51-0846-8636-909A0A3E6D94}"/>
+              </a:ext>
+            </a:extLst>
+          </p:cNvPr>
+          <p:cNvCxnSpPr>
+            <a:stCxn id="4" idx="3"/>
+            <a:endCxn id="27" idx="1"/>
+          </p:cNvCxnSpPr>
+          <p:nvPr/>
+        </p:nvCxnSpPr>
+        <p:spPr>
+          <a:xfrm flipV="1">
+            <a:off x="5560540" y="4609073"/>
+            <a:ext cx="354227" cy="30891"/>
+          </a:xfrm>
+          <a:prstGeom prst="bentConnector3">
+            <a:avLst/>
+          </a:prstGeom>
+          <a:ln>
+            <a:tailEnd type="triangle"/>
+          </a:ln>
+        </p:spPr>
+        <p:style>
+          <a:lnRef idx="1">
+            <a:schemeClr val="accent1"/>
+          </a:lnRef>
+          <a:fillRef idx="0">
+            <a:schemeClr val="accent1"/>
+          </a:fillRef>
+          <a:effectRef idx="0">
+            <a:schemeClr val="accent1"/>
+          </a:effectRef>
+          <a:fontRef idx="minor">
+            <a:schemeClr val="tx1"/>
+          </a:fontRef>
+        </p:style>
+      </p:cxnSp>
+      <p:cxnSp>
+        <p:nvCxnSpPr>
+          <p:cNvPr id="36" name="Elbow Connector 35">
+            <a:extLst>
+              <a:ext uri="{FF2B5EF4-FFF2-40B4-BE49-F238E27FC236}">
+                <a16:creationId xmlns:a16="http://schemas.microsoft.com/office/drawing/2014/main" id="{E6E79104-ECB2-E54F-A7F7-EFDD60697D70}"/>
+              </a:ext>
+            </a:extLst>
+          </p:cNvPr>
+          <p:cNvCxnSpPr>
+            <a:stCxn id="27" idx="3"/>
+            <a:endCxn id="26" idx="1"/>
+          </p:cNvCxnSpPr>
+          <p:nvPr/>
+        </p:nvCxnSpPr>
+        <p:spPr>
+          <a:xfrm>
+            <a:off x="7078361" y="4609073"/>
+            <a:ext cx="354227" cy="30891"/>
+          </a:xfrm>
+          <a:prstGeom prst="bentConnector3">
+            <a:avLst/>
+          </a:prstGeom>
+          <a:ln>
+            <a:tailEnd type="triangle"/>
+          </a:ln>
+        </p:spPr>
+        <p:style>
+          <a:lnRef idx="1">
+            <a:schemeClr val="accent1"/>
+          </a:lnRef>
+          <a:fillRef idx="0">
+            <a:schemeClr val="accent1"/>
+          </a:fillRef>
+          <a:effectRef idx="0">
+            <a:schemeClr val="accent1"/>
+          </a:effectRef>
+          <a:fontRef idx="minor">
+            <a:schemeClr val="tx1"/>
+          </a:fontRef>
+        </p:style>
+      </p:cxnSp>
+      <p:sp>
+        <p:nvSpPr>
+          <p:cNvPr id="37" name="TextBox 36">
+            <a:extLst>
+              <a:ext uri="{FF2B5EF4-FFF2-40B4-BE49-F238E27FC236}">
+                <a16:creationId xmlns:a16="http://schemas.microsoft.com/office/drawing/2014/main" id="{403C4DBD-2EF7-8645-A469-C01CFECFF619}"/>
+              </a:ext>
+            </a:extLst>
+          </p:cNvPr>
+          <p:cNvSpPr txBox="1"/>
+          <p:nvPr/>
+        </p:nvSpPr>
+        <p:spPr>
+          <a:xfrm>
+            <a:off x="1025611" y="98854"/>
+            <a:ext cx="3163330" cy="369332"/>
+          </a:xfrm>
+          <a:prstGeom prst="rect">
+            <a:avLst/>
+          </a:prstGeom>
+          <a:noFill/>
+        </p:spPr>
+        <p:txBody>
+          <a:bodyPr wrap="square" rtlCol="0">
+            <a:spAutoFit/>
+          </a:bodyPr>
+          <a:lstStyle/>
+          <a:p>
+            <a:r>
+              <a:rPr lang="en-US" dirty="0"/>
+              <a:t>Data Pipeline for AWS</a:t>
+            </a:r>
+          </a:p>
+        </p:txBody>
+      </p:sp>
+      <p:sp>
+        <p:nvSpPr>
+          <p:cNvPr id="20" name="Rectangle 19">
+            <a:extLst>
+              <a:ext uri="{FF2B5EF4-FFF2-40B4-BE49-F238E27FC236}">
+                <a16:creationId xmlns:a16="http://schemas.microsoft.com/office/drawing/2014/main" id="{1055FBF7-C121-C842-BEF6-9E9C97AB3BEF}"/>
+              </a:ext>
+            </a:extLst>
+          </p:cNvPr>
+          <p:cNvSpPr/>
+          <p:nvPr/>
+        </p:nvSpPr>
+        <p:spPr>
+          <a:xfrm>
+            <a:off x="6495533" y="2567119"/>
+            <a:ext cx="1757747" cy="722868"/>
+          </a:xfrm>
+          <a:prstGeom prst="rect">
+            <a:avLst/>
+          </a:prstGeom>
+        </p:spPr>
+        <p:style>
+          <a:lnRef idx="2">
+            <a:schemeClr val="accent1">
+              <a:shade val="50000"/>
+            </a:schemeClr>
+          </a:lnRef>
+          <a:fillRef idx="1">
+            <a:schemeClr val="accent1"/>
+          </a:fillRef>
+          <a:effectRef idx="0">
+            <a:schemeClr val="accent1"/>
+          </a:effectRef>
+          <a:fontRef idx="minor">
+            <a:schemeClr val="lt1"/>
+          </a:fontRef>
+        </p:style>
+        <p:txBody>
+          <a:bodyPr rtlCol="0" anchor="ctr"/>
+          <a:lstStyle/>
+          <a:p>
+            <a:pPr algn="ctr"/>
+            <a:r>
+              <a:rPr lang="en-US" dirty="0"/>
+              <a:t>Glue</a:t>
+            </a:r>
+          </a:p>
+        </p:txBody>
+      </p:sp>
+      <p:cxnSp>
+        <p:nvCxnSpPr>
+          <p:cNvPr id="9" name="Elbow Connector 8">
+            <a:extLst>
+              <a:ext uri="{FF2B5EF4-FFF2-40B4-BE49-F238E27FC236}">
+                <a16:creationId xmlns:a16="http://schemas.microsoft.com/office/drawing/2014/main" id="{34690216-B216-4E42-8541-4D1636B005A8}"/>
+              </a:ext>
+            </a:extLst>
+          </p:cNvPr>
+          <p:cNvCxnSpPr>
+            <a:stCxn id="25" idx="2"/>
+            <a:endCxn id="21" idx="0"/>
+          </p:cNvCxnSpPr>
+          <p:nvPr/>
+        </p:nvCxnSpPr>
+        <p:spPr>
+          <a:xfrm rot="5400000">
+            <a:off x="5431824" y="1453463"/>
+            <a:ext cx="951471" cy="1263478"/>
+          </a:xfrm>
+          <a:prstGeom prst="bentConnector3">
+            <a:avLst/>
+          </a:prstGeom>
+          <a:ln>
+            <a:headEnd type="triangle"/>
+            <a:tailEnd type="triangle"/>
+          </a:ln>
+        </p:spPr>
+        <p:style>
+          <a:lnRef idx="1">
+            <a:schemeClr val="accent1"/>
+          </a:lnRef>
+          <a:fillRef idx="0">
+            <a:schemeClr val="accent1"/>
+          </a:fillRef>
+          <a:effectRef idx="0">
+            <a:schemeClr val="accent1"/>
+          </a:effectRef>
+          <a:fontRef idx="minor">
+            <a:schemeClr val="tx1"/>
+          </a:fontRef>
+        </p:style>
+      </p:cxnSp>
+      <p:cxnSp>
+        <p:nvCxnSpPr>
+          <p:cNvPr id="23" name="Elbow Connector 22">
+            <a:extLst>
+              <a:ext uri="{FF2B5EF4-FFF2-40B4-BE49-F238E27FC236}">
+                <a16:creationId xmlns:a16="http://schemas.microsoft.com/office/drawing/2014/main" id="{EBACBAFE-BF0B-DC49-AAF4-6C2C7393DEC7}"/>
+              </a:ext>
+            </a:extLst>
+          </p:cNvPr>
+          <p:cNvCxnSpPr>
+            <a:cxnSpLocks/>
+            <a:stCxn id="25" idx="2"/>
+            <a:endCxn id="20" idx="0"/>
+          </p:cNvCxnSpPr>
+          <p:nvPr/>
+        </p:nvCxnSpPr>
+        <p:spPr>
+          <a:xfrm rot="16200000" flipH="1">
+            <a:off x="6478026" y="1670738"/>
+            <a:ext cx="957652" cy="835109"/>
+          </a:xfrm>
+          <a:prstGeom prst="bentConnector3">
+            <a:avLst>
+              <a:gd name="adj1" fmla="val 50000"/>
+            </a:avLst>
+          </a:prstGeom>
+          <a:ln>
+            <a:headEnd type="triangle"/>
+            <a:tailEnd type="triangle"/>
+          </a:ln>
+        </p:spPr>
+        <p:style>
+          <a:lnRef idx="1">
+            <a:schemeClr val="accent1"/>
+          </a:lnRef>
+          <a:fillRef idx="0">
+            <a:schemeClr val="accent1"/>
+          </a:fillRef>
+          <a:effectRef idx="0">
+            <a:schemeClr val="accent1"/>
+          </a:effectRef>
+          <a:fontRef idx="minor">
+            <a:schemeClr val="tx1"/>
+          </a:fontRef>
+        </p:style>
+      </p:cxnSp>
+      <p:sp>
+        <p:nvSpPr>
+          <p:cNvPr id="15" name="TextBox 14">
+            <a:extLst>
+              <a:ext uri="{FF2B5EF4-FFF2-40B4-BE49-F238E27FC236}">
+                <a16:creationId xmlns:a16="http://schemas.microsoft.com/office/drawing/2014/main" id="{DEA76E77-125E-2C48-B7A5-86D43851AAA5}"/>
+              </a:ext>
+            </a:extLst>
+          </p:cNvPr>
+          <p:cNvSpPr txBox="1"/>
+          <p:nvPr/>
+        </p:nvSpPr>
+        <p:spPr>
+          <a:xfrm>
+            <a:off x="7886700" y="628650"/>
+            <a:ext cx="857250" cy="646331"/>
+          </a:xfrm>
+          <a:prstGeom prst="rect">
+            <a:avLst/>
+          </a:prstGeom>
+          <a:noFill/>
+        </p:spPr>
+        <p:txBody>
+          <a:bodyPr wrap="square" rtlCol="0">
+            <a:spAutoFit/>
+          </a:bodyPr>
+          <a:lstStyle/>
+          <a:p>
+            <a:r>
+              <a:rPr lang="en-US" dirty="0"/>
+              <a:t>Phase 2</a:t>
+            </a:r>
+          </a:p>
+        </p:txBody>
+      </p:sp>
+    </p:spTree>
+    <p:extLst>
+      <p:ext uri="{BB962C8B-B14F-4D97-AF65-F5344CB8AC3E}">
+        <p14:creationId xmlns:p14="http://schemas.microsoft.com/office/powerpoint/2010/main" val="1958220777"/>
+      </p:ext>
+    </p:extLst>
+  </p:cSld>
+  <p:clrMapOvr>
+    <a:masterClrMapping/>
+  </p:clrMapOvr>
+</p:sld>
+</file>
+
+<file path=ppt/slides/slide5.xml><?xml version="1.0" encoding="utf-8"?>
+<p:sld xmlns:a="http://schemas.openxmlformats.org/drawingml/2006/main" xmlns:r="http://schemas.openxmlformats.org/officeDocument/2006/relationships" xmlns:p="http://schemas.openxmlformats.org/presentationml/2006/main">
+  <p:cSld>
+    <p:spTree>
+      <p:nvGrpSpPr>
+        <p:cNvPr id="1" name=""/>
+        <p:cNvGrpSpPr/>
+        <p:nvPr/>
+      </p:nvGrpSpPr>
+      <p:grpSpPr>
+        <a:xfrm>
+          <a:off x="0" y="0"/>
+          <a:ext cx="0" cy="0"/>
+          <a:chOff x="0" y="0"/>
+          <a:chExt cx="0" cy="0"/>
+        </a:xfrm>
+      </p:grpSpPr>
+      <p:sp>
+        <p:nvSpPr>
+          <p:cNvPr id="7" name="Rounded Rectangle 6">
+            <a:extLst>
+              <a:ext uri="{FF2B5EF4-FFF2-40B4-BE49-F238E27FC236}">
+                <a16:creationId xmlns:a16="http://schemas.microsoft.com/office/drawing/2014/main" id="{5203ABD3-63FB-5F41-9EF8-9D69039B2B2D}"/>
+              </a:ext>
+            </a:extLst>
+          </p:cNvPr>
+          <p:cNvSpPr/>
+          <p:nvPr/>
+        </p:nvSpPr>
+        <p:spPr>
+          <a:xfrm>
+            <a:off x="1742303" y="778476"/>
+            <a:ext cx="9242854" cy="5820032"/>
+          </a:xfrm>
+          <a:prstGeom prst="roundRect">
+            <a:avLst/>
+          </a:prstGeom>
+        </p:spPr>
+        <p:style>
+          <a:lnRef idx="2">
+            <a:schemeClr val="accent2"/>
+          </a:lnRef>
+          <a:fillRef idx="1">
+            <a:schemeClr val="lt1"/>
+          </a:fillRef>
+          <a:effectRef idx="0">
+            <a:schemeClr val="accent2"/>
+          </a:effectRef>
+          <a:fontRef idx="minor">
+            <a:schemeClr val="dk1"/>
+          </a:fontRef>
+        </p:style>
+        <p:txBody>
+          <a:bodyPr rtlCol="0" anchor="ctr"/>
+          <a:lstStyle/>
+          <a:p>
+            <a:pPr algn="ctr"/>
+            <a:endParaRPr lang="en-US"/>
+          </a:p>
+        </p:txBody>
+      </p:sp>
+      <p:sp>
+        <p:nvSpPr>
+          <p:cNvPr id="9" name="Rectangle 8">
+            <a:extLst>
+              <a:ext uri="{FF2B5EF4-FFF2-40B4-BE49-F238E27FC236}">
+                <a16:creationId xmlns:a16="http://schemas.microsoft.com/office/drawing/2014/main" id="{86F27086-D029-CD4E-AB2F-7A0AA1D9926A}"/>
+              </a:ext>
+            </a:extLst>
+          </p:cNvPr>
+          <p:cNvSpPr/>
+          <p:nvPr/>
+        </p:nvSpPr>
+        <p:spPr>
+          <a:xfrm>
+            <a:off x="3212757" y="986135"/>
+            <a:ext cx="5758248" cy="369502"/>
+          </a:xfrm>
+          <a:prstGeom prst="rect">
+            <a:avLst/>
+          </a:prstGeom>
+        </p:spPr>
+        <p:style>
+          <a:lnRef idx="2">
+            <a:schemeClr val="accent1">
+              <a:shade val="50000"/>
+            </a:schemeClr>
+          </a:lnRef>
+          <a:fillRef idx="1">
+            <a:schemeClr val="accent1"/>
+          </a:fillRef>
+          <a:effectRef idx="0">
+            <a:schemeClr val="accent1"/>
+          </a:effectRef>
+          <a:fontRef idx="minor">
+            <a:schemeClr val="lt1"/>
+          </a:fontRef>
+        </p:style>
+        <p:txBody>
+          <a:bodyPr rtlCol="0" anchor="ctr"/>
+          <a:lstStyle/>
+          <a:p>
+            <a:pPr algn="ctr"/>
+            <a:endParaRPr lang="en-US"/>
+          </a:p>
+        </p:txBody>
+      </p:sp>
+      <p:sp>
+        <p:nvSpPr>
+          <p:cNvPr id="2" name="Rectangle 1">
+            <a:extLst>
+              <a:ext uri="{FF2B5EF4-FFF2-40B4-BE49-F238E27FC236}">
+                <a16:creationId xmlns:a16="http://schemas.microsoft.com/office/drawing/2014/main" id="{B98E6A9F-A2C8-C143-8BFC-49CD1A12A926}"/>
+              </a:ext>
+            </a:extLst>
+          </p:cNvPr>
+          <p:cNvSpPr/>
+          <p:nvPr/>
+        </p:nvSpPr>
+        <p:spPr>
+          <a:xfrm>
+            <a:off x="3015048" y="1779372"/>
+            <a:ext cx="3076833" cy="1940011"/>
+          </a:xfrm>
+          <a:prstGeom prst="rect">
+            <a:avLst/>
+          </a:prstGeom>
+        </p:spPr>
+        <p:style>
+          <a:lnRef idx="2">
+            <a:schemeClr val="accent1">
+              <a:shade val="50000"/>
+            </a:schemeClr>
+          </a:lnRef>
+          <a:fillRef idx="1">
+            <a:schemeClr val="accent1"/>
+          </a:fillRef>
+          <a:effectRef idx="0">
+            <a:schemeClr val="accent1"/>
+          </a:effectRef>
+          <a:fontRef idx="minor">
+            <a:schemeClr val="lt1"/>
+          </a:fontRef>
+        </p:style>
+        <p:txBody>
+          <a:bodyPr rtlCol="0" anchor="ctr"/>
+          <a:lstStyle/>
+          <a:p>
+            <a:pPr algn="ctr"/>
+            <a:r>
+              <a:rPr lang="en-US" dirty="0"/>
+              <a:t>Basic Account Information  ( Data from Salesforce)</a:t>
+            </a:r>
+          </a:p>
+        </p:txBody>
+      </p:sp>
+      <p:sp>
+        <p:nvSpPr>
+          <p:cNvPr id="3" name="Rectangle 2">
+            <a:extLst>
+              <a:ext uri="{FF2B5EF4-FFF2-40B4-BE49-F238E27FC236}">
+                <a16:creationId xmlns:a16="http://schemas.microsoft.com/office/drawing/2014/main" id="{5FD87730-759B-6E4D-AFB9-BD03FF332219}"/>
+              </a:ext>
+            </a:extLst>
+          </p:cNvPr>
+          <p:cNvSpPr/>
+          <p:nvPr/>
+        </p:nvSpPr>
+        <p:spPr>
+          <a:xfrm>
+            <a:off x="3015048" y="4417540"/>
+            <a:ext cx="3076833" cy="1940011"/>
+          </a:xfrm>
+          <a:prstGeom prst="rect">
+            <a:avLst/>
+          </a:prstGeom>
+        </p:spPr>
+        <p:style>
+          <a:lnRef idx="2">
+            <a:schemeClr val="accent1">
+              <a:shade val="50000"/>
+            </a:schemeClr>
+          </a:lnRef>
+          <a:fillRef idx="1">
+            <a:schemeClr val="accent1"/>
+          </a:fillRef>
+          <a:effectRef idx="0">
+            <a:schemeClr val="accent1"/>
+          </a:effectRef>
+          <a:fontRef idx="minor">
+            <a:schemeClr val="lt1"/>
+          </a:fontRef>
+        </p:style>
+        <p:txBody>
+          <a:bodyPr rtlCol="0" anchor="ctr"/>
+          <a:lstStyle/>
+          <a:p>
+            <a:pPr algn="ctr"/>
+            <a:r>
+              <a:rPr lang="en-US" dirty="0"/>
+              <a:t>Order History</a:t>
+            </a:r>
+          </a:p>
+          <a:p>
+            <a:pPr algn="ctr"/>
+            <a:r>
+              <a:rPr lang="en-US" dirty="0"/>
+              <a:t>( Just showing </a:t>
+            </a:r>
+            <a:r>
+              <a:rPr lang="en-US" dirty="0" err="1"/>
+              <a:t>aggregrated</a:t>
+            </a:r>
+            <a:r>
+              <a:rPr lang="en-US" dirty="0"/>
+              <a:t> data by each month)</a:t>
+            </a:r>
+          </a:p>
+          <a:p>
+            <a:pPr algn="ctr"/>
+            <a:r>
+              <a:rPr lang="en-US" dirty="0"/>
+              <a:t>Graph Bar </a:t>
+            </a:r>
+          </a:p>
+        </p:txBody>
+      </p:sp>
+      <p:sp>
+        <p:nvSpPr>
+          <p:cNvPr id="4" name="Rectangle 3">
+            <a:extLst>
+              <a:ext uri="{FF2B5EF4-FFF2-40B4-BE49-F238E27FC236}">
+                <a16:creationId xmlns:a16="http://schemas.microsoft.com/office/drawing/2014/main" id="{C4466243-02A3-304E-8B79-3AF5F00B9017}"/>
+              </a:ext>
+            </a:extLst>
+          </p:cNvPr>
+          <p:cNvSpPr/>
+          <p:nvPr/>
+        </p:nvSpPr>
+        <p:spPr>
+          <a:xfrm>
+            <a:off x="6952736" y="1779371"/>
+            <a:ext cx="3076833" cy="1940011"/>
+          </a:xfrm>
+          <a:prstGeom prst="rect">
+            <a:avLst/>
+          </a:prstGeom>
+        </p:spPr>
+        <p:style>
+          <a:lnRef idx="2">
+            <a:schemeClr val="accent1">
+              <a:shade val="50000"/>
+            </a:schemeClr>
+          </a:lnRef>
+          <a:fillRef idx="1">
+            <a:schemeClr val="accent1"/>
+          </a:fillRef>
+          <a:effectRef idx="0">
+            <a:schemeClr val="accent1"/>
+          </a:effectRef>
+          <a:fontRef idx="minor">
+            <a:schemeClr val="lt1"/>
+          </a:fontRef>
+        </p:style>
+        <p:txBody>
+          <a:bodyPr rtlCol="0" anchor="ctr"/>
+          <a:lstStyle/>
+          <a:p>
+            <a:pPr algn="ctr"/>
+            <a:r>
+              <a:rPr lang="en-US" dirty="0"/>
+              <a:t>Churn / Sentiment / Upsell Indicators</a:t>
+            </a:r>
+          </a:p>
+        </p:txBody>
+      </p:sp>
+      <p:sp>
+        <p:nvSpPr>
+          <p:cNvPr id="5" name="Rectangle 4">
+            <a:extLst>
+              <a:ext uri="{FF2B5EF4-FFF2-40B4-BE49-F238E27FC236}">
+                <a16:creationId xmlns:a16="http://schemas.microsoft.com/office/drawing/2014/main" id="{2497812C-23AB-384E-BEFC-7C7384FABC6C}"/>
+              </a:ext>
+            </a:extLst>
+          </p:cNvPr>
+          <p:cNvSpPr/>
+          <p:nvPr/>
+        </p:nvSpPr>
+        <p:spPr>
+          <a:xfrm>
+            <a:off x="6952735" y="4417540"/>
+            <a:ext cx="3076833" cy="1940011"/>
+          </a:xfrm>
+          <a:prstGeom prst="rect">
+            <a:avLst/>
+          </a:prstGeom>
+        </p:spPr>
+        <p:style>
+          <a:lnRef idx="2">
+            <a:schemeClr val="accent1">
+              <a:shade val="50000"/>
+            </a:schemeClr>
+          </a:lnRef>
+          <a:fillRef idx="1">
+            <a:schemeClr val="accent1"/>
+          </a:fillRef>
+          <a:effectRef idx="0">
+            <a:schemeClr val="accent1"/>
+          </a:effectRef>
+          <a:fontRef idx="minor">
+            <a:schemeClr val="lt1"/>
+          </a:fontRef>
+        </p:style>
+        <p:txBody>
+          <a:bodyPr rtlCol="0" anchor="ctr"/>
+          <a:lstStyle/>
+          <a:p>
+            <a:pPr algn="ctr"/>
+            <a:r>
+              <a:rPr lang="en-US" dirty="0"/>
+              <a:t>Click Stream data ( Showing any activity on the website)</a:t>
+            </a:r>
+          </a:p>
+          <a:p>
+            <a:pPr algn="ctr"/>
+            <a:r>
+              <a:rPr lang="en-US" dirty="0"/>
+              <a:t> </a:t>
+            </a:r>
+          </a:p>
+        </p:txBody>
+      </p:sp>
+      <p:sp>
+        <p:nvSpPr>
+          <p:cNvPr id="6" name="TextBox 5">
+            <a:extLst>
+              <a:ext uri="{FF2B5EF4-FFF2-40B4-BE49-F238E27FC236}">
+                <a16:creationId xmlns:a16="http://schemas.microsoft.com/office/drawing/2014/main" id="{31C04982-F5F1-3548-ABE8-CA6981E412ED}"/>
+              </a:ext>
+            </a:extLst>
+          </p:cNvPr>
+          <p:cNvSpPr txBox="1"/>
+          <p:nvPr/>
+        </p:nvSpPr>
+        <p:spPr>
+          <a:xfrm>
+            <a:off x="432486" y="169906"/>
+            <a:ext cx="3991232" cy="369332"/>
+          </a:xfrm>
+          <a:prstGeom prst="rect">
+            <a:avLst/>
+          </a:prstGeom>
+          <a:noFill/>
+        </p:spPr>
+        <p:txBody>
+          <a:bodyPr wrap="square" rtlCol="0">
+            <a:spAutoFit/>
+          </a:bodyPr>
+          <a:lstStyle/>
+          <a:p>
+            <a:r>
+              <a:rPr lang="en-US" dirty="0"/>
+              <a:t>Kibana Dashboard</a:t>
+            </a:r>
+          </a:p>
+        </p:txBody>
+      </p:sp>
+      <p:sp>
+        <p:nvSpPr>
+          <p:cNvPr id="8" name="TextBox 7">
+            <a:extLst>
+              <a:ext uri="{FF2B5EF4-FFF2-40B4-BE49-F238E27FC236}">
+                <a16:creationId xmlns:a16="http://schemas.microsoft.com/office/drawing/2014/main" id="{DEE34599-0304-1B47-AE62-D87EB84A5532}"/>
+              </a:ext>
+            </a:extLst>
+          </p:cNvPr>
+          <p:cNvSpPr txBox="1"/>
+          <p:nvPr/>
+        </p:nvSpPr>
+        <p:spPr>
+          <a:xfrm>
+            <a:off x="3336324" y="986135"/>
+            <a:ext cx="5770606" cy="369332"/>
+          </a:xfrm>
+          <a:prstGeom prst="rect">
+            <a:avLst/>
+          </a:prstGeom>
+          <a:noFill/>
+        </p:spPr>
+        <p:txBody>
+          <a:bodyPr wrap="square" rtlCol="0">
+            <a:spAutoFit/>
+          </a:bodyPr>
+          <a:lstStyle/>
+          <a:p>
+            <a:r>
+              <a:rPr lang="en-US" dirty="0"/>
+              <a:t>Customer Search Bar</a:t>
+            </a:r>
+          </a:p>
+        </p:txBody>
+      </p:sp>
+      <p:sp>
+        <p:nvSpPr>
+          <p:cNvPr id="10" name="TextBox 9">
+            <a:extLst>
+              <a:ext uri="{FF2B5EF4-FFF2-40B4-BE49-F238E27FC236}">
+                <a16:creationId xmlns:a16="http://schemas.microsoft.com/office/drawing/2014/main" id="{74134889-564B-D948-8A44-FB1808A53AB6}"/>
+              </a:ext>
+            </a:extLst>
+          </p:cNvPr>
+          <p:cNvSpPr txBox="1"/>
+          <p:nvPr/>
+        </p:nvSpPr>
+        <p:spPr>
+          <a:xfrm>
+            <a:off x="4992130" y="118072"/>
+            <a:ext cx="5993027" cy="369332"/>
+          </a:xfrm>
+          <a:prstGeom prst="rect">
+            <a:avLst/>
+          </a:prstGeom>
+          <a:noFill/>
+        </p:spPr>
+        <p:txBody>
+          <a:bodyPr wrap="square" rtlCol="0">
+            <a:spAutoFit/>
+          </a:bodyPr>
+          <a:lstStyle/>
+          <a:p>
+            <a:r>
+              <a:rPr lang="en-US" dirty="0"/>
+              <a:t>Single Dashboard with few widgets</a:t>
+            </a:r>
+          </a:p>
+        </p:txBody>
+      </p:sp>
+    </p:spTree>
+    <p:extLst>
+      <p:ext uri="{BB962C8B-B14F-4D97-AF65-F5344CB8AC3E}">
+        <p14:creationId xmlns:p14="http://schemas.microsoft.com/office/powerpoint/2010/main" val="2946397593"/>
+      </p:ext>
+    </p:extLst>
+  </p:cSld>
+  <p:clrMapOvr>
+    <a:masterClrMapping/>
+  </p:clrMapOvr>
+</p:sld>
+</file>
+
+<file path=ppt/slides/slide6.xml><?xml version="1.0" encoding="utf-8"?>
+<p:sld xmlns:a="http://schemas.openxmlformats.org/drawingml/2006/main" xmlns:r="http://schemas.openxmlformats.org/officeDocument/2006/relationships" xmlns:p="http://schemas.openxmlformats.org/presentationml/2006/main">
+  <p:cSld>
+    <p:spTree>
+      <p:nvGrpSpPr>
+        <p:cNvPr id="1" name=""/>
+        <p:cNvGrpSpPr/>
+        <p:nvPr/>
+      </p:nvGrpSpPr>
+      <p:grpSpPr>
+        <a:xfrm>
+          <a:off x="0" y="0"/>
+          <a:ext cx="0" cy="0"/>
+          <a:chOff x="0" y="0"/>
+          <a:chExt cx="0" cy="0"/>
+        </a:xfrm>
+      </p:grpSpPr>
+      <p:graphicFrame>
+        <p:nvGraphicFramePr>
+          <p:cNvPr id="2" name="Table 1">
+            <a:extLst>
+              <a:ext uri="{FF2B5EF4-FFF2-40B4-BE49-F238E27FC236}">
+                <a16:creationId xmlns:a16="http://schemas.microsoft.com/office/drawing/2014/main" id="{F38F38E5-A032-344D-A43E-D8B131D377C2}"/>
+              </a:ext>
+            </a:extLst>
+          </p:cNvPr>
+          <p:cNvGraphicFramePr>
+            <a:graphicFrameLocks noGrp="1"/>
+          </p:cNvGraphicFramePr>
+          <p:nvPr>
+            <p:extLst>
+              <p:ext uri="{D42A27DB-BD31-4B8C-83A1-F6EECF244321}">
+                <p14:modId xmlns:p14="http://schemas.microsoft.com/office/powerpoint/2010/main" val="2226828112"/>
+              </p:ext>
+            </p:extLst>
+          </p:nvPr>
+        </p:nvGraphicFramePr>
+        <p:xfrm>
+          <a:off x="259492" y="210067"/>
+          <a:ext cx="11195223" cy="6638168"/>
+        </p:xfrm>
+        <a:graphic>
+          <a:graphicData uri="http://schemas.openxmlformats.org/drawingml/2006/table">
+            <a:tbl>
+              <a:tblPr firstRow="1" bandRow="1">
+                <a:tableStyleId>{5C22544A-7EE6-4342-B048-85BDC9FD1C3A}</a:tableStyleId>
+              </a:tblPr>
+              <a:tblGrid>
+                <a:gridCol w="1308372">
+                  <a:extLst>
+                    <a:ext uri="{9D8B030D-6E8A-4147-A177-3AD203B41FA5}">
+                      <a16:colId xmlns:a16="http://schemas.microsoft.com/office/drawing/2014/main" val="3767534341"/>
+                    </a:ext>
+                  </a:extLst>
+                </a:gridCol>
+                <a:gridCol w="6155110">
+                  <a:extLst>
+                    <a:ext uri="{9D8B030D-6E8A-4147-A177-3AD203B41FA5}">
+                      <a16:colId xmlns:a16="http://schemas.microsoft.com/office/drawing/2014/main" val="2431362080"/>
+                    </a:ext>
+                  </a:extLst>
+                </a:gridCol>
+                <a:gridCol w="3731741">
+                  <a:extLst>
+                    <a:ext uri="{9D8B030D-6E8A-4147-A177-3AD203B41FA5}">
+                      <a16:colId xmlns:a16="http://schemas.microsoft.com/office/drawing/2014/main" val="3267001962"/>
+                    </a:ext>
+                  </a:extLst>
+                </a:gridCol>
+              </a:tblGrid>
+              <a:tr h="344235">
+                <a:tc>
+                  <a:txBody>
+                    <a:bodyPr/>
+                    <a:lstStyle/>
+                    <a:p>
+                      <a:r>
+                        <a:rPr lang="en-US" dirty="0"/>
+                        <a:t>ID</a:t>
+                      </a:r>
+                    </a:p>
+                  </a:txBody>
+                  <a:tcPr/>
+                </a:tc>
+                <a:tc>
+                  <a:txBody>
+                    <a:bodyPr/>
+                    <a:lstStyle/>
+                    <a:p>
+                      <a:r>
+                        <a:rPr lang="en-US" dirty="0"/>
+                        <a:t>Tasks</a:t>
+                      </a:r>
+                    </a:p>
+                  </a:txBody>
+                  <a:tcPr/>
+                </a:tc>
+                <a:tc>
+                  <a:txBody>
+                    <a:bodyPr/>
+                    <a:lstStyle/>
+                    <a:p>
+                      <a:r>
+                        <a:rPr lang="en-US" dirty="0" err="1"/>
+                        <a:t>Asignee</a:t>
+                      </a:r>
+                      <a:endParaRPr lang="en-US" dirty="0"/>
+                    </a:p>
+                  </a:txBody>
+                  <a:tcPr/>
+                </a:tc>
+                <a:extLst>
+                  <a:ext uri="{0D108BD9-81ED-4DB2-BD59-A6C34878D82A}">
+                    <a16:rowId xmlns:a16="http://schemas.microsoft.com/office/drawing/2014/main" val="2436055837"/>
+                  </a:ext>
+                </a:extLst>
+              </a:tr>
+              <a:tr h="404119">
+                <a:tc>
+                  <a:txBody>
+                    <a:bodyPr/>
+                    <a:lstStyle/>
+                    <a:p>
+                      <a:endParaRPr lang="en-US" dirty="0"/>
+                    </a:p>
+                  </a:txBody>
+                  <a:tcPr/>
+                </a:tc>
+                <a:tc>
+                  <a:txBody>
+                    <a:bodyPr/>
+                    <a:lstStyle/>
+                    <a:p>
+                      <a:r>
+                        <a:rPr lang="en-US" dirty="0"/>
+                        <a:t>Schema for all data sources</a:t>
+                      </a:r>
+                    </a:p>
+                  </a:txBody>
+                  <a:tcPr/>
+                </a:tc>
+                <a:tc>
+                  <a:txBody>
+                    <a:bodyPr/>
+                    <a:lstStyle/>
+                    <a:p>
+                      <a:r>
+                        <a:rPr lang="en-US" dirty="0"/>
+                        <a:t>Shiva</a:t>
+                      </a:r>
+                    </a:p>
+                  </a:txBody>
+                  <a:tcPr/>
+                </a:tc>
+                <a:extLst>
+                  <a:ext uri="{0D108BD9-81ED-4DB2-BD59-A6C34878D82A}">
+                    <a16:rowId xmlns:a16="http://schemas.microsoft.com/office/drawing/2014/main" val="2261859612"/>
+                  </a:ext>
+                </a:extLst>
+              </a:tr>
+              <a:tr h="344235">
+                <a:tc>
+                  <a:txBody>
+                    <a:bodyPr/>
+                    <a:lstStyle/>
+                    <a:p>
+                      <a:endParaRPr lang="en-US" dirty="0"/>
+                    </a:p>
+                  </a:txBody>
+                  <a:tcPr/>
+                </a:tc>
+                <a:tc>
+                  <a:txBody>
+                    <a:bodyPr/>
+                    <a:lstStyle/>
+                    <a:p>
+                      <a:r>
+                        <a:rPr lang="en-US" dirty="0"/>
+                        <a:t>Generate Sample Data</a:t>
+                      </a:r>
+                    </a:p>
+                  </a:txBody>
+                  <a:tcPr/>
+                </a:tc>
+                <a:tc>
+                  <a:txBody>
+                    <a:bodyPr/>
+                    <a:lstStyle/>
+                    <a:p>
+                      <a:r>
+                        <a:rPr lang="en-US" dirty="0"/>
+                        <a:t>Shiva</a:t>
+                      </a:r>
+                    </a:p>
+                  </a:txBody>
+                  <a:tcPr/>
+                </a:tc>
+                <a:extLst>
+                  <a:ext uri="{0D108BD9-81ED-4DB2-BD59-A6C34878D82A}">
+                    <a16:rowId xmlns:a16="http://schemas.microsoft.com/office/drawing/2014/main" val="4124035017"/>
+                  </a:ext>
+                </a:extLst>
+              </a:tr>
+              <a:tr h="602412">
+                <a:tc>
+                  <a:txBody>
+                    <a:bodyPr/>
+                    <a:lstStyle/>
+                    <a:p>
+                      <a:endParaRPr lang="en-US" dirty="0"/>
+                    </a:p>
+                  </a:txBody>
+                  <a:tcPr/>
+                </a:tc>
+                <a:tc>
+                  <a:txBody>
+                    <a:bodyPr/>
+                    <a:lstStyle/>
+                    <a:p>
+                      <a:r>
+                        <a:rPr lang="en-US" dirty="0"/>
+                        <a:t>Create a Talend job that integrates with Sales force and loads the data to S3. </a:t>
+                      </a:r>
+                    </a:p>
+                  </a:txBody>
+                  <a:tcPr/>
+                </a:tc>
+                <a:tc>
+                  <a:txBody>
+                    <a:bodyPr/>
+                    <a:lstStyle/>
+                    <a:p>
+                      <a:r>
+                        <a:rPr lang="en-US" dirty="0"/>
+                        <a:t>Shiva</a:t>
+                      </a:r>
+                    </a:p>
+                  </a:txBody>
+                  <a:tcPr/>
+                </a:tc>
+                <a:extLst>
+                  <a:ext uri="{0D108BD9-81ED-4DB2-BD59-A6C34878D82A}">
+                    <a16:rowId xmlns:a16="http://schemas.microsoft.com/office/drawing/2014/main" val="347051719"/>
+                  </a:ext>
+                </a:extLst>
+              </a:tr>
+              <a:tr h="602412">
+                <a:tc>
+                  <a:txBody>
+                    <a:bodyPr/>
+                    <a:lstStyle/>
+                    <a:p>
+                      <a:endParaRPr lang="en-US" dirty="0"/>
+                    </a:p>
+                  </a:txBody>
+                  <a:tcPr/>
+                </a:tc>
+                <a:tc>
+                  <a:txBody>
+                    <a:bodyPr/>
+                    <a:lstStyle/>
+                    <a:p>
+                      <a:r>
+                        <a:rPr lang="en-US" dirty="0"/>
+                        <a:t>Create a Apache scoop job that can connect to RDS and dump Product and Order data into S3 bucket. </a:t>
+                      </a:r>
+                    </a:p>
+                  </a:txBody>
+                  <a:tcPr/>
+                </a:tc>
+                <a:tc>
+                  <a:txBody>
+                    <a:bodyPr/>
+                    <a:lstStyle/>
+                    <a:p>
+                      <a:r>
+                        <a:rPr lang="en-US" dirty="0"/>
+                        <a:t>Patrice</a:t>
+                      </a:r>
+                    </a:p>
+                  </a:txBody>
+                  <a:tcPr/>
+                </a:tc>
+                <a:extLst>
+                  <a:ext uri="{0D108BD9-81ED-4DB2-BD59-A6C34878D82A}">
+                    <a16:rowId xmlns:a16="http://schemas.microsoft.com/office/drawing/2014/main" val="2439711156"/>
+                  </a:ext>
+                </a:extLst>
+              </a:tr>
+              <a:tr h="602412">
+                <a:tc>
+                  <a:txBody>
+                    <a:bodyPr/>
+                    <a:lstStyle/>
+                    <a:p>
+                      <a:endParaRPr lang="en-US" dirty="0"/>
+                    </a:p>
+                  </a:txBody>
+                  <a:tcPr/>
+                </a:tc>
+                <a:tc>
+                  <a:txBody>
+                    <a:bodyPr/>
+                    <a:lstStyle/>
+                    <a:p>
+                      <a:r>
+                        <a:rPr lang="en-US" dirty="0"/>
+                        <a:t>Create a Bash job that can download click stream csv file and dump into S3. </a:t>
+                      </a:r>
+                    </a:p>
+                  </a:txBody>
+                  <a:tcPr/>
+                </a:tc>
+                <a:tc>
+                  <a:txBody>
+                    <a:bodyPr/>
+                    <a:lstStyle/>
+                    <a:p>
+                      <a:r>
+                        <a:rPr lang="en-US" dirty="0"/>
+                        <a:t>Patrice</a:t>
+                      </a:r>
+                    </a:p>
+                  </a:txBody>
+                  <a:tcPr/>
+                </a:tc>
+                <a:extLst>
+                  <a:ext uri="{0D108BD9-81ED-4DB2-BD59-A6C34878D82A}">
+                    <a16:rowId xmlns:a16="http://schemas.microsoft.com/office/drawing/2014/main" val="1609829525"/>
+                  </a:ext>
+                </a:extLst>
+              </a:tr>
+              <a:tr h="344235">
+                <a:tc>
+                  <a:txBody>
+                    <a:bodyPr/>
+                    <a:lstStyle/>
+                    <a:p>
+                      <a:endParaRPr lang="en-US" dirty="0"/>
+                    </a:p>
+                  </a:txBody>
+                  <a:tcPr/>
+                </a:tc>
+                <a:tc>
+                  <a:txBody>
+                    <a:bodyPr/>
+                    <a:lstStyle/>
+                    <a:p>
+                      <a:r>
+                        <a:rPr lang="en-US" dirty="0"/>
+                        <a:t>Clean up job in Python ( Supplement id’s between sources)</a:t>
+                      </a:r>
+                    </a:p>
+                  </a:txBody>
+                  <a:tcPr/>
+                </a:tc>
+                <a:tc>
+                  <a:txBody>
+                    <a:bodyPr/>
+                    <a:lstStyle/>
+                    <a:p>
+                      <a:r>
+                        <a:rPr lang="en-US" dirty="0"/>
+                        <a:t>Patrice</a:t>
+                      </a:r>
+                    </a:p>
+                  </a:txBody>
+                  <a:tcPr/>
+                </a:tc>
+                <a:extLst>
+                  <a:ext uri="{0D108BD9-81ED-4DB2-BD59-A6C34878D82A}">
+                    <a16:rowId xmlns:a16="http://schemas.microsoft.com/office/drawing/2014/main" val="3088894859"/>
+                  </a:ext>
+                </a:extLst>
+              </a:tr>
+              <a:tr h="602412">
+                <a:tc>
+                  <a:txBody>
+                    <a:bodyPr/>
+                    <a:lstStyle/>
+                    <a:p>
+                      <a:endParaRPr lang="en-US" dirty="0"/>
+                    </a:p>
+                  </a:txBody>
+                  <a:tcPr/>
+                </a:tc>
+                <a:tc>
+                  <a:txBody>
+                    <a:bodyPr/>
+                    <a:lstStyle/>
+                    <a:p>
+                      <a:r>
+                        <a:rPr lang="en-US" dirty="0"/>
+                        <a:t>AWS Infrastructure setup ( Setup RDS , Redshift , S3 Buckets required for this project)</a:t>
+                      </a:r>
+                    </a:p>
+                  </a:txBody>
+                  <a:tcPr/>
+                </a:tc>
+                <a:tc>
+                  <a:txBody>
+                    <a:bodyPr/>
+                    <a:lstStyle/>
+                    <a:p>
+                      <a:r>
+                        <a:rPr lang="en-US"/>
+                        <a:t>Thomas</a:t>
+                      </a:r>
+                    </a:p>
+                  </a:txBody>
+                  <a:tcPr/>
+                </a:tc>
+                <a:extLst>
+                  <a:ext uri="{0D108BD9-81ED-4DB2-BD59-A6C34878D82A}">
+                    <a16:rowId xmlns:a16="http://schemas.microsoft.com/office/drawing/2014/main" val="770964620"/>
+                  </a:ext>
+                </a:extLst>
+              </a:tr>
+              <a:tr h="560313">
+                <a:tc>
+                  <a:txBody>
+                    <a:bodyPr/>
+                    <a:lstStyle/>
+                    <a:p>
+                      <a:endParaRPr lang="en-US" dirty="0"/>
+                    </a:p>
+                  </a:txBody>
+                  <a:tcPr/>
+                </a:tc>
+                <a:tc>
+                  <a:txBody>
+                    <a:bodyPr/>
+                    <a:lstStyle/>
+                    <a:p>
+                      <a:r>
+                        <a:rPr lang="en-US" dirty="0"/>
+                        <a:t>Python job that can sync’s up all the data from S3 to Redshift. </a:t>
+                      </a:r>
+                    </a:p>
+                  </a:txBody>
+                  <a:tcPr/>
+                </a:tc>
+                <a:tc>
+                  <a:txBody>
+                    <a:bodyPr/>
+                    <a:lstStyle/>
+                    <a:p>
+                      <a:r>
+                        <a:rPr lang="en-US" dirty="0"/>
+                        <a:t>Thomas</a:t>
+                      </a:r>
+                    </a:p>
+                  </a:txBody>
+                  <a:tcPr/>
+                </a:tc>
+                <a:extLst>
+                  <a:ext uri="{0D108BD9-81ED-4DB2-BD59-A6C34878D82A}">
+                    <a16:rowId xmlns:a16="http://schemas.microsoft.com/office/drawing/2014/main" val="3431650203"/>
+                  </a:ext>
+                </a:extLst>
+              </a:tr>
+              <a:tr h="602412">
+                <a:tc>
+                  <a:txBody>
+                    <a:bodyPr/>
+                    <a:lstStyle/>
+                    <a:p>
+                      <a:endParaRPr lang="en-US" dirty="0"/>
+                    </a:p>
+                  </a:txBody>
+                  <a:tcPr/>
+                </a:tc>
+                <a:tc>
+                  <a:txBody>
+                    <a:bodyPr/>
+                    <a:lstStyle/>
+                    <a:p>
+                      <a:r>
+                        <a:rPr lang="en-US" dirty="0"/>
+                        <a:t>Customer Churn – Dummy job which just mocks up data directly into Redshift. </a:t>
+                      </a:r>
+                    </a:p>
+                  </a:txBody>
+                  <a:tcPr/>
+                </a:tc>
+                <a:tc>
+                  <a:txBody>
+                    <a:bodyPr/>
+                    <a:lstStyle/>
+                    <a:p>
+                      <a:r>
+                        <a:rPr lang="en-US" dirty="0"/>
+                        <a:t>Thomas</a:t>
+                      </a:r>
+                    </a:p>
+                  </a:txBody>
+                  <a:tcPr/>
+                </a:tc>
+                <a:extLst>
+                  <a:ext uri="{0D108BD9-81ED-4DB2-BD59-A6C34878D82A}">
+                    <a16:rowId xmlns:a16="http://schemas.microsoft.com/office/drawing/2014/main" val="654198828"/>
+                  </a:ext>
+                </a:extLst>
+              </a:tr>
+              <a:tr h="344235">
+                <a:tc>
+                  <a:txBody>
+                    <a:bodyPr/>
+                    <a:lstStyle/>
+                    <a:p>
+                      <a:endParaRPr lang="en-US" dirty="0"/>
+                    </a:p>
+                  </a:txBody>
+                  <a:tcPr/>
+                </a:tc>
+                <a:tc>
+                  <a:txBody>
+                    <a:bodyPr/>
+                    <a:lstStyle/>
+                    <a:p>
+                      <a:r>
+                        <a:rPr lang="en-US" dirty="0" err="1"/>
+                        <a:t>UpSell</a:t>
+                      </a:r>
+                      <a:r>
+                        <a:rPr lang="en-US" dirty="0"/>
+                        <a:t> – Dummy job that will mock up data into redshift. </a:t>
+                      </a:r>
+                    </a:p>
+                  </a:txBody>
+                  <a:tcPr/>
+                </a:tc>
+                <a:tc>
+                  <a:txBody>
+                    <a:bodyPr/>
+                    <a:lstStyle/>
+                    <a:p>
+                      <a:r>
+                        <a:rPr lang="en-US" dirty="0"/>
+                        <a:t>Thomas</a:t>
+                      </a:r>
+                    </a:p>
+                  </a:txBody>
+                  <a:tcPr/>
+                </a:tc>
+                <a:extLst>
+                  <a:ext uri="{0D108BD9-81ED-4DB2-BD59-A6C34878D82A}">
+                    <a16:rowId xmlns:a16="http://schemas.microsoft.com/office/drawing/2014/main" val="3274970723"/>
+                  </a:ext>
+                </a:extLst>
+              </a:tr>
+              <a:tr h="1010296">
+                <a:tc>
+                  <a:txBody>
+                    <a:bodyPr/>
+                    <a:lstStyle/>
+                    <a:p>
+                      <a:endParaRPr lang="en-US" dirty="0"/>
+                    </a:p>
+                  </a:txBody>
+                  <a:tcPr/>
+                </a:tc>
+                <a:tc>
+                  <a:txBody>
+                    <a:bodyPr/>
+                    <a:lstStyle/>
+                    <a:p>
+                      <a:r>
+                        <a:rPr lang="en-US" dirty="0"/>
+                        <a:t>Docker container job with Kibana for UI that reads data from Redshift .   ( Outside Saagie , Run as container). </a:t>
+                      </a:r>
+                    </a:p>
+                  </a:txBody>
+                  <a:tcPr/>
+                </a:tc>
+                <a:tc>
+                  <a:txBody>
+                    <a:bodyPr/>
+                    <a:lstStyle/>
+                    <a:p>
+                      <a:r>
+                        <a:rPr lang="en-US" dirty="0"/>
+                        <a:t>Patrice</a:t>
+                      </a:r>
+                    </a:p>
+                  </a:txBody>
+                  <a:tcPr/>
+                </a:tc>
+                <a:extLst>
+                  <a:ext uri="{0D108BD9-81ED-4DB2-BD59-A6C34878D82A}">
+                    <a16:rowId xmlns:a16="http://schemas.microsoft.com/office/drawing/2014/main" val="3162479870"/>
+                  </a:ext>
+                </a:extLst>
+              </a:tr>
+            </a:tbl>
+          </a:graphicData>
+        </a:graphic>
+      </p:graphicFrame>
+    </p:spTree>
+    <p:extLst>
+      <p:ext uri="{BB962C8B-B14F-4D97-AF65-F5344CB8AC3E}">
+        <p14:creationId xmlns:p14="http://schemas.microsoft.com/office/powerpoint/2010/main" val="3147299287"/>
+      </p:ext>
+    </p:extLst>
+  </p:cSld>
+  <p:clrMapOvr>
+    <a:masterClrMapping/>
+  </p:clrMapOvr>
+</p:sld>
+</file>
+
+<file path=ppt/slides/slide7.xml><?xml version="1.0" encoding="utf-8"?>
+<p:sld xmlns:a="http://schemas.openxmlformats.org/drawingml/2006/main" xmlns:r="http://schemas.openxmlformats.org/officeDocument/2006/relationships" xmlns:p="http://schemas.openxmlformats.org/presentationml/2006/main">
+  <p:cSld>
+    <p:spTree>
+      <p:nvGrpSpPr>
+        <p:cNvPr id="1" name=""/>
+        <p:cNvGrpSpPr/>
+        <p:nvPr/>
+      </p:nvGrpSpPr>
+      <p:grpSpPr>
+        <a:xfrm>
+          <a:off x="0" y="0"/>
+          <a:ext cx="0" cy="0"/>
+          <a:chOff x="0" y="0"/>
+          <a:chExt cx="0" cy="0"/>
+        </a:xfrm>
+      </p:grpSpPr>
+      <p:sp>
+        <p:nvSpPr>
+          <p:cNvPr id="2" name="TextBox 1">
+            <a:extLst>
+              <a:ext uri="{FF2B5EF4-FFF2-40B4-BE49-F238E27FC236}">
+                <a16:creationId xmlns:a16="http://schemas.microsoft.com/office/drawing/2014/main" id="{53902A0E-FC2C-7A4E-B747-1C76C2390AF8}"/>
+              </a:ext>
+            </a:extLst>
+          </p:cNvPr>
+          <p:cNvSpPr txBox="1"/>
+          <p:nvPr/>
+        </p:nvSpPr>
+        <p:spPr>
+          <a:xfrm>
+            <a:off x="630195" y="210065"/>
+            <a:ext cx="7858897" cy="369332"/>
+          </a:xfrm>
+          <a:prstGeom prst="rect">
+            <a:avLst/>
+          </a:prstGeom>
+          <a:noFill/>
+        </p:spPr>
+        <p:txBody>
+          <a:bodyPr wrap="square" rtlCol="0">
+            <a:spAutoFit/>
+          </a:bodyPr>
+          <a:lstStyle/>
+          <a:p>
+            <a:r>
+              <a:rPr lang="en-US" dirty="0"/>
+              <a:t>Extraction – Jobs</a:t>
+            </a:r>
+          </a:p>
+        </p:txBody>
+      </p:sp>
+      <p:sp>
+        <p:nvSpPr>
+          <p:cNvPr id="3" name="TextBox 2">
+            <a:extLst>
+              <a:ext uri="{FF2B5EF4-FFF2-40B4-BE49-F238E27FC236}">
+                <a16:creationId xmlns:a16="http://schemas.microsoft.com/office/drawing/2014/main" id="{3424D6A0-1A85-3342-9E02-5ADCE48C6099}"/>
+              </a:ext>
+            </a:extLst>
+          </p:cNvPr>
+          <p:cNvSpPr txBox="1"/>
+          <p:nvPr/>
+        </p:nvSpPr>
+        <p:spPr>
+          <a:xfrm>
+            <a:off x="741405" y="914400"/>
+            <a:ext cx="9601200" cy="3416320"/>
+          </a:xfrm>
+          <a:prstGeom prst="rect">
+            <a:avLst/>
+          </a:prstGeom>
+          <a:noFill/>
+        </p:spPr>
+        <p:txBody>
+          <a:bodyPr wrap="square" rtlCol="0">
+            <a:spAutoFit/>
+          </a:bodyPr>
+          <a:lstStyle/>
+          <a:p>
+            <a:pPr marL="342900" indent="-342900">
+              <a:buAutoNum type="arabicPeriod"/>
+            </a:pPr>
+            <a:r>
+              <a:rPr lang="en-US" dirty="0"/>
+              <a:t>Talend Job (Shiva)- This job connects to developer sales force account and pulls in Account and Contact information and dumps them to S3 bucket as a csv file. </a:t>
+            </a:r>
+          </a:p>
+          <a:p>
+            <a:pPr marL="342900" indent="-342900">
+              <a:buAutoNum type="arabicPeriod"/>
+            </a:pPr>
+            <a:endParaRPr lang="en-US" dirty="0"/>
+          </a:p>
+          <a:p>
+            <a:pPr marL="342900" indent="-342900">
+              <a:buAutoNum type="arabicPeriod"/>
+            </a:pPr>
+            <a:r>
+              <a:rPr lang="en-US" dirty="0"/>
+              <a:t>Apache Sqoop or Drill (Patrice) – This job connects to the RDS data base and sync up Product &amp; Product Category information into S3 bucket. </a:t>
+            </a:r>
+          </a:p>
+          <a:p>
+            <a:pPr marL="342900" indent="-342900">
+              <a:buAutoNum type="arabicPeriod"/>
+            </a:pPr>
+            <a:endParaRPr lang="en-US" dirty="0"/>
+          </a:p>
+          <a:p>
+            <a:pPr marL="342900" indent="-342900">
+              <a:buAutoNum type="arabicPeriod"/>
+            </a:pPr>
+            <a:r>
+              <a:rPr lang="en-US" dirty="0"/>
+              <a:t>Apache Sqoop or Drill (Patrice) – This job connects to the RDS data base and sync up Order information into S3 bucket</a:t>
+            </a:r>
+          </a:p>
+          <a:p>
+            <a:pPr marL="342900" indent="-342900">
+              <a:buAutoNum type="arabicPeriod"/>
+            </a:pPr>
+            <a:endParaRPr lang="en-US" dirty="0"/>
+          </a:p>
+          <a:p>
+            <a:pPr marL="342900" indent="-342900">
+              <a:buAutoNum type="arabicPeriod"/>
+            </a:pPr>
+            <a:r>
+              <a:rPr lang="en-US" dirty="0"/>
+              <a:t>Bash Job (Patrice) – This job connects to some external FTP site ( create a new S3 bucket ) and downloads a dump of </a:t>
+            </a:r>
+            <a:r>
+              <a:rPr lang="en-US" dirty="0" err="1"/>
+              <a:t>clickstream.csv</a:t>
+            </a:r>
+            <a:r>
+              <a:rPr lang="en-US" dirty="0"/>
+              <a:t> file and loads into S3 bucket. </a:t>
+            </a:r>
+          </a:p>
+          <a:p>
+            <a:pPr marL="342900" indent="-342900">
+              <a:buAutoNum type="arabicPeriod"/>
+            </a:pPr>
+            <a:endParaRPr lang="en-US" dirty="0"/>
+          </a:p>
+        </p:txBody>
+      </p:sp>
+    </p:spTree>
+    <p:extLst>
+      <p:ext uri="{BB962C8B-B14F-4D97-AF65-F5344CB8AC3E}">
+        <p14:creationId xmlns:p14="http://schemas.microsoft.com/office/powerpoint/2010/main" val="1489109190"/>
+      </p:ext>
+    </p:extLst>
+  </p:cSld>
+  <p:clrMapOvr>
+    <a:masterClrMapping/>
+  </p:clrMapOvr>
+</p:sld>
+</file>
+
+<file path=ppt/slides/slide8.xml><?xml version="1.0" encoding="utf-8"?>
+<p:sld xmlns:a="http://schemas.openxmlformats.org/drawingml/2006/main" xmlns:r="http://schemas.openxmlformats.org/officeDocument/2006/relationships" xmlns:p="http://schemas.openxmlformats.org/presentationml/2006/main">
+  <p:cSld>
+    <p:spTree>
+      <p:nvGrpSpPr>
+        <p:cNvPr id="1" name=""/>
+        <p:cNvGrpSpPr/>
+        <p:nvPr/>
+      </p:nvGrpSpPr>
+      <p:grpSpPr>
+        <a:xfrm>
+          <a:off x="0" y="0"/>
+          <a:ext cx="0" cy="0"/>
+          <a:chOff x="0" y="0"/>
+          <a:chExt cx="0" cy="0"/>
+        </a:xfrm>
+      </p:grpSpPr>
+      <p:sp>
+        <p:nvSpPr>
+          <p:cNvPr id="2" name="TextBox 1">
+            <a:extLst>
+              <a:ext uri="{FF2B5EF4-FFF2-40B4-BE49-F238E27FC236}">
+                <a16:creationId xmlns:a16="http://schemas.microsoft.com/office/drawing/2014/main" id="{53902A0E-FC2C-7A4E-B747-1C76C2390AF8}"/>
+              </a:ext>
+            </a:extLst>
+          </p:cNvPr>
+          <p:cNvSpPr txBox="1"/>
+          <p:nvPr/>
+        </p:nvSpPr>
+        <p:spPr>
+          <a:xfrm>
+            <a:off x="630195" y="210065"/>
+            <a:ext cx="7858897" cy="369332"/>
+          </a:xfrm>
+          <a:prstGeom prst="rect">
+            <a:avLst/>
+          </a:prstGeom>
+          <a:noFill/>
+        </p:spPr>
+        <p:txBody>
+          <a:bodyPr wrap="square" rtlCol="0">
+            <a:spAutoFit/>
+          </a:bodyPr>
+          <a:lstStyle/>
+          <a:p>
+            <a:r>
+              <a:rPr lang="en-US" dirty="0"/>
+              <a:t>Processing – Jobs – DATA PREP / Cleansing</a:t>
+            </a:r>
+          </a:p>
+        </p:txBody>
+      </p:sp>
+      <p:sp>
+        <p:nvSpPr>
+          <p:cNvPr id="4" name="TextBox 3">
+            <a:extLst>
+              <a:ext uri="{FF2B5EF4-FFF2-40B4-BE49-F238E27FC236}">
+                <a16:creationId xmlns:a16="http://schemas.microsoft.com/office/drawing/2014/main" id="{541A5CCF-C389-9A47-AC8F-21E4FDF51BA4}"/>
+              </a:ext>
+            </a:extLst>
+          </p:cNvPr>
+          <p:cNvSpPr txBox="1"/>
+          <p:nvPr/>
+        </p:nvSpPr>
+        <p:spPr>
+          <a:xfrm>
+            <a:off x="741405" y="914400"/>
+            <a:ext cx="9601200" cy="2585323"/>
+          </a:xfrm>
+          <a:prstGeom prst="rect">
+            <a:avLst/>
+          </a:prstGeom>
+          <a:noFill/>
+        </p:spPr>
+        <p:txBody>
+          <a:bodyPr wrap="square" rtlCol="0">
+            <a:spAutoFit/>
+          </a:bodyPr>
+          <a:lstStyle/>
+          <a:p>
+            <a:pPr marL="342900" indent="-342900">
+              <a:buAutoNum type="arabicPeriod"/>
+            </a:pPr>
+            <a:r>
+              <a:rPr lang="en-US" dirty="0"/>
+              <a:t>Python Job or Use Some tool that can read the Clickstream csv file and then retrieve the </a:t>
+            </a:r>
+            <a:r>
+              <a:rPr lang="en-US" dirty="0" err="1"/>
+              <a:t>webid</a:t>
+            </a:r>
+            <a:r>
+              <a:rPr lang="en-US" dirty="0"/>
+              <a:t> in it and match it to the contact id from the Contacts tables. </a:t>
+            </a:r>
+          </a:p>
+          <a:p>
+            <a:pPr marL="342900" indent="-342900">
+              <a:buAutoNum type="arabicPeriod"/>
+            </a:pPr>
+            <a:endParaRPr lang="en-US" dirty="0"/>
+          </a:p>
+          <a:p>
+            <a:pPr marL="342900" indent="-342900">
+              <a:buAutoNum type="arabicPeriod"/>
+            </a:pPr>
+            <a:r>
+              <a:rPr lang="en-US" dirty="0"/>
+              <a:t>Data Loader / Sync Job – Job to load the data from S3 bucket to Redshift.  </a:t>
+            </a:r>
+            <a:r>
+              <a:rPr lang="en-US" dirty="0" err="1"/>
+              <a:t>I.e</a:t>
+            </a:r>
+            <a:r>
+              <a:rPr lang="en-US" dirty="0"/>
+              <a:t> It will sync up all the csv files ( Account / Contact / Product Category / Product /Order / Cleansed Click stream data into Redshift ). </a:t>
+            </a:r>
+          </a:p>
+          <a:p>
+            <a:pPr marL="342900" indent="-342900">
+              <a:buAutoNum type="arabicPeriod"/>
+            </a:pPr>
+            <a:endParaRPr lang="en-US" dirty="0"/>
+          </a:p>
+          <a:p>
+            <a:endParaRPr lang="en-US" dirty="0"/>
+          </a:p>
+          <a:p>
+            <a:pPr marL="342900" indent="-342900">
+              <a:buAutoNum type="arabicPeriod"/>
+            </a:pPr>
+            <a:endParaRPr lang="en-US" dirty="0"/>
+          </a:p>
+        </p:txBody>
+      </p:sp>
+    </p:spTree>
+    <p:extLst>
+      <p:ext uri="{BB962C8B-B14F-4D97-AF65-F5344CB8AC3E}">
+        <p14:creationId xmlns:p14="http://schemas.microsoft.com/office/powerpoint/2010/main" val="1238857121"/>
+      </p:ext>
+    </p:extLst>
+  </p:cSld>
+  <p:clrMapOvr>
+    <a:masterClrMapping/>
+  </p:clrMapOvr>
+</p:sld>
+</file>
+
+<file path=ppt/slides/slide9.xml><?xml version="1.0" encoding="utf-8"?>
+<p:sld xmlns:a="http://schemas.openxmlformats.org/drawingml/2006/main" xmlns:r="http://schemas.openxmlformats.org/officeDocument/2006/relationships" xmlns:p="http://schemas.openxmlformats.org/presentationml/2006/main">
+  <p:cSld>
+    <p:spTree>
+      <p:nvGrpSpPr>
+        <p:cNvPr id="1" name=""/>
+        <p:cNvGrpSpPr/>
+        <p:nvPr/>
+      </p:nvGrpSpPr>
+      <p:grpSpPr>
+        <a:xfrm>
+          <a:off x="0" y="0"/>
+          <a:ext cx="0" cy="0"/>
+          <a:chOff x="0" y="0"/>
+          <a:chExt cx="0" cy="0"/>
+        </a:xfrm>
+      </p:grpSpPr>
+      <p:sp>
+        <p:nvSpPr>
+          <p:cNvPr id="2" name="TextBox 1">
+            <a:extLst>
+              <a:ext uri="{FF2B5EF4-FFF2-40B4-BE49-F238E27FC236}">
+                <a16:creationId xmlns:a16="http://schemas.microsoft.com/office/drawing/2014/main" id="{53902A0E-FC2C-7A4E-B747-1C76C2390AF8}"/>
+              </a:ext>
+            </a:extLst>
+          </p:cNvPr>
+          <p:cNvSpPr txBox="1"/>
+          <p:nvPr/>
+        </p:nvSpPr>
+        <p:spPr>
+          <a:xfrm>
+            <a:off x="630195" y="210065"/>
+            <a:ext cx="7858897" cy="369332"/>
+          </a:xfrm>
+          <a:prstGeom prst="rect">
+            <a:avLst/>
+          </a:prstGeom>
+          <a:noFill/>
+        </p:spPr>
+        <p:txBody>
+          <a:bodyPr wrap="square" rtlCol="0">
+            <a:spAutoFit/>
+          </a:bodyPr>
+          <a:lstStyle/>
+          <a:p>
+            <a:r>
+              <a:rPr lang="en-US" dirty="0"/>
+              <a:t>Processing – Jobs – DATA Processing</a:t>
+            </a:r>
+          </a:p>
+        </p:txBody>
+      </p:sp>
+      <p:sp>
+        <p:nvSpPr>
+          <p:cNvPr id="4" name="TextBox 3">
+            <a:extLst>
+              <a:ext uri="{FF2B5EF4-FFF2-40B4-BE49-F238E27FC236}">
+                <a16:creationId xmlns:a16="http://schemas.microsoft.com/office/drawing/2014/main" id="{541A5CCF-C389-9A47-AC8F-21E4FDF51BA4}"/>
+              </a:ext>
+            </a:extLst>
+          </p:cNvPr>
+          <p:cNvSpPr txBox="1"/>
+          <p:nvPr/>
+        </p:nvSpPr>
+        <p:spPr>
+          <a:xfrm>
+            <a:off x="741405" y="914400"/>
+            <a:ext cx="9601200" cy="4801314"/>
+          </a:xfrm>
+          <a:prstGeom prst="rect">
+            <a:avLst/>
+          </a:prstGeom>
+          <a:noFill/>
+        </p:spPr>
+        <p:txBody>
+          <a:bodyPr wrap="square" rtlCol="0">
+            <a:spAutoFit/>
+          </a:bodyPr>
+          <a:lstStyle/>
+          <a:p>
+            <a:pPr marL="342900" indent="-342900">
+              <a:buAutoNum type="arabicPeriod"/>
+            </a:pPr>
+            <a:r>
+              <a:rPr lang="en-US" dirty="0"/>
+              <a:t>Python Job Customer </a:t>
+            </a:r>
+            <a:r>
+              <a:rPr lang="en-US" dirty="0" err="1"/>
+              <a:t>UpSell</a:t>
+            </a:r>
+            <a:r>
+              <a:rPr lang="en-US" dirty="0"/>
+              <a:t> ( Shiva)  – This job would review the data from click stream and then based on it would suggest some products to the customer. Mimic some AI / ML Model. </a:t>
+            </a:r>
+          </a:p>
+          <a:p>
+            <a:pPr marL="342900" indent="-342900">
+              <a:buAutoNum type="arabicPeriod"/>
+            </a:pPr>
+            <a:endParaRPr lang="en-US" dirty="0"/>
+          </a:p>
+          <a:p>
+            <a:pPr marL="342900" indent="-342900">
+              <a:buAutoNum type="arabicPeriod"/>
+            </a:pPr>
+            <a:r>
+              <a:rPr lang="en-US" dirty="0"/>
+              <a:t>Python Job Customer Analytics ( Shiva) – This job would review the data in DB and produce the values for </a:t>
+            </a:r>
+          </a:p>
+          <a:p>
+            <a:pPr marL="285750" indent="-285750">
+              <a:buFont typeface="Arial" panose="020B0604020202020204" pitchFamily="34" charset="0"/>
+              <a:buChar char="•"/>
+            </a:pPr>
+            <a:r>
+              <a:rPr lang="en-US" dirty="0"/>
+              <a:t>Number of Orders by Month ( To be shown as bar graph in UI)</a:t>
+            </a:r>
+          </a:p>
+          <a:p>
+            <a:pPr marL="285750" indent="-285750">
+              <a:buFont typeface="Arial" panose="020B0604020202020204" pitchFamily="34" charset="0"/>
+              <a:buChar char="•"/>
+            </a:pPr>
+            <a:r>
+              <a:rPr lang="en-US" dirty="0"/>
+              <a:t>Number of Orders by each Product Category ( To be shown as Pie Chart in UI). </a:t>
+            </a:r>
+          </a:p>
+          <a:p>
+            <a:pPr marL="285750" indent="-285750">
+              <a:buFont typeface="Arial" panose="020B0604020202020204" pitchFamily="34" charset="0"/>
+              <a:buChar char="•"/>
+            </a:pPr>
+            <a:r>
+              <a:rPr lang="en-US" dirty="0"/>
+              <a:t>Number of Click Stream events by each day for the last 30 days. ( To be show as line graph or some other widget in UI). </a:t>
+            </a:r>
+          </a:p>
+          <a:p>
+            <a:endParaRPr lang="en-US" dirty="0"/>
+          </a:p>
+          <a:p>
+            <a:pPr marL="285750" indent="-285750">
+              <a:buFont typeface="Arial" panose="020B0604020202020204" pitchFamily="34" charset="0"/>
+              <a:buChar char="•"/>
+            </a:pPr>
+            <a:endParaRPr lang="en-US" dirty="0"/>
+          </a:p>
+          <a:p>
+            <a:pPr marL="342900" indent="-342900">
+              <a:buAutoNum type="arabicPeriod" startAt="3"/>
+            </a:pPr>
+            <a:r>
+              <a:rPr lang="en-US" dirty="0"/>
+              <a:t>Python Job Sales (Patrice)-  This is for the entire company and not individual account , </a:t>
+            </a:r>
+          </a:p>
+          <a:p>
+            <a:pPr marL="742950" lvl="1" indent="-285750">
+              <a:buFont typeface="Arial" panose="020B0604020202020204" pitchFamily="34" charset="0"/>
+              <a:buChar char="•"/>
+            </a:pPr>
+            <a:r>
+              <a:rPr lang="en-US" dirty="0"/>
+              <a:t>Number of Total </a:t>
+            </a:r>
+            <a:r>
+              <a:rPr lang="en-US" dirty="0" err="1"/>
+              <a:t>Oders</a:t>
+            </a:r>
+            <a:r>
+              <a:rPr lang="en-US" dirty="0"/>
+              <a:t> by each month for last 4 quarters. </a:t>
+            </a:r>
+          </a:p>
+          <a:p>
+            <a:pPr marL="742950" lvl="1" indent="-285750">
+              <a:buFont typeface="Arial" panose="020B0604020202020204" pitchFamily="34" charset="0"/>
+              <a:buChar char="•"/>
+            </a:pPr>
+            <a:r>
+              <a:rPr lang="en-US" dirty="0"/>
+              <a:t>Total Revenue / Profit by each quarter. </a:t>
+            </a:r>
+          </a:p>
+          <a:p>
+            <a:endParaRPr lang="en-US" dirty="0"/>
+          </a:p>
+          <a:p>
+            <a:endParaRPr lang="en-US" dirty="0"/>
+          </a:p>
+          <a:p>
+            <a:pPr marL="342900" indent="-342900">
+              <a:buAutoNum type="arabicPeriod"/>
+            </a:pPr>
+            <a:endParaRPr lang="en-US" dirty="0"/>
+          </a:p>
+        </p:txBody>
+      </p:sp>
+    </p:spTree>
+    <p:extLst>
+      <p:ext uri="{BB962C8B-B14F-4D97-AF65-F5344CB8AC3E}">
+        <p14:creationId xmlns:p14="http://schemas.microsoft.com/office/powerpoint/2010/main" val="9093815"/>
       </p:ext>
     </p:extLst>
   </p:cSld>

--- a/Customer360.pptx
+++ b/Customer360.pptx
@@ -210,7 +210,7 @@
           <a:p>
             <a:fld id="{1D0A8BF1-EE69-B74F-99BD-C67ABF5CCBE6}" type="datetimeFigureOut">
               <a:rPr lang="en-US" smtClean="0"/>
-              <a:t>8/9/19</a:t>
+              <a:t>8/12/19</a:t>
             </a:fld>
             <a:endParaRPr lang="en-US"/>
           </a:p>
@@ -708,7 +708,7 @@
           <a:p>
             <a:fld id="{9ED6258F-A633-3144-BBDC-0C4AD7250C00}" type="datetimeFigureOut">
               <a:rPr lang="en-US" smtClean="0"/>
-              <a:t>8/9/19</a:t>
+              <a:t>8/12/19</a:t>
             </a:fld>
             <a:endParaRPr lang="en-US"/>
           </a:p>
@@ -906,7 +906,7 @@
           <a:p>
             <a:fld id="{9ED6258F-A633-3144-BBDC-0C4AD7250C00}" type="datetimeFigureOut">
               <a:rPr lang="en-US" smtClean="0"/>
-              <a:t>8/9/19</a:t>
+              <a:t>8/12/19</a:t>
             </a:fld>
             <a:endParaRPr lang="en-US"/>
           </a:p>
@@ -1114,7 +1114,7 @@
           <a:p>
             <a:fld id="{9ED6258F-A633-3144-BBDC-0C4AD7250C00}" type="datetimeFigureOut">
               <a:rPr lang="en-US" smtClean="0"/>
-              <a:t>8/9/19</a:t>
+              <a:t>8/12/19</a:t>
             </a:fld>
             <a:endParaRPr lang="en-US"/>
           </a:p>
@@ -1312,7 +1312,7 @@
           <a:p>
             <a:fld id="{9ED6258F-A633-3144-BBDC-0C4AD7250C00}" type="datetimeFigureOut">
               <a:rPr lang="en-US" smtClean="0"/>
-              <a:t>8/9/19</a:t>
+              <a:t>8/12/19</a:t>
             </a:fld>
             <a:endParaRPr lang="en-US"/>
           </a:p>
@@ -1587,7 +1587,7 @@
           <a:p>
             <a:fld id="{9ED6258F-A633-3144-BBDC-0C4AD7250C00}" type="datetimeFigureOut">
               <a:rPr lang="en-US" smtClean="0"/>
-              <a:t>8/9/19</a:t>
+              <a:t>8/12/19</a:t>
             </a:fld>
             <a:endParaRPr lang="en-US"/>
           </a:p>
@@ -1852,7 +1852,7 @@
           <a:p>
             <a:fld id="{9ED6258F-A633-3144-BBDC-0C4AD7250C00}" type="datetimeFigureOut">
               <a:rPr lang="en-US" smtClean="0"/>
-              <a:t>8/9/19</a:t>
+              <a:t>8/12/19</a:t>
             </a:fld>
             <a:endParaRPr lang="en-US"/>
           </a:p>
@@ -2264,7 +2264,7 @@
           <a:p>
             <a:fld id="{9ED6258F-A633-3144-BBDC-0C4AD7250C00}" type="datetimeFigureOut">
               <a:rPr lang="en-US" smtClean="0"/>
-              <a:t>8/9/19</a:t>
+              <a:t>8/12/19</a:t>
             </a:fld>
             <a:endParaRPr lang="en-US"/>
           </a:p>
@@ -2405,7 +2405,7 @@
           <a:p>
             <a:fld id="{9ED6258F-A633-3144-BBDC-0C4AD7250C00}" type="datetimeFigureOut">
               <a:rPr lang="en-US" smtClean="0"/>
-              <a:t>8/9/19</a:t>
+              <a:t>8/12/19</a:t>
             </a:fld>
             <a:endParaRPr lang="en-US"/>
           </a:p>
@@ -2518,7 +2518,7 @@
           <a:p>
             <a:fld id="{9ED6258F-A633-3144-BBDC-0C4AD7250C00}" type="datetimeFigureOut">
               <a:rPr lang="en-US" smtClean="0"/>
-              <a:t>8/9/19</a:t>
+              <a:t>8/12/19</a:t>
             </a:fld>
             <a:endParaRPr lang="en-US"/>
           </a:p>
@@ -2829,7 +2829,7 @@
           <a:p>
             <a:fld id="{9ED6258F-A633-3144-BBDC-0C4AD7250C00}" type="datetimeFigureOut">
               <a:rPr lang="en-US" smtClean="0"/>
-              <a:t>8/9/19</a:t>
+              <a:t>8/12/19</a:t>
             </a:fld>
             <a:endParaRPr lang="en-US"/>
           </a:p>
@@ -3117,7 +3117,7 @@
           <a:p>
             <a:fld id="{9ED6258F-A633-3144-BBDC-0C4AD7250C00}" type="datetimeFigureOut">
               <a:rPr lang="en-US" smtClean="0"/>
-              <a:t>8/9/19</a:t>
+              <a:t>8/12/19</a:t>
             </a:fld>
             <a:endParaRPr lang="en-US"/>
           </a:p>
@@ -3358,7 +3358,7 @@
           <a:p>
             <a:fld id="{9ED6258F-A633-3144-BBDC-0C4AD7250C00}" type="datetimeFigureOut">
               <a:rPr lang="en-US" smtClean="0"/>
-              <a:t>8/9/19</a:t>
+              <a:t>8/12/19</a:t>
             </a:fld>
             <a:endParaRPr lang="en-US"/>
           </a:p>
@@ -6852,7 +6852,7 @@
         <p:spPr>
           <a:xfrm>
             <a:off x="4102443" y="468186"/>
-            <a:ext cx="4493739" cy="3078203"/>
+            <a:ext cx="7521146" cy="3078203"/>
           </a:xfrm>
           <a:prstGeom prst="roundRect">
             <a:avLst/>
@@ -7341,8 +7341,8 @@
         </p:nvSpPr>
         <p:spPr>
           <a:xfrm>
-            <a:off x="7432588" y="3926362"/>
-            <a:ext cx="1163594" cy="1427204"/>
+            <a:off x="7183652" y="3716119"/>
+            <a:ext cx="1163594" cy="923845"/>
           </a:xfrm>
           <a:prstGeom prst="rect">
             <a:avLst/>
@@ -7390,7 +7390,7 @@
         </p:nvSpPr>
         <p:spPr>
           <a:xfrm>
-            <a:off x="5914767" y="4049929"/>
+            <a:off x="5740998" y="4130247"/>
             <a:ext cx="1163594" cy="1118287"/>
           </a:xfrm>
           <a:prstGeom prst="rect">
@@ -7444,8 +7444,8 @@
         </p:nvSpPr>
         <p:spPr>
           <a:xfrm>
-            <a:off x="9394221" y="3317789"/>
-            <a:ext cx="2480621" cy="2934732"/>
+            <a:off x="9394221" y="5248533"/>
+            <a:ext cx="2480621" cy="1003987"/>
           </a:xfrm>
           <a:prstGeom prst="rect">
             <a:avLst/>
@@ -7494,15 +7494,16 @@
             </a:extLst>
           </p:cNvPr>
           <p:cNvCxnSpPr>
+            <a:cxnSpLocks/>
             <a:stCxn id="26" idx="3"/>
-            <a:endCxn id="28" idx="1"/>
+            <a:endCxn id="38" idx="1"/>
           </p:cNvCxnSpPr>
           <p:nvPr/>
         </p:nvCxnSpPr>
         <p:spPr>
-          <a:xfrm>
-            <a:off x="8596182" y="4639964"/>
-            <a:ext cx="798039" cy="145191"/>
+          <a:xfrm flipV="1">
+            <a:off x="8347246" y="1800997"/>
+            <a:ext cx="1053675" cy="2377045"/>
           </a:xfrm>
           <a:prstGeom prst="bentConnector3">
             <a:avLst/>
@@ -7584,9 +7585,9 @@
           <p:nvPr/>
         </p:nvCxnSpPr>
         <p:spPr>
-          <a:xfrm flipV="1">
-            <a:off x="5560540" y="4609073"/>
-            <a:ext cx="354227" cy="30891"/>
+          <a:xfrm>
+            <a:off x="5560540" y="4639964"/>
+            <a:ext cx="180458" cy="49427"/>
           </a:xfrm>
           <a:prstGeom prst="bentConnector3">
             <a:avLst/>
@@ -7620,15 +7621,16 @@
             </a:extLst>
           </p:cNvPr>
           <p:cNvCxnSpPr>
+            <a:cxnSpLocks/>
             <a:stCxn id="27" idx="3"/>
             <a:endCxn id="26" idx="1"/>
           </p:cNvCxnSpPr>
           <p:nvPr/>
         </p:nvCxnSpPr>
         <p:spPr>
-          <a:xfrm>
-            <a:off x="7078361" y="4609073"/>
-            <a:ext cx="354227" cy="30891"/>
+          <a:xfrm flipV="1">
+            <a:off x="6904592" y="4178042"/>
+            <a:ext cx="279060" cy="511349"/>
           </a:xfrm>
           <a:prstGeom prst="bentConnector3">
             <a:avLst/>
@@ -7860,6 +7862,194 @@
           </a:p>
         </p:txBody>
       </p:sp>
+      <p:sp>
+        <p:nvSpPr>
+          <p:cNvPr id="35" name="Rectangle 34">
+            <a:extLst>
+              <a:ext uri="{FF2B5EF4-FFF2-40B4-BE49-F238E27FC236}">
+                <a16:creationId xmlns:a16="http://schemas.microsoft.com/office/drawing/2014/main" id="{1DCA4ADD-3E6F-A64B-A23A-6A4292BA5D4B}"/>
+              </a:ext>
+            </a:extLst>
+          </p:cNvPr>
+          <p:cNvSpPr/>
+          <p:nvPr/>
+        </p:nvSpPr>
+        <p:spPr>
+          <a:xfrm>
+            <a:off x="7183652" y="5470180"/>
+            <a:ext cx="1163594" cy="923845"/>
+          </a:xfrm>
+          <a:prstGeom prst="rect">
+            <a:avLst/>
+          </a:prstGeom>
+        </p:spPr>
+        <p:style>
+          <a:lnRef idx="2">
+            <a:schemeClr val="accent1">
+              <a:shade val="50000"/>
+            </a:schemeClr>
+          </a:lnRef>
+          <a:fillRef idx="1">
+            <a:schemeClr val="accent1"/>
+          </a:fillRef>
+          <a:effectRef idx="0">
+            <a:schemeClr val="accent1"/>
+          </a:effectRef>
+          <a:fontRef idx="minor">
+            <a:schemeClr val="lt1"/>
+          </a:fontRef>
+        </p:style>
+        <p:txBody>
+          <a:bodyPr rtlCol="0" anchor="ctr"/>
+          <a:lstStyle/>
+          <a:p>
+            <a:pPr algn="ctr"/>
+            <a:r>
+              <a:rPr lang="en-US" dirty="0"/>
+              <a:t>Elastic Search</a:t>
+            </a:r>
+          </a:p>
+        </p:txBody>
+      </p:sp>
+      <p:cxnSp>
+        <p:nvCxnSpPr>
+          <p:cNvPr id="33" name="Elbow Connector 32">
+            <a:extLst>
+              <a:ext uri="{FF2B5EF4-FFF2-40B4-BE49-F238E27FC236}">
+                <a16:creationId xmlns:a16="http://schemas.microsoft.com/office/drawing/2014/main" id="{D9789AAA-47A3-4E4A-9DCA-7B7523E9C603}"/>
+              </a:ext>
+            </a:extLst>
+          </p:cNvPr>
+          <p:cNvCxnSpPr>
+            <a:stCxn id="26" idx="2"/>
+            <a:endCxn id="35" idx="0"/>
+          </p:cNvCxnSpPr>
+          <p:nvPr/>
+        </p:nvCxnSpPr>
+        <p:spPr>
+          <a:xfrm rot="5400000">
+            <a:off x="7350341" y="5055072"/>
+            <a:ext cx="830216" cy="12700"/>
+          </a:xfrm>
+          <a:prstGeom prst="bentConnector3">
+            <a:avLst/>
+          </a:prstGeom>
+          <a:ln>
+            <a:tailEnd type="triangle"/>
+          </a:ln>
+        </p:spPr>
+        <p:style>
+          <a:lnRef idx="1">
+            <a:schemeClr val="accent1"/>
+          </a:lnRef>
+          <a:fillRef idx="0">
+            <a:schemeClr val="accent1"/>
+          </a:fillRef>
+          <a:effectRef idx="0">
+            <a:schemeClr val="accent1"/>
+          </a:effectRef>
+          <a:fontRef idx="minor">
+            <a:schemeClr val="tx1"/>
+          </a:fontRef>
+        </p:style>
+      </p:cxnSp>
+      <p:sp>
+        <p:nvSpPr>
+          <p:cNvPr id="38" name="Rectangle 37">
+            <a:extLst>
+              <a:ext uri="{FF2B5EF4-FFF2-40B4-BE49-F238E27FC236}">
+                <a16:creationId xmlns:a16="http://schemas.microsoft.com/office/drawing/2014/main" id="{A797A191-8283-9344-BE64-66E8D3C0D3B6}"/>
+              </a:ext>
+            </a:extLst>
+          </p:cNvPr>
+          <p:cNvSpPr/>
+          <p:nvPr/>
+        </p:nvSpPr>
+        <p:spPr>
+          <a:xfrm>
+            <a:off x="9400921" y="1299003"/>
+            <a:ext cx="1757747" cy="1003987"/>
+          </a:xfrm>
+          <a:prstGeom prst="rect">
+            <a:avLst/>
+          </a:prstGeom>
+        </p:spPr>
+        <p:style>
+          <a:lnRef idx="1">
+            <a:schemeClr val="accent5"/>
+          </a:lnRef>
+          <a:fillRef idx="2">
+            <a:schemeClr val="accent5"/>
+          </a:fillRef>
+          <a:effectRef idx="1">
+            <a:schemeClr val="accent5"/>
+          </a:effectRef>
+          <a:fontRef idx="minor">
+            <a:schemeClr val="dk1"/>
+          </a:fontRef>
+        </p:style>
+        <p:txBody>
+          <a:bodyPr rtlCol="0" anchor="ctr"/>
+          <a:lstStyle/>
+          <a:p>
+            <a:pPr algn="ctr"/>
+            <a:r>
+              <a:rPr lang="en-US" dirty="0"/>
+              <a:t>Grafana/Power BI/</a:t>
+            </a:r>
+          </a:p>
+          <a:p>
+            <a:pPr algn="ctr"/>
+            <a:r>
+              <a:rPr lang="en-US" dirty="0"/>
+              <a:t>Tableau</a:t>
+            </a:r>
+          </a:p>
+        </p:txBody>
+      </p:sp>
+      <p:cxnSp>
+        <p:nvCxnSpPr>
+          <p:cNvPr id="41" name="Elbow Connector 40">
+            <a:extLst>
+              <a:ext uri="{FF2B5EF4-FFF2-40B4-BE49-F238E27FC236}">
+                <a16:creationId xmlns:a16="http://schemas.microsoft.com/office/drawing/2014/main" id="{B13481F5-A2C2-284E-B5C2-0CE337644520}"/>
+              </a:ext>
+            </a:extLst>
+          </p:cNvPr>
+          <p:cNvCxnSpPr>
+            <a:cxnSpLocks/>
+            <a:stCxn id="35" idx="3"/>
+            <a:endCxn id="28" idx="1"/>
+          </p:cNvCxnSpPr>
+          <p:nvPr/>
+        </p:nvCxnSpPr>
+        <p:spPr>
+          <a:xfrm flipV="1">
+            <a:off x="8347246" y="5750527"/>
+            <a:ext cx="1046975" cy="181576"/>
+          </a:xfrm>
+          <a:prstGeom prst="bentConnector3">
+            <a:avLst/>
+          </a:prstGeom>
+          <a:ln>
+            <a:tailEnd type="triangle"/>
+          </a:ln>
+        </p:spPr>
+        <p:style>
+          <a:lnRef idx="1">
+            <a:schemeClr val="accent1"/>
+          </a:lnRef>
+          <a:fillRef idx="0">
+            <a:schemeClr val="accent1"/>
+          </a:fillRef>
+          <a:effectRef idx="0">
+            <a:schemeClr val="accent1"/>
+          </a:effectRef>
+          <a:fontRef idx="minor">
+            <a:schemeClr val="tx1"/>
+          </a:fontRef>
+        </p:style>
+      </p:cxnSp>
     </p:spTree>
     <p:extLst>
       <p:ext uri="{BB962C8B-B14F-4D97-AF65-F5344CB8AC3E}">
@@ -9163,7 +9353,7 @@
         <p:spPr>
           <a:xfrm>
             <a:off x="741405" y="914400"/>
-            <a:ext cx="9601200" cy="2585323"/>
+            <a:ext cx="9601200" cy="3693319"/>
           </a:xfrm>
           <a:prstGeom prst="rect">
             <a:avLst/>
@@ -9213,6 +9403,41 @@
             <a:r>
               <a:rPr lang="en-US" dirty="0"/>
               <a:t> It will sync up all the csv files ( Account / Contact / Product Category / Product /Order / Cleansed Click stream data into Redshift ). </a:t>
+            </a:r>
+          </a:p>
+          <a:p>
+            <a:pPr marL="342900" indent="-342900">
+              <a:buAutoNum type="arabicPeriod"/>
+            </a:pPr>
+            <a:endParaRPr lang="en-US" dirty="0"/>
+          </a:p>
+          <a:p>
+            <a:pPr marL="342900" indent="-342900">
+              <a:buAutoNum type="arabicPeriod"/>
+            </a:pPr>
+            <a:r>
+              <a:rPr lang="en-US" dirty="0"/>
+              <a:t>Generic Jobs to syn data from (Thomas)</a:t>
+            </a:r>
+          </a:p>
+          <a:p>
+            <a:pPr marL="800100" lvl="1" indent="-342900">
+              <a:buFont typeface="Arial" panose="020B0604020202020204" pitchFamily="34" charset="0"/>
+              <a:buChar char="•"/>
+            </a:pPr>
+            <a:r>
+              <a:rPr lang="en-US" dirty="0"/>
+              <a:t>S3 2 Redshift</a:t>
+            </a:r>
+          </a:p>
+          <a:p>
+            <a:pPr marL="800100" lvl="1" indent="-342900">
+              <a:buFont typeface="Arial" panose="020B0604020202020204" pitchFamily="34" charset="0"/>
+              <a:buChar char="•"/>
+            </a:pPr>
+            <a:r>
+              <a:rPr lang="en-US" dirty="0"/>
+              <a:t>Redshift 2 Elastic search</a:t>
             </a:r>
           </a:p>
           <a:p>
